--- a/Game_Design/Vodoo_Doll.pptx
+++ b/Game_Design/Vodoo_Doll.pptx
@@ -272,7 +272,7 @@
           <a:p>
             <a:fld id="{A0AEA3D6-7416-485F-884C-5C36CF5C1AA1}" type="datetimeFigureOut">
               <a:rPr lang="ko-KR" altLang="en-US" smtClean="0"/>
-              <a:t>2022-10-10</a:t>
+              <a:t>2022-10-11</a:t>
             </a:fld>
             <a:endParaRPr lang="ko-KR" altLang="en-US"/>
           </a:p>
@@ -470,7 +470,7 @@
           <a:p>
             <a:fld id="{A0AEA3D6-7416-485F-884C-5C36CF5C1AA1}" type="datetimeFigureOut">
               <a:rPr lang="ko-KR" altLang="en-US" smtClean="0"/>
-              <a:t>2022-10-10</a:t>
+              <a:t>2022-10-11</a:t>
             </a:fld>
             <a:endParaRPr lang="ko-KR" altLang="en-US"/>
           </a:p>
@@ -678,7 +678,7 @@
           <a:p>
             <a:fld id="{A0AEA3D6-7416-485F-884C-5C36CF5C1AA1}" type="datetimeFigureOut">
               <a:rPr lang="ko-KR" altLang="en-US" smtClean="0"/>
-              <a:t>2022-10-10</a:t>
+              <a:t>2022-10-11</a:t>
             </a:fld>
             <a:endParaRPr lang="ko-KR" altLang="en-US"/>
           </a:p>
@@ -876,7 +876,7 @@
           <a:p>
             <a:fld id="{A0AEA3D6-7416-485F-884C-5C36CF5C1AA1}" type="datetimeFigureOut">
               <a:rPr lang="ko-KR" altLang="en-US" smtClean="0"/>
-              <a:t>2022-10-10</a:t>
+              <a:t>2022-10-11</a:t>
             </a:fld>
             <a:endParaRPr lang="ko-KR" altLang="en-US"/>
           </a:p>
@@ -1151,7 +1151,7 @@
           <a:p>
             <a:fld id="{A0AEA3D6-7416-485F-884C-5C36CF5C1AA1}" type="datetimeFigureOut">
               <a:rPr lang="ko-KR" altLang="en-US" smtClean="0"/>
-              <a:t>2022-10-10</a:t>
+              <a:t>2022-10-11</a:t>
             </a:fld>
             <a:endParaRPr lang="ko-KR" altLang="en-US"/>
           </a:p>
@@ -1416,7 +1416,7 @@
           <a:p>
             <a:fld id="{A0AEA3D6-7416-485F-884C-5C36CF5C1AA1}" type="datetimeFigureOut">
               <a:rPr lang="ko-KR" altLang="en-US" smtClean="0"/>
-              <a:t>2022-10-10</a:t>
+              <a:t>2022-10-11</a:t>
             </a:fld>
             <a:endParaRPr lang="ko-KR" altLang="en-US"/>
           </a:p>
@@ -1828,7 +1828,7 @@
           <a:p>
             <a:fld id="{A0AEA3D6-7416-485F-884C-5C36CF5C1AA1}" type="datetimeFigureOut">
               <a:rPr lang="ko-KR" altLang="en-US" smtClean="0"/>
-              <a:t>2022-10-10</a:t>
+              <a:t>2022-10-11</a:t>
             </a:fld>
             <a:endParaRPr lang="ko-KR" altLang="en-US"/>
           </a:p>
@@ -1969,7 +1969,7 @@
           <a:p>
             <a:fld id="{A0AEA3D6-7416-485F-884C-5C36CF5C1AA1}" type="datetimeFigureOut">
               <a:rPr lang="ko-KR" altLang="en-US" smtClean="0"/>
-              <a:t>2022-10-10</a:t>
+              <a:t>2022-10-11</a:t>
             </a:fld>
             <a:endParaRPr lang="ko-KR" altLang="en-US"/>
           </a:p>
@@ -2082,7 +2082,7 @@
           <a:p>
             <a:fld id="{A0AEA3D6-7416-485F-884C-5C36CF5C1AA1}" type="datetimeFigureOut">
               <a:rPr lang="ko-KR" altLang="en-US" smtClean="0"/>
-              <a:t>2022-10-10</a:t>
+              <a:t>2022-10-11</a:t>
             </a:fld>
             <a:endParaRPr lang="ko-KR" altLang="en-US"/>
           </a:p>
@@ -2393,7 +2393,7 @@
           <a:p>
             <a:fld id="{A0AEA3D6-7416-485F-884C-5C36CF5C1AA1}" type="datetimeFigureOut">
               <a:rPr lang="ko-KR" altLang="en-US" smtClean="0"/>
-              <a:t>2022-10-10</a:t>
+              <a:t>2022-10-11</a:t>
             </a:fld>
             <a:endParaRPr lang="ko-KR" altLang="en-US"/>
           </a:p>
@@ -2681,7 +2681,7 @@
           <a:p>
             <a:fld id="{A0AEA3D6-7416-485F-884C-5C36CF5C1AA1}" type="datetimeFigureOut">
               <a:rPr lang="ko-KR" altLang="en-US" smtClean="0"/>
-              <a:t>2022-10-10</a:t>
+              <a:t>2022-10-11</a:t>
             </a:fld>
             <a:endParaRPr lang="ko-KR" altLang="en-US"/>
           </a:p>
@@ -2922,7 +2922,7 @@
           <a:p>
             <a:fld id="{A0AEA3D6-7416-485F-884C-5C36CF5C1AA1}" type="datetimeFigureOut">
               <a:rPr lang="ko-KR" altLang="en-US" smtClean="0"/>
-              <a:t>2022-10-10</a:t>
+              <a:t>2022-10-11</a:t>
             </a:fld>
             <a:endParaRPr lang="ko-KR" altLang="en-US"/>
           </a:p>
@@ -4746,6 +4746,54 @@
           </a:p>
         </p:txBody>
       </p:sp>
+      <p:sp>
+        <p:nvSpPr>
+          <p:cNvPr id="4" name="TextBox 3">
+            <a:extLst>
+              <a:ext uri="{FF2B5EF4-FFF2-40B4-BE49-F238E27FC236}">
+                <a16:creationId xmlns:a16="http://schemas.microsoft.com/office/drawing/2014/main" id="{0D5513E9-9269-AD1B-A15B-167C2A33C164}"/>
+              </a:ext>
+            </a:extLst>
+          </p:cNvPr>
+          <p:cNvSpPr txBox="1"/>
+          <p:nvPr/>
+        </p:nvSpPr>
+        <p:spPr>
+          <a:xfrm>
+            <a:off x="11643452" y="6596390"/>
+            <a:ext cx="542136" cy="261610"/>
+          </a:xfrm>
+          <a:prstGeom prst="rect">
+            <a:avLst/>
+          </a:prstGeom>
+          <a:noFill/>
+        </p:spPr>
+        <p:txBody>
+          <a:bodyPr wrap="none" rtlCol="0">
+            <a:spAutoFit/>
+          </a:bodyPr>
+          <a:lstStyle/>
+          <a:p>
+            <a:r>
+              <a:rPr lang="en-US" altLang="ko-KR" sz="1100" dirty="0">
+                <a:solidFill>
+                  <a:srgbClr val="C00000"/>
+                </a:solidFill>
+                <a:latin typeface="Noto Sans CJK KR Light" panose="020B0300000000000000" pitchFamily="34" charset="-127"/>
+                <a:ea typeface="Noto Sans CJK KR Light" panose="020B0300000000000000" pitchFamily="34" charset="-127"/>
+              </a:rPr>
+              <a:t>10/14</a:t>
+            </a:r>
+            <a:endParaRPr lang="ko-KR" altLang="en-US" sz="1100" dirty="0">
+              <a:solidFill>
+                <a:srgbClr val="C00000"/>
+              </a:solidFill>
+              <a:latin typeface="Noto Sans CJK KR Light" panose="020B0300000000000000" pitchFamily="34" charset="-127"/>
+              <a:ea typeface="Noto Sans CJK KR Light" panose="020B0300000000000000" pitchFamily="34" charset="-127"/>
+            </a:endParaRPr>
+          </a:p>
+        </p:txBody>
+      </p:sp>
     </p:spTree>
     <p:extLst>
       <p:ext uri="{BB962C8B-B14F-4D97-AF65-F5344CB8AC3E}">
@@ -5388,6 +5436,54 @@
           </a:p>
         </p:txBody>
       </p:sp>
+      <p:sp>
+        <p:nvSpPr>
+          <p:cNvPr id="5" name="TextBox 4">
+            <a:extLst>
+              <a:ext uri="{FF2B5EF4-FFF2-40B4-BE49-F238E27FC236}">
+                <a16:creationId xmlns:a16="http://schemas.microsoft.com/office/drawing/2014/main" id="{A2FB9992-9535-E72A-999A-B3F156B4CF78}"/>
+              </a:ext>
+            </a:extLst>
+          </p:cNvPr>
+          <p:cNvSpPr txBox="1"/>
+          <p:nvPr/>
+        </p:nvSpPr>
+        <p:spPr>
+          <a:xfrm>
+            <a:off x="11643452" y="6596390"/>
+            <a:ext cx="542136" cy="261610"/>
+          </a:xfrm>
+          <a:prstGeom prst="rect">
+            <a:avLst/>
+          </a:prstGeom>
+          <a:noFill/>
+        </p:spPr>
+        <p:txBody>
+          <a:bodyPr wrap="none" rtlCol="0">
+            <a:spAutoFit/>
+          </a:bodyPr>
+          <a:lstStyle/>
+          <a:p>
+            <a:r>
+              <a:rPr lang="en-US" altLang="ko-KR" sz="1100" dirty="0">
+                <a:solidFill>
+                  <a:srgbClr val="C00000"/>
+                </a:solidFill>
+                <a:latin typeface="Noto Sans CJK KR Light" panose="020B0300000000000000" pitchFamily="34" charset="-127"/>
+                <a:ea typeface="Noto Sans CJK KR Light" panose="020B0300000000000000" pitchFamily="34" charset="-127"/>
+              </a:rPr>
+              <a:t>11/14</a:t>
+            </a:r>
+            <a:endParaRPr lang="ko-KR" altLang="en-US" sz="1100" dirty="0">
+              <a:solidFill>
+                <a:srgbClr val="C00000"/>
+              </a:solidFill>
+              <a:latin typeface="Noto Sans CJK KR Light" panose="020B0300000000000000" pitchFamily="34" charset="-127"/>
+              <a:ea typeface="Noto Sans CJK KR Light" panose="020B0300000000000000" pitchFamily="34" charset="-127"/>
+            </a:endParaRPr>
+          </a:p>
+        </p:txBody>
+      </p:sp>
     </p:spTree>
     <p:extLst>
       <p:ext uri="{BB962C8B-B14F-4D97-AF65-F5344CB8AC3E}">
@@ -5766,6 +5862,54 @@
           </a:p>
         </p:txBody>
       </p:sp>
+      <p:sp>
+        <p:nvSpPr>
+          <p:cNvPr id="3" name="TextBox 2">
+            <a:extLst>
+              <a:ext uri="{FF2B5EF4-FFF2-40B4-BE49-F238E27FC236}">
+                <a16:creationId xmlns:a16="http://schemas.microsoft.com/office/drawing/2014/main" id="{6FB0200B-4780-F079-BFEF-2BAB36FD7BD7}"/>
+              </a:ext>
+            </a:extLst>
+          </p:cNvPr>
+          <p:cNvSpPr txBox="1"/>
+          <p:nvPr/>
+        </p:nvSpPr>
+        <p:spPr>
+          <a:xfrm>
+            <a:off x="11643452" y="6596390"/>
+            <a:ext cx="542136" cy="261610"/>
+          </a:xfrm>
+          <a:prstGeom prst="rect">
+            <a:avLst/>
+          </a:prstGeom>
+          <a:noFill/>
+        </p:spPr>
+        <p:txBody>
+          <a:bodyPr wrap="none" rtlCol="0">
+            <a:spAutoFit/>
+          </a:bodyPr>
+          <a:lstStyle/>
+          <a:p>
+            <a:r>
+              <a:rPr lang="en-US" altLang="ko-KR" sz="1100" dirty="0">
+                <a:solidFill>
+                  <a:srgbClr val="C00000"/>
+                </a:solidFill>
+                <a:latin typeface="Noto Sans CJK KR Light" panose="020B0300000000000000" pitchFamily="34" charset="-127"/>
+                <a:ea typeface="Noto Sans CJK KR Light" panose="020B0300000000000000" pitchFamily="34" charset="-127"/>
+              </a:rPr>
+              <a:t>12/14</a:t>
+            </a:r>
+            <a:endParaRPr lang="ko-KR" altLang="en-US" sz="1100" dirty="0">
+              <a:solidFill>
+                <a:srgbClr val="C00000"/>
+              </a:solidFill>
+              <a:latin typeface="Noto Sans CJK KR Light" panose="020B0300000000000000" pitchFamily="34" charset="-127"/>
+              <a:ea typeface="Noto Sans CJK KR Light" panose="020B0300000000000000" pitchFamily="34" charset="-127"/>
+            </a:endParaRPr>
+          </a:p>
+        </p:txBody>
+      </p:sp>
     </p:spTree>
     <p:extLst>
       <p:ext uri="{BB962C8B-B14F-4D97-AF65-F5344CB8AC3E}">
@@ -6090,6 +6234,54 @@
           </a:p>
         </p:txBody>
       </p:sp>
+      <p:sp>
+        <p:nvSpPr>
+          <p:cNvPr id="3" name="TextBox 2">
+            <a:extLst>
+              <a:ext uri="{FF2B5EF4-FFF2-40B4-BE49-F238E27FC236}">
+                <a16:creationId xmlns:a16="http://schemas.microsoft.com/office/drawing/2014/main" id="{E4AC30E0-04D1-E7CB-420E-FE7A5DAAECC9}"/>
+              </a:ext>
+            </a:extLst>
+          </p:cNvPr>
+          <p:cNvSpPr txBox="1"/>
+          <p:nvPr/>
+        </p:nvSpPr>
+        <p:spPr>
+          <a:xfrm>
+            <a:off x="11643452" y="6596390"/>
+            <a:ext cx="542136" cy="261610"/>
+          </a:xfrm>
+          <a:prstGeom prst="rect">
+            <a:avLst/>
+          </a:prstGeom>
+          <a:noFill/>
+        </p:spPr>
+        <p:txBody>
+          <a:bodyPr wrap="none" rtlCol="0">
+            <a:spAutoFit/>
+          </a:bodyPr>
+          <a:lstStyle/>
+          <a:p>
+            <a:r>
+              <a:rPr lang="en-US" altLang="ko-KR" sz="1100" dirty="0">
+                <a:solidFill>
+                  <a:srgbClr val="C00000"/>
+                </a:solidFill>
+                <a:latin typeface="Noto Sans CJK KR Light" panose="020B0300000000000000" pitchFamily="34" charset="-127"/>
+                <a:ea typeface="Noto Sans CJK KR Light" panose="020B0300000000000000" pitchFamily="34" charset="-127"/>
+              </a:rPr>
+              <a:t>13/14</a:t>
+            </a:r>
+            <a:endParaRPr lang="ko-KR" altLang="en-US" sz="1100" dirty="0">
+              <a:solidFill>
+                <a:srgbClr val="C00000"/>
+              </a:solidFill>
+              <a:latin typeface="Noto Sans CJK KR Light" panose="020B0300000000000000" pitchFamily="34" charset="-127"/>
+              <a:ea typeface="Noto Sans CJK KR Light" panose="020B0300000000000000" pitchFamily="34" charset="-127"/>
+            </a:endParaRPr>
+          </a:p>
+        </p:txBody>
+      </p:sp>
     </p:spTree>
     <p:extLst>
       <p:ext uri="{BB962C8B-B14F-4D97-AF65-F5344CB8AC3E}">
@@ -6807,6 +6999,54 @@
           </a:p>
         </p:txBody>
       </p:sp>
+      <p:sp>
+        <p:nvSpPr>
+          <p:cNvPr id="4" name="TextBox 3">
+            <a:extLst>
+              <a:ext uri="{FF2B5EF4-FFF2-40B4-BE49-F238E27FC236}">
+                <a16:creationId xmlns:a16="http://schemas.microsoft.com/office/drawing/2014/main" id="{44E6AAC8-9468-63F1-3BC2-A9768D58A188}"/>
+              </a:ext>
+            </a:extLst>
+          </p:cNvPr>
+          <p:cNvSpPr txBox="1"/>
+          <p:nvPr/>
+        </p:nvSpPr>
+        <p:spPr>
+          <a:xfrm>
+            <a:off x="11643452" y="6596390"/>
+            <a:ext cx="542136" cy="261610"/>
+          </a:xfrm>
+          <a:prstGeom prst="rect">
+            <a:avLst/>
+          </a:prstGeom>
+          <a:noFill/>
+        </p:spPr>
+        <p:txBody>
+          <a:bodyPr wrap="none" rtlCol="0">
+            <a:spAutoFit/>
+          </a:bodyPr>
+          <a:lstStyle/>
+          <a:p>
+            <a:r>
+              <a:rPr lang="en-US" altLang="ko-KR" sz="1100" dirty="0">
+                <a:solidFill>
+                  <a:srgbClr val="C00000"/>
+                </a:solidFill>
+                <a:latin typeface="Noto Sans CJK KR Light" panose="020B0300000000000000" pitchFamily="34" charset="-127"/>
+                <a:ea typeface="Noto Sans CJK KR Light" panose="020B0300000000000000" pitchFamily="34" charset="-127"/>
+              </a:rPr>
+              <a:t>14/14</a:t>
+            </a:r>
+            <a:endParaRPr lang="ko-KR" altLang="en-US" sz="1100" dirty="0">
+              <a:solidFill>
+                <a:srgbClr val="C00000"/>
+              </a:solidFill>
+              <a:latin typeface="Noto Sans CJK KR Light" panose="020B0300000000000000" pitchFamily="34" charset="-127"/>
+              <a:ea typeface="Noto Sans CJK KR Light" panose="020B0300000000000000" pitchFamily="34" charset="-127"/>
+            </a:endParaRPr>
+          </a:p>
+        </p:txBody>
+      </p:sp>
     </p:spTree>
     <p:extLst>
       <p:ext uri="{BB962C8B-B14F-4D97-AF65-F5344CB8AC3E}">
@@ -8285,6 +8525,54 @@
           </a:p>
         </p:txBody>
       </p:sp>
+      <p:sp>
+        <p:nvSpPr>
+          <p:cNvPr id="4" name="TextBox 3">
+            <a:extLst>
+              <a:ext uri="{FF2B5EF4-FFF2-40B4-BE49-F238E27FC236}">
+                <a16:creationId xmlns:a16="http://schemas.microsoft.com/office/drawing/2014/main" id="{A7DE26D0-0767-FA93-E1ED-206B9E026A24}"/>
+              </a:ext>
+            </a:extLst>
+          </p:cNvPr>
+          <p:cNvSpPr txBox="1"/>
+          <p:nvPr/>
+        </p:nvSpPr>
+        <p:spPr>
+          <a:xfrm>
+            <a:off x="11643452" y="6596390"/>
+            <a:ext cx="548548" cy="261610"/>
+          </a:xfrm>
+          <a:prstGeom prst="rect">
+            <a:avLst/>
+          </a:prstGeom>
+          <a:noFill/>
+        </p:spPr>
+        <p:txBody>
+          <a:bodyPr wrap="none" rtlCol="0">
+            <a:spAutoFit/>
+          </a:bodyPr>
+          <a:lstStyle/>
+          <a:p>
+            <a:r>
+              <a:rPr lang="en-US" altLang="ko-KR" sz="1100" dirty="0">
+                <a:solidFill>
+                  <a:srgbClr val="C00000"/>
+                </a:solidFill>
+                <a:latin typeface="Noto Sans CJK KR Light" panose="020B0300000000000000" pitchFamily="34" charset="-127"/>
+                <a:ea typeface="Noto Sans CJK KR Light" panose="020B0300000000000000" pitchFamily="34" charset="-127"/>
+              </a:rPr>
+              <a:t>03/14</a:t>
+            </a:r>
+            <a:endParaRPr lang="ko-KR" altLang="en-US" sz="1100" dirty="0">
+              <a:solidFill>
+                <a:srgbClr val="C00000"/>
+              </a:solidFill>
+              <a:latin typeface="Noto Sans CJK KR Light" panose="020B0300000000000000" pitchFamily="34" charset="-127"/>
+              <a:ea typeface="Noto Sans CJK KR Light" panose="020B0300000000000000" pitchFamily="34" charset="-127"/>
+            </a:endParaRPr>
+          </a:p>
+        </p:txBody>
+      </p:sp>
     </p:spTree>
     <p:extLst>
       <p:ext uri="{BB962C8B-B14F-4D97-AF65-F5344CB8AC3E}">
@@ -9350,6 +9638,54 @@
               </a:rPr>
               <a:t>게임 소개</a:t>
             </a:r>
+          </a:p>
+        </p:txBody>
+      </p:sp>
+      <p:sp>
+        <p:nvSpPr>
+          <p:cNvPr id="2" name="TextBox 1">
+            <a:extLst>
+              <a:ext uri="{FF2B5EF4-FFF2-40B4-BE49-F238E27FC236}">
+                <a16:creationId xmlns:a16="http://schemas.microsoft.com/office/drawing/2014/main" id="{29AA63C1-0386-7F91-4BF4-9CE6EA4B03FF}"/>
+              </a:ext>
+            </a:extLst>
+          </p:cNvPr>
+          <p:cNvSpPr txBox="1"/>
+          <p:nvPr/>
+        </p:nvSpPr>
+        <p:spPr>
+          <a:xfrm>
+            <a:off x="11643452" y="6596390"/>
+            <a:ext cx="542136" cy="261610"/>
+          </a:xfrm>
+          <a:prstGeom prst="rect">
+            <a:avLst/>
+          </a:prstGeom>
+          <a:noFill/>
+        </p:spPr>
+        <p:txBody>
+          <a:bodyPr wrap="none" rtlCol="0">
+            <a:spAutoFit/>
+          </a:bodyPr>
+          <a:lstStyle/>
+          <a:p>
+            <a:r>
+              <a:rPr lang="en-US" altLang="ko-KR" sz="1100" dirty="0">
+                <a:solidFill>
+                  <a:srgbClr val="C00000"/>
+                </a:solidFill>
+                <a:latin typeface="Noto Sans CJK KR Light" panose="020B0300000000000000" pitchFamily="34" charset="-127"/>
+                <a:ea typeface="Noto Sans CJK KR Light" panose="020B0300000000000000" pitchFamily="34" charset="-127"/>
+              </a:rPr>
+              <a:t>04/14</a:t>
+            </a:r>
+            <a:endParaRPr lang="ko-KR" altLang="en-US" sz="1100" dirty="0">
+              <a:solidFill>
+                <a:srgbClr val="C00000"/>
+              </a:solidFill>
+              <a:latin typeface="Noto Sans CJK KR Light" panose="020B0300000000000000" pitchFamily="34" charset="-127"/>
+              <a:ea typeface="Noto Sans CJK KR Light" panose="020B0300000000000000" pitchFamily="34" charset="-127"/>
+            </a:endParaRPr>
           </a:p>
         </p:txBody>
       </p:sp>
@@ -10962,6 +11298,54 @@
           </a:p>
         </p:txBody>
       </p:sp>
+      <p:sp>
+        <p:nvSpPr>
+          <p:cNvPr id="2" name="TextBox 1">
+            <a:extLst>
+              <a:ext uri="{FF2B5EF4-FFF2-40B4-BE49-F238E27FC236}">
+                <a16:creationId xmlns:a16="http://schemas.microsoft.com/office/drawing/2014/main" id="{61180A20-1052-A847-7F3B-65FB659BB9FE}"/>
+              </a:ext>
+            </a:extLst>
+          </p:cNvPr>
+          <p:cNvSpPr txBox="1"/>
+          <p:nvPr/>
+        </p:nvSpPr>
+        <p:spPr>
+          <a:xfrm>
+            <a:off x="11643452" y="6596390"/>
+            <a:ext cx="542136" cy="261610"/>
+          </a:xfrm>
+          <a:prstGeom prst="rect">
+            <a:avLst/>
+          </a:prstGeom>
+          <a:noFill/>
+        </p:spPr>
+        <p:txBody>
+          <a:bodyPr wrap="none" rtlCol="0">
+            <a:spAutoFit/>
+          </a:bodyPr>
+          <a:lstStyle/>
+          <a:p>
+            <a:r>
+              <a:rPr lang="en-US" altLang="ko-KR" sz="1100" dirty="0">
+                <a:solidFill>
+                  <a:srgbClr val="C00000"/>
+                </a:solidFill>
+                <a:latin typeface="Noto Sans CJK KR Light" panose="020B0300000000000000" pitchFamily="34" charset="-127"/>
+                <a:ea typeface="Noto Sans CJK KR Light" panose="020B0300000000000000" pitchFamily="34" charset="-127"/>
+              </a:rPr>
+              <a:t>05/14</a:t>
+            </a:r>
+            <a:endParaRPr lang="ko-KR" altLang="en-US" sz="1100" dirty="0">
+              <a:solidFill>
+                <a:srgbClr val="C00000"/>
+              </a:solidFill>
+              <a:latin typeface="Noto Sans CJK KR Light" panose="020B0300000000000000" pitchFamily="34" charset="-127"/>
+              <a:ea typeface="Noto Sans CJK KR Light" panose="020B0300000000000000" pitchFamily="34" charset="-127"/>
+            </a:endParaRPr>
+          </a:p>
+        </p:txBody>
+      </p:sp>
     </p:spTree>
     <p:extLst>
       <p:ext uri="{BB962C8B-B14F-4D97-AF65-F5344CB8AC3E}">
@@ -13546,6 +13930,54 @@
           </a:p>
         </p:txBody>
       </p:sp>
+      <p:sp>
+        <p:nvSpPr>
+          <p:cNvPr id="2" name="TextBox 1">
+            <a:extLst>
+              <a:ext uri="{FF2B5EF4-FFF2-40B4-BE49-F238E27FC236}">
+                <a16:creationId xmlns:a16="http://schemas.microsoft.com/office/drawing/2014/main" id="{A57328B6-E358-4FE7-7EA3-3637B49CB20D}"/>
+              </a:ext>
+            </a:extLst>
+          </p:cNvPr>
+          <p:cNvSpPr txBox="1"/>
+          <p:nvPr/>
+        </p:nvSpPr>
+        <p:spPr>
+          <a:xfrm>
+            <a:off x="11643452" y="6596390"/>
+            <a:ext cx="542136" cy="261610"/>
+          </a:xfrm>
+          <a:prstGeom prst="rect">
+            <a:avLst/>
+          </a:prstGeom>
+          <a:noFill/>
+        </p:spPr>
+        <p:txBody>
+          <a:bodyPr wrap="none" rtlCol="0">
+            <a:spAutoFit/>
+          </a:bodyPr>
+          <a:lstStyle/>
+          <a:p>
+            <a:r>
+              <a:rPr lang="en-US" altLang="ko-KR" sz="1100" dirty="0">
+                <a:solidFill>
+                  <a:srgbClr val="C00000"/>
+                </a:solidFill>
+                <a:latin typeface="Noto Sans CJK KR Light" panose="020B0300000000000000" pitchFamily="34" charset="-127"/>
+                <a:ea typeface="Noto Sans CJK KR Light" panose="020B0300000000000000" pitchFamily="34" charset="-127"/>
+              </a:rPr>
+              <a:t>06/14</a:t>
+            </a:r>
+            <a:endParaRPr lang="ko-KR" altLang="en-US" sz="1100" dirty="0">
+              <a:solidFill>
+                <a:srgbClr val="C00000"/>
+              </a:solidFill>
+              <a:latin typeface="Noto Sans CJK KR Light" panose="020B0300000000000000" pitchFamily="34" charset="-127"/>
+              <a:ea typeface="Noto Sans CJK KR Light" panose="020B0300000000000000" pitchFamily="34" charset="-127"/>
+            </a:endParaRPr>
+          </a:p>
+        </p:txBody>
+      </p:sp>
     </p:spTree>
     <p:extLst>
       <p:ext uri="{BB962C8B-B14F-4D97-AF65-F5344CB8AC3E}">
@@ -13714,8 +14146,8 @@
         </p:nvSpPr>
         <p:spPr>
           <a:xfrm>
-            <a:off x="466144" y="2280803"/>
-            <a:ext cx="3925471" cy="492759"/>
+            <a:off x="787078" y="2250100"/>
+            <a:ext cx="4032509" cy="492759"/>
           </a:xfrm>
           <a:prstGeom prst="rect">
             <a:avLst/>
@@ -13915,8 +14347,8 @@
         </p:nvSpPr>
         <p:spPr>
           <a:xfrm>
-            <a:off x="466143" y="3065297"/>
-            <a:ext cx="3925471" cy="492759"/>
+            <a:off x="787078" y="2906592"/>
+            <a:ext cx="4032509" cy="492759"/>
           </a:xfrm>
           <a:prstGeom prst="rect">
             <a:avLst/>
@@ -13969,8 +14401,8 @@
         </p:nvSpPr>
         <p:spPr>
           <a:xfrm>
-            <a:off x="466143" y="3849791"/>
-            <a:ext cx="3925471" cy="492759"/>
+            <a:off x="787078" y="3548947"/>
+            <a:ext cx="4032509" cy="492759"/>
           </a:xfrm>
           <a:prstGeom prst="rect">
             <a:avLst/>
@@ -14023,7 +14455,7 @@
         </p:nvSpPr>
         <p:spPr>
           <a:xfrm>
-            <a:off x="525628" y="3926893"/>
+            <a:off x="783331" y="3621548"/>
             <a:ext cx="3858749" cy="338554"/>
           </a:xfrm>
           <a:prstGeom prst="rect">
@@ -14061,8 +14493,8 @@
         </p:nvSpPr>
         <p:spPr>
           <a:xfrm>
-            <a:off x="458906" y="4593090"/>
-            <a:ext cx="3925471" cy="492759"/>
+            <a:off x="787078" y="4179346"/>
+            <a:ext cx="4032509" cy="492759"/>
           </a:xfrm>
           <a:prstGeom prst="rect">
             <a:avLst/>
@@ -14115,8 +14547,8 @@
         </p:nvSpPr>
         <p:spPr>
           <a:xfrm>
-            <a:off x="499503" y="2357905"/>
-            <a:ext cx="3858749" cy="338554"/>
+            <a:off x="783331" y="2327202"/>
+            <a:ext cx="2210862" cy="338554"/>
           </a:xfrm>
           <a:prstGeom prst="rect">
             <a:avLst/>
@@ -14130,18 +14562,11 @@
           <a:lstStyle/>
           <a:p>
             <a:r>
-              <a:rPr lang="ko-KR" altLang="en-US" sz="1600">
-                <a:latin typeface="Noto Sans CJK KR Light" panose="020B0300000000000000" pitchFamily="34" charset="-127"/>
-                <a:ea typeface="Noto Sans CJK KR Light" panose="020B0300000000000000" pitchFamily="34" charset="-127"/>
-              </a:rPr>
-              <a:t>인형의 집 침대에서 출발해 출구를 </a:t>
-            </a:r>
-            <a:r>
               <a:rPr lang="ko-KR" altLang="en-US" sz="1600" dirty="0">
                 <a:latin typeface="Noto Sans CJK KR Light" panose="020B0300000000000000" pitchFamily="34" charset="-127"/>
                 <a:ea typeface="Noto Sans CJK KR Light" panose="020B0300000000000000" pitchFamily="34" charset="-127"/>
               </a:rPr>
-              <a:t>향해 이동</a:t>
+              <a:t>인형의 집 침대에서 출발</a:t>
             </a:r>
           </a:p>
         </p:txBody>
@@ -14160,7 +14585,7 @@
         </p:nvSpPr>
         <p:spPr>
           <a:xfrm>
-            <a:off x="748747" y="3142399"/>
+            <a:off x="783331" y="2990983"/>
             <a:ext cx="3345788" cy="338554"/>
           </a:xfrm>
           <a:prstGeom prst="rect">
@@ -14212,7 +14637,7 @@
         </p:nvSpPr>
         <p:spPr>
           <a:xfrm>
-            <a:off x="805677" y="4712413"/>
+            <a:off x="783331" y="4252791"/>
             <a:ext cx="3246402" cy="338554"/>
           </a:xfrm>
           <a:prstGeom prst="rect">
@@ -14250,14 +14675,14 @@
         </p:nvSpPr>
         <p:spPr>
           <a:xfrm>
-            <a:off x="7202637" y="2417963"/>
-            <a:ext cx="2141051" cy="726320"/>
+            <a:off x="7971562" y="2696459"/>
+            <a:ext cx="1352719" cy="399799"/>
           </a:xfrm>
           <a:prstGeom prst="uturnArrow">
             <a:avLst>
-              <a:gd name="adj1" fmla="val 13600"/>
-              <a:gd name="adj2" fmla="val 21597"/>
-              <a:gd name="adj3" fmla="val 22842"/>
+              <a:gd name="adj1" fmla="val 30373"/>
+              <a:gd name="adj2" fmla="val 25000"/>
+              <a:gd name="adj3" fmla="val 14742"/>
               <a:gd name="adj4" fmla="val 38439"/>
               <a:gd name="adj5" fmla="val 100000"/>
             </a:avLst>
@@ -14314,7 +14739,7 @@
         </p:nvSpPr>
         <p:spPr>
           <a:xfrm>
-            <a:off x="4666724" y="3200196"/>
+            <a:off x="5207898" y="3203556"/>
             <a:ext cx="1643399" cy="588368"/>
           </a:xfrm>
           <a:prstGeom prst="roundRect">
@@ -14368,7 +14793,7 @@
         </p:nvSpPr>
         <p:spPr>
           <a:xfrm>
-            <a:off x="4666724" y="3325103"/>
+            <a:off x="5207898" y="3328463"/>
             <a:ext cx="1643399" cy="338554"/>
           </a:xfrm>
           <a:prstGeom prst="rect">
@@ -14513,7 +14938,7 @@
         </p:nvCxnSpPr>
         <p:spPr>
           <a:xfrm>
-            <a:off x="6310123" y="3494380"/>
+            <a:off x="6851297" y="3497740"/>
             <a:ext cx="885019" cy="4893"/>
           </a:xfrm>
           <a:prstGeom prst="straightConnector1">
@@ -14523,7 +14948,7 @@
             <a:solidFill>
               <a:srgbClr val="920000"/>
             </a:solidFill>
-            <a:tailEnd type="none"/>
+            <a:tailEnd type="triangle"/>
           </a:ln>
         </p:spPr>
         <p:style>
@@ -14557,7 +14982,7 @@
         </p:nvSpPr>
         <p:spPr>
           <a:xfrm>
-            <a:off x="7195142" y="3209981"/>
+            <a:off x="7736316" y="3213341"/>
             <a:ext cx="578583" cy="578583"/>
           </a:xfrm>
           <a:prstGeom prst="ellipse">
@@ -14625,7 +15050,7 @@
         </p:blipFill>
         <p:spPr>
           <a:xfrm>
-            <a:off x="7300483" y="3314633"/>
+            <a:off x="7858032" y="3314393"/>
             <a:ext cx="351526" cy="351526"/>
           </a:xfrm>
           <a:prstGeom prst="rect">
@@ -14716,7 +15141,7 @@
         </p:nvSpPr>
         <p:spPr>
           <a:xfrm rot="20882737">
-            <a:off x="281700" y="1824508"/>
+            <a:off x="318549" y="1830375"/>
             <a:ext cx="1184940" cy="400110"/>
           </a:xfrm>
           <a:prstGeom prst="rect">
@@ -14745,10 +15170,10 @@
       </p:sp>
       <p:sp>
         <p:nvSpPr>
-          <p:cNvPr id="54" name="사각형: 둥근 모서리 53">
-            <a:extLst>
-              <a:ext uri="{FF2B5EF4-FFF2-40B4-BE49-F238E27FC236}">
-                <a16:creationId xmlns:a16="http://schemas.microsoft.com/office/drawing/2014/main" id="{725BBA2A-F84C-28F6-E2B9-8A7BBE571A00}"/>
+          <p:cNvPr id="11" name="직사각형 10">
+            <a:extLst>
+              <a:ext uri="{FF2B5EF4-FFF2-40B4-BE49-F238E27FC236}">
+                <a16:creationId xmlns:a16="http://schemas.microsoft.com/office/drawing/2014/main" id="{C8B0AD50-3189-586A-D820-D3C9CD409BF0}"/>
               </a:ext>
             </a:extLst>
           </p:cNvPr>
@@ -14757,10 +15182,160 @@
         </p:nvSpPr>
         <p:spPr>
           <a:xfrm>
-            <a:off x="8679180" y="3209981"/>
-            <a:ext cx="816911" cy="578583"/>
-          </a:xfrm>
-          <a:prstGeom prst="roundRect">
+            <a:off x="787078" y="4809745"/>
+            <a:ext cx="4032509" cy="492759"/>
+          </a:xfrm>
+          <a:prstGeom prst="rect">
+            <a:avLst/>
+          </a:prstGeom>
+          <a:solidFill>
+            <a:schemeClr val="bg1">
+              <a:alpha val="87000"/>
+            </a:schemeClr>
+          </a:solidFill>
+          <a:ln>
+            <a:noFill/>
+          </a:ln>
+        </p:spPr>
+        <p:style>
+          <a:lnRef idx="2">
+            <a:schemeClr val="accent1">
+              <a:shade val="50000"/>
+            </a:schemeClr>
+          </a:lnRef>
+          <a:fillRef idx="1">
+            <a:schemeClr val="accent1"/>
+          </a:fillRef>
+          <a:effectRef idx="0">
+            <a:schemeClr val="accent1"/>
+          </a:effectRef>
+          <a:fontRef idx="minor">
+            <a:schemeClr val="lt1"/>
+          </a:fontRef>
+        </p:style>
+        <p:txBody>
+          <a:bodyPr rtlCol="0" anchor="ctr"/>
+          <a:lstStyle/>
+          <a:p>
+            <a:pPr algn="ctr"/>
+            <a:endParaRPr lang="ko-KR" altLang="en-US"/>
+          </a:p>
+        </p:txBody>
+      </p:sp>
+      <p:sp>
+        <p:nvSpPr>
+          <p:cNvPr id="14" name="TextBox 13">
+            <a:extLst>
+              <a:ext uri="{FF2B5EF4-FFF2-40B4-BE49-F238E27FC236}">
+                <a16:creationId xmlns:a16="http://schemas.microsoft.com/office/drawing/2014/main" id="{3796E540-E781-6BDC-81E9-FDEB6E48B7E1}"/>
+              </a:ext>
+            </a:extLst>
+          </p:cNvPr>
+          <p:cNvSpPr txBox="1"/>
+          <p:nvPr/>
+        </p:nvSpPr>
+        <p:spPr>
+          <a:xfrm>
+            <a:off x="783331" y="4883190"/>
+            <a:ext cx="3624710" cy="338554"/>
+          </a:xfrm>
+          <a:prstGeom prst="rect">
+            <a:avLst/>
+          </a:prstGeom>
+          <a:noFill/>
+        </p:spPr>
+        <p:txBody>
+          <a:bodyPr wrap="none" rtlCol="0">
+            <a:spAutoFit/>
+          </a:bodyPr>
+          <a:lstStyle/>
+          <a:p>
+            <a:r>
+              <a:rPr lang="ko-KR" altLang="en-US" sz="1600" dirty="0">
+                <a:latin typeface="Noto Sans CJK KR Light" panose="020B0300000000000000" pitchFamily="34" charset="-127"/>
+                <a:ea typeface="Noto Sans CJK KR Light" panose="020B0300000000000000" pitchFamily="34" charset="-127"/>
+              </a:rPr>
+              <a:t>인형의 집 출구로 탈출하면 </a:t>
+            </a:r>
+            <a:r>
+              <a:rPr lang="ko-KR" altLang="en-US" sz="1600">
+                <a:latin typeface="Noto Sans CJK KR Light" panose="020B0300000000000000" pitchFamily="34" charset="-127"/>
+                <a:ea typeface="Noto Sans CJK KR Light" panose="020B0300000000000000" pitchFamily="34" charset="-127"/>
+              </a:rPr>
+              <a:t>스테이지 승리</a:t>
+            </a:r>
+            <a:endParaRPr lang="ko-KR" altLang="en-US" sz="1600" dirty="0">
+              <a:latin typeface="Noto Sans CJK KR Light" panose="020B0300000000000000" pitchFamily="34" charset="-127"/>
+              <a:ea typeface="Noto Sans CJK KR Light" panose="020B0300000000000000" pitchFamily="34" charset="-127"/>
+            </a:endParaRPr>
+          </a:p>
+        </p:txBody>
+      </p:sp>
+      <p:cxnSp>
+        <p:nvCxnSpPr>
+          <p:cNvPr id="37" name="직선 화살표 연결선 36">
+            <a:extLst>
+              <a:ext uri="{FF2B5EF4-FFF2-40B4-BE49-F238E27FC236}">
+                <a16:creationId xmlns:a16="http://schemas.microsoft.com/office/drawing/2014/main" id="{B3200045-419B-A3C5-4A5B-02CF9B320C42}"/>
+              </a:ext>
+            </a:extLst>
+          </p:cNvPr>
+          <p:cNvCxnSpPr>
+            <a:cxnSpLocks/>
+            <a:endCxn id="21" idx="1"/>
+          </p:cNvCxnSpPr>
+          <p:nvPr/>
+        </p:nvCxnSpPr>
+        <p:spPr>
+          <a:xfrm flipV="1">
+            <a:off x="9496091" y="3496641"/>
+            <a:ext cx="826524" cy="2632"/>
+          </a:xfrm>
+          <a:prstGeom prst="straightConnector1">
+            <a:avLst/>
+          </a:prstGeom>
+          <a:ln w="57150">
+            <a:solidFill>
+              <a:srgbClr val="920000"/>
+            </a:solidFill>
+            <a:tailEnd type="triangle"/>
+          </a:ln>
+        </p:spPr>
+        <p:style>
+          <a:lnRef idx="1">
+            <a:schemeClr val="accent1"/>
+          </a:lnRef>
+          <a:fillRef idx="0">
+            <a:schemeClr val="accent1"/>
+          </a:fillRef>
+          <a:effectRef idx="0">
+            <a:schemeClr val="accent1"/>
+          </a:effectRef>
+          <a:fontRef idx="minor">
+            <a:schemeClr val="tx1"/>
+          </a:fontRef>
+        </p:style>
+      </p:cxnSp>
+      <p:sp>
+        <p:nvSpPr>
+          <p:cNvPr id="16" name="타원 15">
+            <a:extLst>
+              <a:ext uri="{FF2B5EF4-FFF2-40B4-BE49-F238E27FC236}">
+                <a16:creationId xmlns:a16="http://schemas.microsoft.com/office/drawing/2014/main" id="{256904C8-5406-F45D-7634-414A14ADE928}"/>
+              </a:ext>
+            </a:extLst>
+          </p:cNvPr>
+          <p:cNvSpPr>
+            <a:spLocks noChangeAspect="1"/>
+          </p:cNvSpPr>
+          <p:nvPr/>
+        </p:nvSpPr>
+        <p:spPr>
+          <a:xfrm>
+            <a:off x="8917508" y="3204138"/>
+            <a:ext cx="578583" cy="578583"/>
+          </a:xfrm>
+          <a:prstGeom prst="ellipse">
             <a:avLst/>
           </a:prstGeom>
           <a:solidFill>
@@ -14797,50 +15372,48 @@
           </a:p>
         </p:txBody>
       </p:sp>
-      <p:sp>
-        <p:nvSpPr>
-          <p:cNvPr id="55" name="TextBox 54">
-            <a:extLst>
-              <a:ext uri="{FF2B5EF4-FFF2-40B4-BE49-F238E27FC236}">
-                <a16:creationId xmlns:a16="http://schemas.microsoft.com/office/drawing/2014/main" id="{358F8271-7ECA-DE7E-87D8-9BA42364BADE}"/>
-              </a:ext>
-            </a:extLst>
-          </p:cNvPr>
-          <p:cNvSpPr txBox="1"/>
-          <p:nvPr/>
-        </p:nvSpPr>
+      <p:pic>
+        <p:nvPicPr>
+          <p:cNvPr id="20" name="그림 19">
+            <a:extLst>
+              <a:ext uri="{FF2B5EF4-FFF2-40B4-BE49-F238E27FC236}">
+                <a16:creationId xmlns:a16="http://schemas.microsoft.com/office/drawing/2014/main" id="{4204D020-F654-7B13-4FE7-BCC3F6D7059B}"/>
+              </a:ext>
+            </a:extLst>
+          </p:cNvPr>
+          <p:cNvPicPr>
+            <a:picLocks noChangeAspect="1"/>
+          </p:cNvPicPr>
+          <p:nvPr/>
+        </p:nvPicPr>
+        <p:blipFill>
+          <a:blip r:embed="rId6">
+            <a:extLst>
+              <a:ext uri="{28A0092B-C50C-407E-A947-70E740481C1C}">
+                <a14:useLocalDpi xmlns:a14="http://schemas.microsoft.com/office/drawing/2010/main" val="0"/>
+              </a:ext>
+            </a:extLst>
+          </a:blip>
+          <a:stretch>
+            <a:fillRect/>
+          </a:stretch>
+        </p:blipFill>
         <p:spPr>
           <a:xfrm>
-            <a:off x="8816096" y="3325103"/>
-            <a:ext cx="562975" cy="338554"/>
+            <a:off x="9040517" y="3327365"/>
+            <a:ext cx="338554" cy="338554"/>
           </a:xfrm>
           <a:prstGeom prst="rect">
             <a:avLst/>
           </a:prstGeom>
-          <a:noFill/>
-        </p:spPr>
-        <p:txBody>
-          <a:bodyPr wrap="none" rtlCol="0">
-            <a:spAutoFit/>
-          </a:bodyPr>
-          <a:lstStyle/>
-          <a:p>
-            <a:r>
-              <a:rPr lang="ko-KR" altLang="en-US" sz="1600" dirty="0">
-                <a:latin typeface="Noto Sans CJK KR Light" panose="020B0300000000000000" pitchFamily="34" charset="-127"/>
-                <a:ea typeface="Noto Sans CJK KR Light" panose="020B0300000000000000" pitchFamily="34" charset="-127"/>
-              </a:rPr>
-              <a:t>전투</a:t>
-            </a:r>
-          </a:p>
-        </p:txBody>
-      </p:sp>
-      <p:sp>
-        <p:nvSpPr>
-          <p:cNvPr id="11" name="직사각형 10">
-            <a:extLst>
-              <a:ext uri="{FF2B5EF4-FFF2-40B4-BE49-F238E27FC236}">
-                <a16:creationId xmlns:a16="http://schemas.microsoft.com/office/drawing/2014/main" id="{C8B0AD50-3189-586A-D820-D3C9CD409BF0}"/>
+        </p:spPr>
+      </p:pic>
+      <p:sp>
+        <p:nvSpPr>
+          <p:cNvPr id="26" name="화살표: U자형 25">
+            <a:extLst>
+              <a:ext uri="{FF2B5EF4-FFF2-40B4-BE49-F238E27FC236}">
+                <a16:creationId xmlns:a16="http://schemas.microsoft.com/office/drawing/2014/main" id="{35D22599-172D-DDD0-12F7-9ECF6DCAF957}"/>
               </a:ext>
             </a:extLst>
           </p:cNvPr>
@@ -14848,9 +15421,73 @@
           <p:nvPr/>
         </p:nvSpPr>
         <p:spPr>
+          <a:xfrm flipH="1" flipV="1">
+            <a:off x="7971563" y="3899805"/>
+            <a:ext cx="1352719" cy="399799"/>
+          </a:xfrm>
+          <a:prstGeom prst="uturnArrow">
+            <a:avLst>
+              <a:gd name="adj1" fmla="val 30373"/>
+              <a:gd name="adj2" fmla="val 25000"/>
+              <a:gd name="adj3" fmla="val 14742"/>
+              <a:gd name="adj4" fmla="val 38439"/>
+              <a:gd name="adj5" fmla="val 100000"/>
+            </a:avLst>
+          </a:prstGeom>
+          <a:solidFill>
+            <a:srgbClr val="ECECEC">
+              <a:alpha val="44000"/>
+            </a:srgbClr>
+          </a:solidFill>
+          <a:ln>
+            <a:noFill/>
+          </a:ln>
+        </p:spPr>
+        <p:style>
+          <a:lnRef idx="2">
+            <a:schemeClr val="accent1">
+              <a:shade val="50000"/>
+            </a:schemeClr>
+          </a:lnRef>
+          <a:fillRef idx="1">
+            <a:schemeClr val="accent1"/>
+          </a:fillRef>
+          <a:effectRef idx="0">
+            <a:schemeClr val="accent1"/>
+          </a:effectRef>
+          <a:fontRef idx="minor">
+            <a:schemeClr val="lt1"/>
+          </a:fontRef>
+        </p:style>
+        <p:txBody>
+          <a:bodyPr rtlCol="0" anchor="ctr"/>
+          <a:lstStyle/>
+          <a:p>
+            <a:pPr algn="ctr"/>
+            <a:endParaRPr lang="ko-KR" altLang="en-US">
+              <a:solidFill>
+                <a:schemeClr val="tx1"/>
+              </a:solidFill>
+            </a:endParaRPr>
+          </a:p>
+        </p:txBody>
+      </p:sp>
+      <p:sp>
+        <p:nvSpPr>
+          <p:cNvPr id="28" name="직사각형 27">
+            <a:extLst>
+              <a:ext uri="{FF2B5EF4-FFF2-40B4-BE49-F238E27FC236}">
+                <a16:creationId xmlns:a16="http://schemas.microsoft.com/office/drawing/2014/main" id="{483A73E3-1D62-1C07-7D62-A257CE7BADCE}"/>
+              </a:ext>
+            </a:extLst>
+          </p:cNvPr>
+          <p:cNvSpPr/>
+          <p:nvPr/>
+        </p:nvSpPr>
+        <p:spPr>
           <a:xfrm>
-            <a:off x="458906" y="5336389"/>
-            <a:ext cx="3925471" cy="492759"/>
+            <a:off x="783331" y="5439591"/>
+            <a:ext cx="4032509" cy="492759"/>
           </a:xfrm>
           <a:prstGeom prst="rect">
             <a:avLst/>
@@ -14891,10 +15528,10 @@
       </p:sp>
       <p:sp>
         <p:nvSpPr>
-          <p:cNvPr id="14" name="TextBox 13">
-            <a:extLst>
-              <a:ext uri="{FF2B5EF4-FFF2-40B4-BE49-F238E27FC236}">
-                <a16:creationId xmlns:a16="http://schemas.microsoft.com/office/drawing/2014/main" id="{3796E540-E781-6BDC-81E9-FDEB6E48B7E1}"/>
+          <p:cNvPr id="31" name="TextBox 30">
+            <a:extLst>
+              <a:ext uri="{FF2B5EF4-FFF2-40B4-BE49-F238E27FC236}">
+                <a16:creationId xmlns:a16="http://schemas.microsoft.com/office/drawing/2014/main" id="{D92281D5-3A9F-7889-48B0-89E229825306}"/>
               </a:ext>
             </a:extLst>
           </p:cNvPr>
@@ -14903,7 +15540,7 @@
         </p:nvSpPr>
         <p:spPr>
           <a:xfrm>
-            <a:off x="375247" y="5413215"/>
+            <a:off x="783331" y="5516693"/>
             <a:ext cx="4092787" cy="338554"/>
           </a:xfrm>
           <a:prstGeom prst="rect">
@@ -14927,112 +15564,50 @@
           </a:p>
         </p:txBody>
       </p:sp>
-      <p:cxnSp>
-        <p:nvCxnSpPr>
-          <p:cNvPr id="37" name="직선 화살표 연결선 36">
-            <a:extLst>
-              <a:ext uri="{FF2B5EF4-FFF2-40B4-BE49-F238E27FC236}">
-                <a16:creationId xmlns:a16="http://schemas.microsoft.com/office/drawing/2014/main" id="{B3200045-419B-A3C5-4A5B-02CF9B320C42}"/>
-              </a:ext>
-            </a:extLst>
-          </p:cNvPr>
-          <p:cNvCxnSpPr>
-            <a:cxnSpLocks/>
-            <a:stCxn id="54" idx="3"/>
-            <a:endCxn id="21" idx="1"/>
-          </p:cNvCxnSpPr>
-          <p:nvPr/>
-        </p:nvCxnSpPr>
-        <p:spPr>
-          <a:xfrm flipV="1">
-            <a:off x="9496091" y="3496641"/>
-            <a:ext cx="826524" cy="2632"/>
-          </a:xfrm>
-          <a:prstGeom prst="straightConnector1">
-            <a:avLst/>
-          </a:prstGeom>
-          <a:ln w="57150">
-            <a:solidFill>
-              <a:srgbClr val="920000"/>
-            </a:solidFill>
-            <a:tailEnd type="none"/>
-          </a:ln>
-        </p:spPr>
-        <p:style>
-          <a:lnRef idx="1">
-            <a:schemeClr val="accent1"/>
-          </a:lnRef>
-          <a:fillRef idx="0">
-            <a:schemeClr val="accent1"/>
-          </a:fillRef>
-          <a:effectRef idx="0">
-            <a:schemeClr val="accent1"/>
-          </a:effectRef>
-          <a:fontRef idx="minor">
-            <a:schemeClr val="tx1"/>
-          </a:fontRef>
-        </p:style>
-      </p:cxnSp>
-      <p:sp>
-        <p:nvSpPr>
-          <p:cNvPr id="44" name="화살표: U자형 43">
-            <a:extLst>
-              <a:ext uri="{FF2B5EF4-FFF2-40B4-BE49-F238E27FC236}">
-                <a16:creationId xmlns:a16="http://schemas.microsoft.com/office/drawing/2014/main" id="{F169F7CE-9F90-81BE-7744-994A7CA45727}"/>
-              </a:ext>
-            </a:extLst>
-          </p:cNvPr>
-          <p:cNvSpPr/>
-          <p:nvPr/>
-        </p:nvSpPr>
-        <p:spPr>
-          <a:xfrm flipH="1" flipV="1">
-            <a:off x="7202637" y="3870170"/>
-            <a:ext cx="2141051" cy="726320"/>
-          </a:xfrm>
-          <a:prstGeom prst="uturnArrow">
-            <a:avLst>
-              <a:gd name="adj1" fmla="val 13600"/>
-              <a:gd name="adj2" fmla="val 21597"/>
-              <a:gd name="adj3" fmla="val 22842"/>
-              <a:gd name="adj4" fmla="val 38439"/>
-              <a:gd name="adj5" fmla="val 100000"/>
-            </a:avLst>
-          </a:prstGeom>
-          <a:solidFill>
-            <a:srgbClr val="ECECEC">
-              <a:alpha val="44000"/>
-            </a:srgbClr>
-          </a:solidFill>
-          <a:ln>
-            <a:noFill/>
-          </a:ln>
-        </p:spPr>
-        <p:style>
-          <a:lnRef idx="2">
-            <a:schemeClr val="accent1">
-              <a:shade val="50000"/>
-            </a:schemeClr>
-          </a:lnRef>
-          <a:fillRef idx="1">
-            <a:schemeClr val="accent1"/>
-          </a:fillRef>
-          <a:effectRef idx="0">
-            <a:schemeClr val="accent1"/>
-          </a:effectRef>
-          <a:fontRef idx="minor">
-            <a:schemeClr val="lt1"/>
-          </a:fontRef>
-        </p:style>
-        <p:txBody>
-          <a:bodyPr rtlCol="0" anchor="ctr"/>
-          <a:lstStyle/>
-          <a:p>
-            <a:pPr algn="ctr"/>
-            <a:endParaRPr lang="ko-KR" altLang="en-US">
+      <p:sp>
+        <p:nvSpPr>
+          <p:cNvPr id="17" name="TextBox 16">
+            <a:extLst>
+              <a:ext uri="{FF2B5EF4-FFF2-40B4-BE49-F238E27FC236}">
+                <a16:creationId xmlns:a16="http://schemas.microsoft.com/office/drawing/2014/main" id="{7383ACE8-455C-F8EE-DE9F-CF9441C42043}"/>
+              </a:ext>
+            </a:extLst>
+          </p:cNvPr>
+          <p:cNvSpPr txBox="1"/>
+          <p:nvPr/>
+        </p:nvSpPr>
+        <p:spPr>
+          <a:xfrm>
+            <a:off x="11643452" y="6596390"/>
+            <a:ext cx="542136" cy="261610"/>
+          </a:xfrm>
+          <a:prstGeom prst="rect">
+            <a:avLst/>
+          </a:prstGeom>
+          <a:noFill/>
+        </p:spPr>
+        <p:txBody>
+          <a:bodyPr wrap="none" rtlCol="0">
+            <a:spAutoFit/>
+          </a:bodyPr>
+          <a:lstStyle/>
+          <a:p>
+            <a:r>
+              <a:rPr lang="en-US" altLang="ko-KR" sz="1100" dirty="0">
+                <a:solidFill>
+                  <a:srgbClr val="C00000"/>
+                </a:solidFill>
+                <a:latin typeface="Noto Sans CJK KR Light" panose="020B0300000000000000" pitchFamily="34" charset="-127"/>
+                <a:ea typeface="Noto Sans CJK KR Light" panose="020B0300000000000000" pitchFamily="34" charset="-127"/>
+              </a:rPr>
+              <a:t>07/14</a:t>
+            </a:r>
+            <a:endParaRPr lang="ko-KR" altLang="en-US" sz="1100" dirty="0">
               <a:solidFill>
-                <a:schemeClr val="tx1"/>
+                <a:srgbClr val="C00000"/>
               </a:solidFill>
+              <a:latin typeface="Noto Sans CJK KR Light" panose="020B0300000000000000" pitchFamily="34" charset="-127"/>
+              <a:ea typeface="Noto Sans CJK KR Light" panose="020B0300000000000000" pitchFamily="34" charset="-127"/>
             </a:endParaRPr>
           </a:p>
         </p:txBody>
@@ -15462,6 +16037,54 @@
           </a:p>
         </p:txBody>
       </p:sp>
+      <p:sp>
+        <p:nvSpPr>
+          <p:cNvPr id="3" name="TextBox 2">
+            <a:extLst>
+              <a:ext uri="{FF2B5EF4-FFF2-40B4-BE49-F238E27FC236}">
+                <a16:creationId xmlns:a16="http://schemas.microsoft.com/office/drawing/2014/main" id="{F6169676-2B75-70B1-36B4-9970B76B5943}"/>
+              </a:ext>
+            </a:extLst>
+          </p:cNvPr>
+          <p:cNvSpPr txBox="1"/>
+          <p:nvPr/>
+        </p:nvSpPr>
+        <p:spPr>
+          <a:xfrm>
+            <a:off x="11643452" y="6596390"/>
+            <a:ext cx="542136" cy="261610"/>
+          </a:xfrm>
+          <a:prstGeom prst="rect">
+            <a:avLst/>
+          </a:prstGeom>
+          <a:noFill/>
+        </p:spPr>
+        <p:txBody>
+          <a:bodyPr wrap="none" rtlCol="0">
+            <a:spAutoFit/>
+          </a:bodyPr>
+          <a:lstStyle/>
+          <a:p>
+            <a:r>
+              <a:rPr lang="en-US" altLang="ko-KR" sz="1100" dirty="0">
+                <a:solidFill>
+                  <a:srgbClr val="C00000"/>
+                </a:solidFill>
+                <a:latin typeface="Noto Sans CJK KR Light" panose="020B0300000000000000" pitchFamily="34" charset="-127"/>
+                <a:ea typeface="Noto Sans CJK KR Light" panose="020B0300000000000000" pitchFamily="34" charset="-127"/>
+              </a:rPr>
+              <a:t>08/14</a:t>
+            </a:r>
+            <a:endParaRPr lang="ko-KR" altLang="en-US" sz="1100" dirty="0">
+              <a:solidFill>
+                <a:srgbClr val="C00000"/>
+              </a:solidFill>
+              <a:latin typeface="Noto Sans CJK KR Light" panose="020B0300000000000000" pitchFamily="34" charset="-127"/>
+              <a:ea typeface="Noto Sans CJK KR Light" panose="020B0300000000000000" pitchFamily="34" charset="-127"/>
+            </a:endParaRPr>
+          </a:p>
+        </p:txBody>
+      </p:sp>
     </p:spTree>
     <p:extLst>
       <p:ext uri="{BB962C8B-B14F-4D97-AF65-F5344CB8AC3E}">
@@ -16782,6 +17405,54 @@
               </a:lnSpc>
             </a:pPr>
             <a:endParaRPr lang="en-US" altLang="ko-KR" dirty="0">
+              <a:latin typeface="Noto Sans CJK KR Light" panose="020B0300000000000000" pitchFamily="34" charset="-127"/>
+              <a:ea typeface="Noto Sans CJK KR Light" panose="020B0300000000000000" pitchFamily="34" charset="-127"/>
+            </a:endParaRPr>
+          </a:p>
+        </p:txBody>
+      </p:sp>
+      <p:sp>
+        <p:nvSpPr>
+          <p:cNvPr id="3" name="TextBox 2">
+            <a:extLst>
+              <a:ext uri="{FF2B5EF4-FFF2-40B4-BE49-F238E27FC236}">
+                <a16:creationId xmlns:a16="http://schemas.microsoft.com/office/drawing/2014/main" id="{A8E2EBF5-1587-6800-4208-823CF6AA687A}"/>
+              </a:ext>
+            </a:extLst>
+          </p:cNvPr>
+          <p:cNvSpPr txBox="1"/>
+          <p:nvPr/>
+        </p:nvSpPr>
+        <p:spPr>
+          <a:xfrm>
+            <a:off x="11643452" y="6596390"/>
+            <a:ext cx="542136" cy="261610"/>
+          </a:xfrm>
+          <a:prstGeom prst="rect">
+            <a:avLst/>
+          </a:prstGeom>
+          <a:noFill/>
+        </p:spPr>
+        <p:txBody>
+          <a:bodyPr wrap="none" rtlCol="0">
+            <a:spAutoFit/>
+          </a:bodyPr>
+          <a:lstStyle/>
+          <a:p>
+            <a:r>
+              <a:rPr lang="en-US" altLang="ko-KR" sz="1100" dirty="0">
+                <a:solidFill>
+                  <a:srgbClr val="C00000"/>
+                </a:solidFill>
+                <a:latin typeface="Noto Sans CJK KR Light" panose="020B0300000000000000" pitchFamily="34" charset="-127"/>
+                <a:ea typeface="Noto Sans CJK KR Light" panose="020B0300000000000000" pitchFamily="34" charset="-127"/>
+              </a:rPr>
+              <a:t>09/14</a:t>
+            </a:r>
+            <a:endParaRPr lang="ko-KR" altLang="en-US" sz="1100" dirty="0">
+              <a:solidFill>
+                <a:srgbClr val="C00000"/>
+              </a:solidFill>
               <a:latin typeface="Noto Sans CJK KR Light" panose="020B0300000000000000" pitchFamily="34" charset="-127"/>
               <a:ea typeface="Noto Sans CJK KR Light" panose="020B0300000000000000" pitchFamily="34" charset="-127"/>
             </a:endParaRPr>

--- a/Game_Design/Vodoo_Doll.pptx
+++ b/Game_Design/Vodoo_Doll.pptx
@@ -18,7 +18,8 @@
     <p:sldId id="269" r:id="rId12"/>
     <p:sldId id="270" r:id="rId13"/>
     <p:sldId id="263" r:id="rId14"/>
-    <p:sldId id="271" r:id="rId15"/>
+    <p:sldId id="272" r:id="rId15"/>
+    <p:sldId id="271" r:id="rId16"/>
   </p:sldIdLst>
   <p:sldSz cx="12192000" cy="6858000"/>
   <p:notesSz cx="6858000" cy="9144000"/>
@@ -123,6 +124,18 @@
     </p:ext>
   </p:extLst>
 </p:presentation>
+</file>
+
+<file path=ppt/commentAuthors.xml><?xml version="1.0" encoding="utf-8"?>
+<p:cmAuthorLst xmlns:a="http://schemas.openxmlformats.org/drawingml/2006/main" xmlns:r="http://schemas.openxmlformats.org/officeDocument/2006/relationships" xmlns:p="http://schemas.openxmlformats.org/presentationml/2006/main">
+  <p:cmAuthor id="1" name="Kim SunA" initials="KS" lastIdx="1" clrIdx="0">
+    <p:extLst>
+      <p:ext uri="{19B8F6BF-5375-455C-9EA6-DF929625EA0E}">
+        <p15:presenceInfo xmlns:p15="http://schemas.microsoft.com/office/powerpoint/2012/main" userId="18132f9546c5ea46" providerId="Windows Live"/>
+      </p:ext>
+    </p:extLst>
+  </p:cmAuthor>
+</p:cmAuthorLst>
 </file>
 
 <file path=ppt/slideLayouts/slideLayout1.xml><?xml version="1.0" encoding="utf-8"?>
@@ -4782,7 +4795,7 @@
                 <a:latin typeface="Noto Sans CJK KR Light" panose="020B0300000000000000" pitchFamily="34" charset="-127"/>
                 <a:ea typeface="Noto Sans CJK KR Light" panose="020B0300000000000000" pitchFamily="34" charset="-127"/>
               </a:rPr>
-              <a:t>10/14</a:t>
+              <a:t>10/15</a:t>
             </a:r>
             <a:endParaRPr lang="ko-KR" altLang="en-US" sz="1100" dirty="0">
               <a:solidFill>
@@ -4850,7 +4863,7 @@
         </p:nvSpPr>
         <p:spPr>
           <a:xfrm rot="19570246">
-            <a:off x="-2158633" y="1203104"/>
+            <a:off x="-2189268" y="1203104"/>
             <a:ext cx="7144735" cy="7204059"/>
           </a:xfrm>
           <a:prstGeom prst="rect">
@@ -5032,8 +5045,8 @@
         </p:nvSpPr>
         <p:spPr>
           <a:xfrm>
-            <a:off x="1100015" y="1666240"/>
-            <a:ext cx="4005580" cy="4366015"/>
+            <a:off x="723326" y="1561750"/>
+            <a:ext cx="10733919" cy="2248811"/>
           </a:xfrm>
           <a:prstGeom prst="rect">
             <a:avLst/>
@@ -5159,7 +5172,7 @@
                 <a:ea typeface="Noto Sans CJK KR Medium" panose="020B0600000000000000" pitchFamily="34" charset="-127"/>
                 <a:cs typeface="둥근모꼴" panose="020B0500000000000000" pitchFamily="50" charset="-127"/>
               </a:rPr>
-              <a:t>1. </a:t>
+              <a:t>4. </a:t>
             </a:r>
             <a:r>
               <a:rPr lang="ko-KR" altLang="en-US" sz="4000" dirty="0">
@@ -5174,10 +5187,201 @@
       </p:sp>
       <p:sp>
         <p:nvSpPr>
-          <p:cNvPr id="4" name="직사각형 3">
-            <a:extLst>
-              <a:ext uri="{FF2B5EF4-FFF2-40B4-BE49-F238E27FC236}">
-                <a16:creationId xmlns:a16="http://schemas.microsoft.com/office/drawing/2014/main" id="{762A3F8F-73DE-0123-C785-152F4B461F68}"/>
+          <p:cNvPr id="3" name="TextBox 2">
+            <a:extLst>
+              <a:ext uri="{FF2B5EF4-FFF2-40B4-BE49-F238E27FC236}">
+                <a16:creationId xmlns:a16="http://schemas.microsoft.com/office/drawing/2014/main" id="{09CC7736-46A1-8A38-453D-11212358914A}"/>
+              </a:ext>
+            </a:extLst>
+          </p:cNvPr>
+          <p:cNvSpPr txBox="1"/>
+          <p:nvPr/>
+        </p:nvSpPr>
+        <p:spPr>
+          <a:xfrm>
+            <a:off x="723325" y="1695146"/>
+            <a:ext cx="9860392" cy="1530547"/>
+          </a:xfrm>
+          <a:prstGeom prst="rect">
+            <a:avLst/>
+          </a:prstGeom>
+          <a:noFill/>
+        </p:spPr>
+        <p:txBody>
+          <a:bodyPr wrap="none" rtlCol="0">
+            <a:spAutoFit/>
+          </a:bodyPr>
+          <a:lstStyle/>
+          <a:p>
+            <a:pPr>
+              <a:lnSpc>
+                <a:spcPct val="150000"/>
+              </a:lnSpc>
+            </a:pPr>
+            <a:r>
+              <a:rPr lang="ko-KR" altLang="en-US" sz="3200" dirty="0">
+                <a:latin typeface="Noto Sans CJK KR Medium" panose="020B0600000000000000" pitchFamily="34" charset="-127"/>
+                <a:ea typeface="Noto Sans CJK KR Medium" panose="020B0600000000000000" pitchFamily="34" charset="-127"/>
+              </a:rPr>
+              <a:t>클라이언트</a:t>
+            </a:r>
+            <a:endParaRPr lang="en-US" altLang="ko-KR" sz="3200" dirty="0">
+              <a:latin typeface="Noto Sans CJK KR Medium" panose="020B0600000000000000" pitchFamily="34" charset="-127"/>
+              <a:ea typeface="Noto Sans CJK KR Medium" panose="020B0600000000000000" pitchFamily="34" charset="-127"/>
+            </a:endParaRPr>
+          </a:p>
+          <a:p>
+            <a:pPr marL="342900" indent="-342900">
+              <a:lnSpc>
+                <a:spcPct val="150000"/>
+              </a:lnSpc>
+              <a:buFontTx/>
+              <a:buChar char="-"/>
+            </a:pPr>
+            <a:r>
+              <a:rPr lang="ko-KR" altLang="en-US" sz="1600" dirty="0">
+                <a:latin typeface="Noto Sans CJK KR Light" panose="020B0300000000000000" pitchFamily="34" charset="-127"/>
+                <a:ea typeface="Noto Sans CJK KR Light" panose="020B0300000000000000" pitchFamily="34" charset="-127"/>
+              </a:rPr>
+              <a:t>제한된 기능의 다이내믹 라이트를 훨씬 효율적으로 </a:t>
+            </a:r>
+            <a:r>
+              <a:rPr lang="ko-KR" altLang="en-US" sz="1600" dirty="0" err="1">
+                <a:latin typeface="Noto Sans CJK KR Light" panose="020B0300000000000000" pitchFamily="34" charset="-127"/>
+                <a:ea typeface="Noto Sans CJK KR Light" panose="020B0300000000000000" pitchFamily="34" charset="-127"/>
+              </a:rPr>
+              <a:t>렌더해서</a:t>
+            </a:r>
+            <a:r>
+              <a:rPr lang="ko-KR" altLang="en-US" sz="1600" dirty="0">
+                <a:latin typeface="Noto Sans CJK KR Light" panose="020B0300000000000000" pitchFamily="34" charset="-127"/>
+                <a:ea typeface="Noto Sans CJK KR Light" panose="020B0300000000000000" pitchFamily="34" charset="-127"/>
+              </a:rPr>
+              <a:t> 수많은 동적 </a:t>
+            </a:r>
+            <a:r>
+              <a:rPr lang="ko-KR" altLang="en-US" sz="1600" dirty="0" err="1">
+                <a:latin typeface="Noto Sans CJK KR Light" panose="020B0300000000000000" pitchFamily="34" charset="-127"/>
+                <a:ea typeface="Noto Sans CJK KR Light" panose="020B0300000000000000" pitchFamily="34" charset="-127"/>
+              </a:rPr>
+              <a:t>라이팅을</a:t>
+            </a:r>
+            <a:r>
+              <a:rPr lang="ko-KR" altLang="en-US" sz="1600" dirty="0">
+                <a:latin typeface="Noto Sans CJK KR Light" panose="020B0300000000000000" pitchFamily="34" charset="-127"/>
+                <a:ea typeface="Noto Sans CJK KR Light" panose="020B0300000000000000" pitchFamily="34" charset="-127"/>
+              </a:rPr>
+              <a:t> 보여줄 수 있는 </a:t>
+            </a:r>
+            <a:r>
+              <a:rPr lang="ko-KR" altLang="en-US" sz="1600" dirty="0" err="1">
+                <a:latin typeface="Noto Sans CJK KR Light" panose="020B0300000000000000" pitchFamily="34" charset="-127"/>
+                <a:ea typeface="Noto Sans CJK KR Light" panose="020B0300000000000000" pitchFamily="34" charset="-127"/>
+              </a:rPr>
+              <a:t>디퍼드</a:t>
+            </a:r>
+            <a:r>
+              <a:rPr lang="ko-KR" altLang="en-US" sz="1600" dirty="0">
+                <a:latin typeface="Noto Sans CJK KR Light" panose="020B0300000000000000" pitchFamily="34" charset="-127"/>
+                <a:ea typeface="Noto Sans CJK KR Light" panose="020B0300000000000000" pitchFamily="34" charset="-127"/>
+              </a:rPr>
+              <a:t> </a:t>
+            </a:r>
+            <a:r>
+              <a:rPr lang="ko-KR" altLang="en-US" sz="1600" dirty="0" err="1">
+                <a:latin typeface="Noto Sans CJK KR Light" panose="020B0300000000000000" pitchFamily="34" charset="-127"/>
+                <a:ea typeface="Noto Sans CJK KR Light" panose="020B0300000000000000" pitchFamily="34" charset="-127"/>
+              </a:rPr>
+              <a:t>셰이딩</a:t>
+            </a:r>
+            <a:endParaRPr lang="en-US" altLang="ko-KR" sz="1600" dirty="0">
+              <a:latin typeface="Noto Sans CJK KR Light" panose="020B0300000000000000" pitchFamily="34" charset="-127"/>
+              <a:ea typeface="Noto Sans CJK KR Light" panose="020B0300000000000000" pitchFamily="34" charset="-127"/>
+            </a:endParaRPr>
+          </a:p>
+          <a:p>
+            <a:pPr marL="342900" indent="-342900">
+              <a:lnSpc>
+                <a:spcPct val="150000"/>
+              </a:lnSpc>
+              <a:buFontTx/>
+              <a:buChar char="-"/>
+            </a:pPr>
+            <a:r>
+              <a:rPr lang="ko-KR" altLang="en-US" sz="1600" dirty="0">
+                <a:latin typeface="Noto Sans CJK KR Light" panose="020B0300000000000000" pitchFamily="34" charset="-127"/>
+                <a:ea typeface="Noto Sans CJK KR Light" panose="020B0300000000000000" pitchFamily="34" charset="-127"/>
+              </a:rPr>
+              <a:t>몬스터에게 잡혀 공격을 당했을 때 현실감을 높여주기 위한 모션 </a:t>
+            </a:r>
+            <a:r>
+              <a:rPr lang="ko-KR" altLang="en-US" sz="1600" dirty="0" err="1">
+                <a:latin typeface="Noto Sans CJK KR Light" panose="020B0300000000000000" pitchFamily="34" charset="-127"/>
+                <a:ea typeface="Noto Sans CJK KR Light" panose="020B0300000000000000" pitchFamily="34" charset="-127"/>
+              </a:rPr>
+              <a:t>블러</a:t>
+            </a:r>
+            <a:endParaRPr lang="en-US" altLang="ko-KR" sz="1600" dirty="0">
+              <a:latin typeface="Noto Sans CJK KR Light" panose="020B0300000000000000" pitchFamily="34" charset="-127"/>
+              <a:ea typeface="Noto Sans CJK KR Light" panose="020B0300000000000000" pitchFamily="34" charset="-127"/>
+            </a:endParaRPr>
+          </a:p>
+        </p:txBody>
+      </p:sp>
+      <p:sp>
+        <p:nvSpPr>
+          <p:cNvPr id="5" name="TextBox 4">
+            <a:extLst>
+              <a:ext uri="{FF2B5EF4-FFF2-40B4-BE49-F238E27FC236}">
+                <a16:creationId xmlns:a16="http://schemas.microsoft.com/office/drawing/2014/main" id="{A2FB9992-9535-E72A-999A-B3F156B4CF78}"/>
+              </a:ext>
+            </a:extLst>
+          </p:cNvPr>
+          <p:cNvSpPr txBox="1"/>
+          <p:nvPr/>
+        </p:nvSpPr>
+        <p:spPr>
+          <a:xfrm>
+            <a:off x="11643452" y="6596390"/>
+            <a:ext cx="542136" cy="261610"/>
+          </a:xfrm>
+          <a:prstGeom prst="rect">
+            <a:avLst/>
+          </a:prstGeom>
+          <a:noFill/>
+        </p:spPr>
+        <p:txBody>
+          <a:bodyPr wrap="none" rtlCol="0">
+            <a:spAutoFit/>
+          </a:bodyPr>
+          <a:lstStyle/>
+          <a:p>
+            <a:r>
+              <a:rPr lang="en-US" altLang="ko-KR" sz="1100" dirty="0">
+                <a:solidFill>
+                  <a:srgbClr val="C00000"/>
+                </a:solidFill>
+                <a:latin typeface="Noto Sans CJK KR Light" panose="020B0300000000000000" pitchFamily="34" charset="-127"/>
+                <a:ea typeface="Noto Sans CJK KR Light" panose="020B0300000000000000" pitchFamily="34" charset="-127"/>
+              </a:rPr>
+              <a:t>11/15</a:t>
+            </a:r>
+            <a:endParaRPr lang="ko-KR" altLang="en-US" sz="1100" dirty="0">
+              <a:solidFill>
+                <a:srgbClr val="C00000"/>
+              </a:solidFill>
+              <a:latin typeface="Noto Sans CJK KR Light" panose="020B0300000000000000" pitchFamily="34" charset="-127"/>
+              <a:ea typeface="Noto Sans CJK KR Light" panose="020B0300000000000000" pitchFamily="34" charset="-127"/>
+            </a:endParaRPr>
+          </a:p>
+        </p:txBody>
+      </p:sp>
+      <p:sp>
+        <p:nvSpPr>
+          <p:cNvPr id="6" name="직사각형 5">
+            <a:extLst>
+              <a:ext uri="{FF2B5EF4-FFF2-40B4-BE49-F238E27FC236}">
+                <a16:creationId xmlns:a16="http://schemas.microsoft.com/office/drawing/2014/main" id="{FDD62735-EE8D-B132-A1E4-D0C4AD797F74}"/>
               </a:ext>
             </a:extLst>
           </p:cNvPr>
@@ -5186,8 +5390,8 @@
         </p:nvSpPr>
         <p:spPr>
           <a:xfrm>
-            <a:off x="6586415" y="1666239"/>
-            <a:ext cx="4005580" cy="4366015"/>
+            <a:off x="723325" y="4132363"/>
+            <a:ext cx="10733919" cy="2248811"/>
           </a:xfrm>
           <a:prstGeom prst="rect">
             <a:avLst/>
@@ -5228,10 +5432,10 @@
       </p:sp>
       <p:sp>
         <p:nvSpPr>
-          <p:cNvPr id="3" name="TextBox 2">
-            <a:extLst>
-              <a:ext uri="{FF2B5EF4-FFF2-40B4-BE49-F238E27FC236}">
-                <a16:creationId xmlns:a16="http://schemas.microsoft.com/office/drawing/2014/main" id="{09CC7736-46A1-8A38-453D-11212358914A}"/>
+          <p:cNvPr id="18" name="TextBox 17">
+            <a:extLst>
+              <a:ext uri="{FF2B5EF4-FFF2-40B4-BE49-F238E27FC236}">
+                <a16:creationId xmlns:a16="http://schemas.microsoft.com/office/drawing/2014/main" id="{F9B01541-9CBD-D7B6-CA21-D2052BFED022}"/>
               </a:ext>
             </a:extLst>
           </p:cNvPr>
@@ -5240,8 +5444,8 @@
         </p:nvSpPr>
         <p:spPr>
           <a:xfrm>
-            <a:off x="1600005" y="2068699"/>
-            <a:ext cx="2295821" cy="2905795"/>
+            <a:off x="676816" y="4402032"/>
+            <a:ext cx="1412566" cy="1161215"/>
           </a:xfrm>
           <a:prstGeom prst="rect">
             <a:avLst/>
@@ -5264,19 +5468,8 @@
                 <a:latin typeface="Noto Sans CJK KR Medium" panose="020B0600000000000000" pitchFamily="34" charset="-127"/>
                 <a:ea typeface="Noto Sans CJK KR Medium" panose="020B0600000000000000" pitchFamily="34" charset="-127"/>
               </a:rPr>
-              <a:t>클라이언트</a:t>
-            </a:r>
-            <a:endParaRPr lang="en-US" altLang="ko-KR" sz="3200" dirty="0">
-              <a:latin typeface="Noto Sans CJK KR Medium" panose="020B0600000000000000" pitchFamily="34" charset="-127"/>
-              <a:ea typeface="Noto Sans CJK KR Medium" panose="020B0600000000000000" pitchFamily="34" charset="-127"/>
-            </a:endParaRPr>
-          </a:p>
-          <a:p>
-            <a:pPr>
-              <a:lnSpc>
-                <a:spcPct val="150000"/>
-              </a:lnSpc>
-            </a:pPr>
+              <a:t>서버</a:t>
+            </a:r>
             <a:endParaRPr lang="en-US" altLang="ko-KR" sz="3200" dirty="0">
               <a:latin typeface="Noto Sans CJK KR Medium" panose="020B0600000000000000" pitchFamily="34" charset="-127"/>
               <a:ea typeface="Noto Sans CJK KR Medium" panose="020B0600000000000000" pitchFamily="34" charset="-127"/>
@@ -5291,193 +5484,20 @@
               <a:buChar char="-"/>
             </a:pPr>
             <a:r>
-              <a:rPr lang="ko-KR" altLang="en-US" sz="2000" dirty="0" err="1">
+              <a:rPr lang="en-US" altLang="ko-KR" sz="1600" dirty="0">
                 <a:latin typeface="Noto Sans CJK KR Light" panose="020B0300000000000000" pitchFamily="34" charset="-127"/>
                 <a:ea typeface="Noto Sans CJK KR Light" panose="020B0300000000000000" pitchFamily="34" charset="-127"/>
               </a:rPr>
-              <a:t>카툰</a:t>
-            </a:r>
-            <a:r>
-              <a:rPr lang="ko-KR" altLang="en-US" sz="2000" dirty="0">
+              <a:t>IOCP </a:t>
+            </a:r>
+            <a:r>
+              <a:rPr lang="ko-KR" altLang="en-US" sz="1600" dirty="0">
                 <a:latin typeface="Noto Sans CJK KR Light" panose="020B0300000000000000" pitchFamily="34" charset="-127"/>
                 <a:ea typeface="Noto Sans CJK KR Light" panose="020B0300000000000000" pitchFamily="34" charset="-127"/>
               </a:rPr>
-              <a:t> 렌더링 기법</a:t>
-            </a:r>
-            <a:endParaRPr lang="en-US" altLang="ko-KR" sz="2000" dirty="0">
-              <a:latin typeface="Noto Sans CJK KR Light" panose="020B0300000000000000" pitchFamily="34" charset="-127"/>
-              <a:ea typeface="Noto Sans CJK KR Light" panose="020B0300000000000000" pitchFamily="34" charset="-127"/>
-            </a:endParaRPr>
-          </a:p>
-          <a:p>
-            <a:pPr marL="342900" indent="-342900">
-              <a:lnSpc>
-                <a:spcPct val="150000"/>
-              </a:lnSpc>
-              <a:buFontTx/>
-              <a:buChar char="-"/>
-            </a:pPr>
-            <a:r>
-              <a:rPr lang="ko-KR" altLang="en-US" sz="2000" dirty="0" err="1">
-                <a:latin typeface="Noto Sans CJK KR Light" panose="020B0300000000000000" pitchFamily="34" charset="-127"/>
-                <a:ea typeface="Noto Sans CJK KR Light" panose="020B0300000000000000" pitchFamily="34" charset="-127"/>
-              </a:rPr>
-              <a:t>디퍼드</a:t>
-            </a:r>
-            <a:endParaRPr lang="en-US" altLang="ko-KR" sz="2000" dirty="0">
-              <a:latin typeface="Noto Sans CJK KR Light" panose="020B0300000000000000" pitchFamily="34" charset="-127"/>
-              <a:ea typeface="Noto Sans CJK KR Light" panose="020B0300000000000000" pitchFamily="34" charset="-127"/>
-            </a:endParaRPr>
-          </a:p>
-          <a:p>
-            <a:pPr marL="342900" indent="-342900">
-              <a:lnSpc>
-                <a:spcPct val="150000"/>
-              </a:lnSpc>
-              <a:buFontTx/>
-              <a:buChar char="-"/>
-            </a:pPr>
-            <a:r>
-              <a:rPr lang="ko-KR" altLang="en-US" sz="2000" dirty="0" err="1">
-                <a:latin typeface="Noto Sans CJK KR Light" panose="020B0300000000000000" pitchFamily="34" charset="-127"/>
-                <a:ea typeface="Noto Sans CJK KR Light" panose="020B0300000000000000" pitchFamily="34" charset="-127"/>
-              </a:rPr>
-              <a:t>블러</a:t>
-            </a:r>
-            <a:endParaRPr lang="en-US" altLang="ko-KR" sz="2000" dirty="0">
-              <a:latin typeface="Noto Sans CJK KR Light" panose="020B0300000000000000" pitchFamily="34" charset="-127"/>
-              <a:ea typeface="Noto Sans CJK KR Light" panose="020B0300000000000000" pitchFamily="34" charset="-127"/>
-            </a:endParaRPr>
-          </a:p>
-        </p:txBody>
-      </p:sp>
-      <p:sp>
-        <p:nvSpPr>
-          <p:cNvPr id="18" name="TextBox 17">
-            <a:extLst>
-              <a:ext uri="{FF2B5EF4-FFF2-40B4-BE49-F238E27FC236}">
-                <a16:creationId xmlns:a16="http://schemas.microsoft.com/office/drawing/2014/main" id="{F9B01541-9CBD-D7B6-CA21-D2052BFED022}"/>
-              </a:ext>
-            </a:extLst>
-          </p:cNvPr>
-          <p:cNvSpPr txBox="1"/>
-          <p:nvPr/>
-        </p:nvSpPr>
-        <p:spPr>
-          <a:xfrm>
-            <a:off x="7092705" y="2068699"/>
-            <a:ext cx="1633781" cy="1982466"/>
-          </a:xfrm>
-          <a:prstGeom prst="rect">
-            <a:avLst/>
-          </a:prstGeom>
-          <a:noFill/>
-        </p:spPr>
-        <p:txBody>
-          <a:bodyPr wrap="none" rtlCol="0">
-            <a:spAutoFit/>
-          </a:bodyPr>
-          <a:lstStyle/>
-          <a:p>
-            <a:pPr>
-              <a:lnSpc>
-                <a:spcPct val="150000"/>
-              </a:lnSpc>
-            </a:pPr>
-            <a:r>
-              <a:rPr lang="ko-KR" altLang="en-US" sz="3200" dirty="0">
-                <a:latin typeface="Noto Sans CJK KR Medium" panose="020B0600000000000000" pitchFamily="34" charset="-127"/>
-                <a:ea typeface="Noto Sans CJK KR Medium" panose="020B0600000000000000" pitchFamily="34" charset="-127"/>
-              </a:rPr>
               <a:t>서버</a:t>
             </a:r>
-            <a:endParaRPr lang="en-US" altLang="ko-KR" sz="3200" dirty="0">
-              <a:latin typeface="Noto Sans CJK KR Medium" panose="020B0600000000000000" pitchFamily="34" charset="-127"/>
-              <a:ea typeface="Noto Sans CJK KR Medium" panose="020B0600000000000000" pitchFamily="34" charset="-127"/>
-            </a:endParaRPr>
-          </a:p>
-          <a:p>
-            <a:pPr>
-              <a:lnSpc>
-                <a:spcPct val="150000"/>
-              </a:lnSpc>
-            </a:pPr>
-            <a:endParaRPr lang="en-US" altLang="ko-KR" sz="3200" dirty="0">
-              <a:latin typeface="Noto Sans CJK KR Medium" panose="020B0600000000000000" pitchFamily="34" charset="-127"/>
-              <a:ea typeface="Noto Sans CJK KR Medium" panose="020B0600000000000000" pitchFamily="34" charset="-127"/>
-            </a:endParaRPr>
-          </a:p>
-          <a:p>
-            <a:pPr marL="342900" indent="-342900">
-              <a:lnSpc>
-                <a:spcPct val="150000"/>
-              </a:lnSpc>
-              <a:buFontTx/>
-              <a:buChar char="-"/>
-            </a:pPr>
-            <a:r>
-              <a:rPr lang="en-US" altLang="ko-KR" sz="2000" dirty="0">
-                <a:latin typeface="Noto Sans CJK KR Light" panose="020B0300000000000000" pitchFamily="34" charset="-127"/>
-                <a:ea typeface="Noto Sans CJK KR Light" panose="020B0300000000000000" pitchFamily="34" charset="-127"/>
-              </a:rPr>
-              <a:t>IOCP </a:t>
-            </a:r>
-            <a:r>
-              <a:rPr lang="ko-KR" altLang="en-US" sz="2000" dirty="0">
-                <a:latin typeface="Noto Sans CJK KR Light" panose="020B0300000000000000" pitchFamily="34" charset="-127"/>
-                <a:ea typeface="Noto Sans CJK KR Light" panose="020B0300000000000000" pitchFamily="34" charset="-127"/>
-              </a:rPr>
-              <a:t>서버</a:t>
-            </a:r>
-            <a:endParaRPr lang="en-US" altLang="ko-KR" sz="2000" dirty="0">
-              <a:latin typeface="Noto Sans CJK KR Light" panose="020B0300000000000000" pitchFamily="34" charset="-127"/>
-              <a:ea typeface="Noto Sans CJK KR Light" panose="020B0300000000000000" pitchFamily="34" charset="-127"/>
-            </a:endParaRPr>
-          </a:p>
-        </p:txBody>
-      </p:sp>
-      <p:sp>
-        <p:nvSpPr>
-          <p:cNvPr id="5" name="TextBox 4">
-            <a:extLst>
-              <a:ext uri="{FF2B5EF4-FFF2-40B4-BE49-F238E27FC236}">
-                <a16:creationId xmlns:a16="http://schemas.microsoft.com/office/drawing/2014/main" id="{A2FB9992-9535-E72A-999A-B3F156B4CF78}"/>
-              </a:ext>
-            </a:extLst>
-          </p:cNvPr>
-          <p:cNvSpPr txBox="1"/>
-          <p:nvPr/>
-        </p:nvSpPr>
-        <p:spPr>
-          <a:xfrm>
-            <a:off x="11643452" y="6596390"/>
-            <a:ext cx="542136" cy="261610"/>
-          </a:xfrm>
-          <a:prstGeom prst="rect">
-            <a:avLst/>
-          </a:prstGeom>
-          <a:noFill/>
-        </p:spPr>
-        <p:txBody>
-          <a:bodyPr wrap="none" rtlCol="0">
-            <a:spAutoFit/>
-          </a:bodyPr>
-          <a:lstStyle/>
-          <a:p>
-            <a:r>
-              <a:rPr lang="en-US" altLang="ko-KR" sz="1100" dirty="0">
-                <a:solidFill>
-                  <a:srgbClr val="C00000"/>
-                </a:solidFill>
-                <a:latin typeface="Noto Sans CJK KR Light" panose="020B0300000000000000" pitchFamily="34" charset="-127"/>
-                <a:ea typeface="Noto Sans CJK KR Light" panose="020B0300000000000000" pitchFamily="34" charset="-127"/>
-              </a:rPr>
-              <a:t>11/14</a:t>
-            </a:r>
-            <a:endParaRPr lang="ko-KR" altLang="en-US" sz="1100" dirty="0">
-              <a:solidFill>
-                <a:srgbClr val="C00000"/>
-              </a:solidFill>
+            <a:endParaRPr lang="en-US" altLang="ko-KR" sz="1600" dirty="0">
               <a:latin typeface="Noto Sans CJK KR Light" panose="020B0300000000000000" pitchFamily="34" charset="-127"/>
               <a:ea typeface="Noto Sans CJK KR Light" panose="020B0300000000000000" pitchFamily="34" charset="-127"/>
             </a:endParaRPr>
@@ -5898,7 +5918,7 @@
                 <a:latin typeface="Noto Sans CJK KR Light" panose="020B0300000000000000" pitchFamily="34" charset="-127"/>
                 <a:ea typeface="Noto Sans CJK KR Light" panose="020B0300000000000000" pitchFamily="34" charset="-127"/>
               </a:rPr>
-              <a:t>12/14</a:t>
+              <a:t>12/15</a:t>
             </a:r>
             <a:endParaRPr lang="ko-KR" altLang="en-US" sz="1100" dirty="0">
               <a:solidFill>
@@ -5965,9 +5985,9 @@
           <p:nvPr/>
         </p:nvSpPr>
         <p:spPr>
-          <a:xfrm rot="600766">
-            <a:off x="7425094" y="2339379"/>
-            <a:ext cx="5778050" cy="5871754"/>
+          <a:xfrm rot="19931519">
+            <a:off x="-1998045" y="972247"/>
+            <a:ext cx="6896358" cy="6973856"/>
           </a:xfrm>
           <a:prstGeom prst="rect">
             <a:avLst/>
@@ -6202,7 +6222,7 @@
         <p:spPr>
           <a:xfrm>
             <a:off x="787078" y="308662"/>
-            <a:ext cx="2744662" cy="707886"/>
+            <a:ext cx="4273927" cy="707886"/>
           </a:xfrm>
           <a:prstGeom prst="rect">
             <a:avLst/>
@@ -6229,7 +6249,7 @@
                 <a:ea typeface="Noto Sans CJK KR Medium" panose="020B0600000000000000" pitchFamily="34" charset="-127"/>
                 <a:cs typeface="둥근모꼴" panose="020B0500000000000000" pitchFamily="50" charset="-127"/>
               </a:rPr>
-              <a:t>개발 일정</a:t>
+              <a:t>개인별 준비 현황</a:t>
             </a:r>
           </a:p>
         </p:txBody>
@@ -6270,7 +6290,7 @@
                 <a:latin typeface="Noto Sans CJK KR Light" panose="020B0300000000000000" pitchFamily="34" charset="-127"/>
                 <a:ea typeface="Noto Sans CJK KR Light" panose="020B0300000000000000" pitchFamily="34" charset="-127"/>
               </a:rPr>
-              <a:t>13/14</a:t>
+              <a:t>13/15</a:t>
             </a:r>
             <a:endParaRPr lang="ko-KR" altLang="en-US" sz="1100" dirty="0">
               <a:solidFill>
@@ -6278,6 +6298,1083 @@
               </a:solidFill>
               <a:latin typeface="Noto Sans CJK KR Light" panose="020B0300000000000000" pitchFamily="34" charset="-127"/>
               <a:ea typeface="Noto Sans CJK KR Light" panose="020B0300000000000000" pitchFamily="34" charset="-127"/>
+            </a:endParaRPr>
+          </a:p>
+        </p:txBody>
+      </p:sp>
+      <p:sp>
+        <p:nvSpPr>
+          <p:cNvPr id="4" name="직사각형 3">
+            <a:extLst>
+              <a:ext uri="{FF2B5EF4-FFF2-40B4-BE49-F238E27FC236}">
+                <a16:creationId xmlns:a16="http://schemas.microsoft.com/office/drawing/2014/main" id="{1D6E51A8-4DFC-055B-ED0F-93F40448104E}"/>
+              </a:ext>
+            </a:extLst>
+          </p:cNvPr>
+          <p:cNvSpPr/>
+          <p:nvPr/>
+        </p:nvSpPr>
+        <p:spPr>
+          <a:xfrm>
+            <a:off x="787078" y="2001520"/>
+            <a:ext cx="3088640" cy="3897263"/>
+          </a:xfrm>
+          <a:prstGeom prst="rect">
+            <a:avLst/>
+          </a:prstGeom>
+          <a:solidFill>
+            <a:schemeClr val="bg1">
+              <a:alpha val="69000"/>
+            </a:schemeClr>
+          </a:solidFill>
+          <a:ln>
+            <a:noFill/>
+          </a:ln>
+        </p:spPr>
+        <p:style>
+          <a:lnRef idx="2">
+            <a:schemeClr val="accent1">
+              <a:shade val="50000"/>
+            </a:schemeClr>
+          </a:lnRef>
+          <a:fillRef idx="1">
+            <a:schemeClr val="accent1"/>
+          </a:fillRef>
+          <a:effectRef idx="0">
+            <a:schemeClr val="accent1"/>
+          </a:effectRef>
+          <a:fontRef idx="minor">
+            <a:schemeClr val="lt1"/>
+          </a:fontRef>
+        </p:style>
+        <p:txBody>
+          <a:bodyPr rtlCol="0" anchor="ctr"/>
+          <a:lstStyle/>
+          <a:p>
+            <a:pPr algn="ctr"/>
+            <a:endParaRPr lang="ko-KR" altLang="en-US" dirty="0"/>
+          </a:p>
+        </p:txBody>
+      </p:sp>
+      <p:sp>
+        <p:nvSpPr>
+          <p:cNvPr id="5" name="직사각형 4">
+            <a:extLst>
+              <a:ext uri="{FF2B5EF4-FFF2-40B4-BE49-F238E27FC236}">
+                <a16:creationId xmlns:a16="http://schemas.microsoft.com/office/drawing/2014/main" id="{96249B27-3862-DA70-A6DE-5EF2FB05689F}"/>
+              </a:ext>
+            </a:extLst>
+          </p:cNvPr>
+          <p:cNvSpPr/>
+          <p:nvPr/>
+        </p:nvSpPr>
+        <p:spPr>
+          <a:xfrm>
+            <a:off x="4545966" y="2001519"/>
+            <a:ext cx="3088640" cy="3897263"/>
+          </a:xfrm>
+          <a:prstGeom prst="rect">
+            <a:avLst/>
+          </a:prstGeom>
+          <a:solidFill>
+            <a:schemeClr val="bg1">
+              <a:alpha val="69000"/>
+            </a:schemeClr>
+          </a:solidFill>
+          <a:ln>
+            <a:noFill/>
+          </a:ln>
+        </p:spPr>
+        <p:style>
+          <a:lnRef idx="2">
+            <a:schemeClr val="accent1">
+              <a:shade val="50000"/>
+            </a:schemeClr>
+          </a:lnRef>
+          <a:fillRef idx="1">
+            <a:schemeClr val="accent1"/>
+          </a:fillRef>
+          <a:effectRef idx="0">
+            <a:schemeClr val="accent1"/>
+          </a:effectRef>
+          <a:fontRef idx="minor">
+            <a:schemeClr val="lt1"/>
+          </a:fontRef>
+        </p:style>
+        <p:txBody>
+          <a:bodyPr rtlCol="0" anchor="ctr"/>
+          <a:lstStyle/>
+          <a:p>
+            <a:pPr algn="ctr"/>
+            <a:endParaRPr lang="ko-KR" altLang="en-US"/>
+          </a:p>
+        </p:txBody>
+      </p:sp>
+      <p:sp>
+        <p:nvSpPr>
+          <p:cNvPr id="6" name="직사각형 5">
+            <a:extLst>
+              <a:ext uri="{FF2B5EF4-FFF2-40B4-BE49-F238E27FC236}">
+                <a16:creationId xmlns:a16="http://schemas.microsoft.com/office/drawing/2014/main" id="{D51298E4-58F2-6637-3416-E2C758D574B3}"/>
+              </a:ext>
+            </a:extLst>
+          </p:cNvPr>
+          <p:cNvSpPr/>
+          <p:nvPr/>
+        </p:nvSpPr>
+        <p:spPr>
+          <a:xfrm>
+            <a:off x="8304854" y="2001519"/>
+            <a:ext cx="3088640" cy="3897263"/>
+          </a:xfrm>
+          <a:prstGeom prst="rect">
+            <a:avLst/>
+          </a:prstGeom>
+          <a:solidFill>
+            <a:schemeClr val="bg1">
+              <a:alpha val="69000"/>
+            </a:schemeClr>
+          </a:solidFill>
+          <a:ln>
+            <a:noFill/>
+          </a:ln>
+        </p:spPr>
+        <p:style>
+          <a:lnRef idx="2">
+            <a:schemeClr val="accent1">
+              <a:shade val="50000"/>
+            </a:schemeClr>
+          </a:lnRef>
+          <a:fillRef idx="1">
+            <a:schemeClr val="accent1"/>
+          </a:fillRef>
+          <a:effectRef idx="0">
+            <a:schemeClr val="accent1"/>
+          </a:effectRef>
+          <a:fontRef idx="minor">
+            <a:schemeClr val="lt1"/>
+          </a:fontRef>
+        </p:style>
+        <p:txBody>
+          <a:bodyPr rtlCol="0" anchor="ctr"/>
+          <a:lstStyle/>
+          <a:p>
+            <a:pPr algn="ctr"/>
+            <a:endParaRPr lang="ko-KR" altLang="en-US"/>
+          </a:p>
+        </p:txBody>
+      </p:sp>
+      <p:sp>
+        <p:nvSpPr>
+          <p:cNvPr id="9" name="사각형: 둥근 모서리 8">
+            <a:extLst>
+              <a:ext uri="{FF2B5EF4-FFF2-40B4-BE49-F238E27FC236}">
+                <a16:creationId xmlns:a16="http://schemas.microsoft.com/office/drawing/2014/main" id="{C35FBDDB-4FDF-357A-7C70-2B081F5CD2FF}"/>
+              </a:ext>
+            </a:extLst>
+          </p:cNvPr>
+          <p:cNvSpPr/>
+          <p:nvPr/>
+        </p:nvSpPr>
+        <p:spPr>
+          <a:xfrm>
+            <a:off x="1618928" y="1736811"/>
+            <a:ext cx="1424940" cy="525780"/>
+          </a:xfrm>
+          <a:prstGeom prst="roundRect">
+            <a:avLst/>
+          </a:prstGeom>
+          <a:solidFill>
+            <a:srgbClr val="D1D1D1"/>
+          </a:solidFill>
+          <a:ln>
+            <a:solidFill>
+              <a:schemeClr val="tx1"/>
+            </a:solidFill>
+            <a:prstDash val="lgDash"/>
+          </a:ln>
+        </p:spPr>
+        <p:style>
+          <a:lnRef idx="2">
+            <a:schemeClr val="accent1">
+              <a:shade val="50000"/>
+            </a:schemeClr>
+          </a:lnRef>
+          <a:fillRef idx="1">
+            <a:schemeClr val="accent1"/>
+          </a:fillRef>
+          <a:effectRef idx="0">
+            <a:schemeClr val="accent1"/>
+          </a:effectRef>
+          <a:fontRef idx="minor">
+            <a:schemeClr val="lt1"/>
+          </a:fontRef>
+        </p:style>
+        <p:txBody>
+          <a:bodyPr rtlCol="0" anchor="ctr"/>
+          <a:lstStyle/>
+          <a:p>
+            <a:pPr algn="ctr"/>
+            <a:endParaRPr lang="ko-KR" altLang="en-US"/>
+          </a:p>
+        </p:txBody>
+      </p:sp>
+      <p:sp>
+        <p:nvSpPr>
+          <p:cNvPr id="10" name="사각형: 둥근 모서리 9">
+            <a:extLst>
+              <a:ext uri="{FF2B5EF4-FFF2-40B4-BE49-F238E27FC236}">
+                <a16:creationId xmlns:a16="http://schemas.microsoft.com/office/drawing/2014/main" id="{3DD14530-A69F-577A-907B-6C129D049558}"/>
+              </a:ext>
+            </a:extLst>
+          </p:cNvPr>
+          <p:cNvSpPr/>
+          <p:nvPr/>
+        </p:nvSpPr>
+        <p:spPr>
+          <a:xfrm>
+            <a:off x="5414322" y="1739692"/>
+            <a:ext cx="1424940" cy="525780"/>
+          </a:xfrm>
+          <a:prstGeom prst="roundRect">
+            <a:avLst/>
+          </a:prstGeom>
+          <a:solidFill>
+            <a:srgbClr val="D1D1D1"/>
+          </a:solidFill>
+          <a:ln>
+            <a:solidFill>
+              <a:schemeClr val="tx1"/>
+            </a:solidFill>
+            <a:prstDash val="lgDash"/>
+          </a:ln>
+        </p:spPr>
+        <p:style>
+          <a:lnRef idx="2">
+            <a:schemeClr val="accent1">
+              <a:shade val="50000"/>
+            </a:schemeClr>
+          </a:lnRef>
+          <a:fillRef idx="1">
+            <a:schemeClr val="accent1"/>
+          </a:fillRef>
+          <a:effectRef idx="0">
+            <a:schemeClr val="accent1"/>
+          </a:effectRef>
+          <a:fontRef idx="minor">
+            <a:schemeClr val="lt1"/>
+          </a:fontRef>
+        </p:style>
+        <p:txBody>
+          <a:bodyPr rtlCol="0" anchor="ctr"/>
+          <a:lstStyle/>
+          <a:p>
+            <a:pPr algn="ctr"/>
+            <a:endParaRPr lang="ko-KR" altLang="en-US"/>
+          </a:p>
+        </p:txBody>
+      </p:sp>
+      <p:sp>
+        <p:nvSpPr>
+          <p:cNvPr id="11" name="사각형: 둥근 모서리 10">
+            <a:extLst>
+              <a:ext uri="{FF2B5EF4-FFF2-40B4-BE49-F238E27FC236}">
+                <a16:creationId xmlns:a16="http://schemas.microsoft.com/office/drawing/2014/main" id="{68A95DC2-B531-09CC-5E90-2359733E57B8}"/>
+              </a:ext>
+            </a:extLst>
+          </p:cNvPr>
+          <p:cNvSpPr/>
+          <p:nvPr/>
+        </p:nvSpPr>
+        <p:spPr>
+          <a:xfrm>
+            <a:off x="9136704" y="1736811"/>
+            <a:ext cx="1424940" cy="525780"/>
+          </a:xfrm>
+          <a:prstGeom prst="roundRect">
+            <a:avLst/>
+          </a:prstGeom>
+          <a:solidFill>
+            <a:srgbClr val="D1D1D1"/>
+          </a:solidFill>
+          <a:ln>
+            <a:solidFill>
+              <a:schemeClr val="tx1"/>
+            </a:solidFill>
+            <a:prstDash val="lgDash"/>
+          </a:ln>
+        </p:spPr>
+        <p:style>
+          <a:lnRef idx="2">
+            <a:schemeClr val="accent1">
+              <a:shade val="50000"/>
+            </a:schemeClr>
+          </a:lnRef>
+          <a:fillRef idx="1">
+            <a:schemeClr val="accent1"/>
+          </a:fillRef>
+          <a:effectRef idx="0">
+            <a:schemeClr val="accent1"/>
+          </a:effectRef>
+          <a:fontRef idx="minor">
+            <a:schemeClr val="lt1"/>
+          </a:fontRef>
+        </p:style>
+        <p:txBody>
+          <a:bodyPr rtlCol="0" anchor="ctr"/>
+          <a:lstStyle/>
+          <a:p>
+            <a:pPr algn="ctr"/>
+            <a:endParaRPr lang="ko-KR" altLang="en-US"/>
+          </a:p>
+        </p:txBody>
+      </p:sp>
+      <p:sp>
+        <p:nvSpPr>
+          <p:cNvPr id="13" name="TextBox 12">
+            <a:extLst>
+              <a:ext uri="{FF2B5EF4-FFF2-40B4-BE49-F238E27FC236}">
+                <a16:creationId xmlns:a16="http://schemas.microsoft.com/office/drawing/2014/main" id="{2C5500A6-7EF4-81A0-5F60-9EAF60165914}"/>
+              </a:ext>
+            </a:extLst>
+          </p:cNvPr>
+          <p:cNvSpPr txBox="1"/>
+          <p:nvPr/>
+        </p:nvSpPr>
+        <p:spPr>
+          <a:xfrm>
+            <a:off x="1921670" y="1815035"/>
+            <a:ext cx="819455" cy="369332"/>
+          </a:xfrm>
+          <a:prstGeom prst="rect">
+            <a:avLst/>
+          </a:prstGeom>
+          <a:noFill/>
+        </p:spPr>
+        <p:txBody>
+          <a:bodyPr wrap="none" rtlCol="0">
+            <a:spAutoFit/>
+          </a:bodyPr>
+          <a:lstStyle/>
+          <a:p>
+            <a:r>
+              <a:rPr lang="ko-KR" altLang="en-US" dirty="0">
+                <a:latin typeface="Noto Sans CJK KR Medium" panose="020B0600000000000000" pitchFamily="34" charset="-127"/>
+                <a:ea typeface="Noto Sans CJK KR Medium" panose="020B0600000000000000" pitchFamily="34" charset="-127"/>
+              </a:rPr>
+              <a:t>김명훈</a:t>
+            </a:r>
+          </a:p>
+        </p:txBody>
+      </p:sp>
+      <p:sp>
+        <p:nvSpPr>
+          <p:cNvPr id="14" name="TextBox 13">
+            <a:extLst>
+              <a:ext uri="{FF2B5EF4-FFF2-40B4-BE49-F238E27FC236}">
+                <a16:creationId xmlns:a16="http://schemas.microsoft.com/office/drawing/2014/main" id="{8C0B7698-89AE-56B3-47B8-91E3B4ECE151}"/>
+              </a:ext>
+            </a:extLst>
+          </p:cNvPr>
+          <p:cNvSpPr txBox="1"/>
+          <p:nvPr/>
+        </p:nvSpPr>
+        <p:spPr>
+          <a:xfrm>
+            <a:off x="5717064" y="1824130"/>
+            <a:ext cx="819455" cy="369332"/>
+          </a:xfrm>
+          <a:prstGeom prst="rect">
+            <a:avLst/>
+          </a:prstGeom>
+          <a:noFill/>
+        </p:spPr>
+        <p:txBody>
+          <a:bodyPr wrap="none" rtlCol="0">
+            <a:spAutoFit/>
+          </a:bodyPr>
+          <a:lstStyle/>
+          <a:p>
+            <a:r>
+              <a:rPr lang="ko-KR" altLang="en-US" dirty="0">
+                <a:latin typeface="Noto Sans CJK KR Medium" panose="020B0600000000000000" pitchFamily="34" charset="-127"/>
+                <a:ea typeface="Noto Sans CJK KR Medium" panose="020B0600000000000000" pitchFamily="34" charset="-127"/>
+              </a:rPr>
+              <a:t>윤은지</a:t>
+            </a:r>
+          </a:p>
+        </p:txBody>
+      </p:sp>
+      <p:sp>
+        <p:nvSpPr>
+          <p:cNvPr id="15" name="TextBox 14">
+            <a:extLst>
+              <a:ext uri="{FF2B5EF4-FFF2-40B4-BE49-F238E27FC236}">
+                <a16:creationId xmlns:a16="http://schemas.microsoft.com/office/drawing/2014/main" id="{9C181F87-E5E0-0A7B-0435-5254FC05352E}"/>
+              </a:ext>
+            </a:extLst>
+          </p:cNvPr>
+          <p:cNvSpPr txBox="1"/>
+          <p:nvPr/>
+        </p:nvSpPr>
+        <p:spPr>
+          <a:xfrm>
+            <a:off x="9439446" y="1827080"/>
+            <a:ext cx="819455" cy="369332"/>
+          </a:xfrm>
+          <a:prstGeom prst="rect">
+            <a:avLst/>
+          </a:prstGeom>
+          <a:noFill/>
+        </p:spPr>
+        <p:txBody>
+          <a:bodyPr wrap="none" rtlCol="0">
+            <a:spAutoFit/>
+          </a:bodyPr>
+          <a:lstStyle/>
+          <a:p>
+            <a:r>
+              <a:rPr lang="ko-KR" altLang="en-US">
+                <a:latin typeface="Noto Sans CJK KR Medium" panose="020B0600000000000000" pitchFamily="34" charset="-127"/>
+                <a:ea typeface="Noto Sans CJK KR Medium" panose="020B0600000000000000" pitchFamily="34" charset="-127"/>
+              </a:rPr>
+              <a:t>김선아</a:t>
+            </a:r>
+            <a:endParaRPr lang="ko-KR" altLang="en-US" dirty="0">
+              <a:latin typeface="Noto Sans CJK KR Medium" panose="020B0600000000000000" pitchFamily="34" charset="-127"/>
+              <a:ea typeface="Noto Sans CJK KR Medium" panose="020B0600000000000000" pitchFamily="34" charset="-127"/>
+            </a:endParaRPr>
+          </a:p>
+        </p:txBody>
+      </p:sp>
+      <p:sp>
+        <p:nvSpPr>
+          <p:cNvPr id="16" name="TextBox 15">
+            <a:extLst>
+              <a:ext uri="{FF2B5EF4-FFF2-40B4-BE49-F238E27FC236}">
+                <a16:creationId xmlns:a16="http://schemas.microsoft.com/office/drawing/2014/main" id="{8B9D3841-38E8-1FD6-99C6-3191FAF1CA9D}"/>
+              </a:ext>
+            </a:extLst>
+          </p:cNvPr>
+          <p:cNvSpPr txBox="1"/>
+          <p:nvPr/>
+        </p:nvSpPr>
+        <p:spPr>
+          <a:xfrm>
+            <a:off x="931013" y="2527300"/>
+            <a:ext cx="2800767" cy="2956835"/>
+          </a:xfrm>
+          <a:prstGeom prst="rect">
+            <a:avLst/>
+          </a:prstGeom>
+          <a:noFill/>
+        </p:spPr>
+        <p:txBody>
+          <a:bodyPr wrap="none" rtlCol="0">
+            <a:spAutoFit/>
+          </a:bodyPr>
+          <a:lstStyle/>
+          <a:p>
+            <a:pPr marL="285750" indent="-285750">
+              <a:lnSpc>
+                <a:spcPct val="150000"/>
+              </a:lnSpc>
+              <a:buFont typeface="Arial" panose="020B0604020202020204" pitchFamily="34" charset="0"/>
+              <a:buChar char="•"/>
+            </a:pPr>
+            <a:r>
+              <a:rPr lang="en-US" altLang="ko-KR" dirty="0">
+                <a:latin typeface="Noto Sans CJK KR Regular" panose="020B0500000000000000" pitchFamily="34" charset="-127"/>
+                <a:ea typeface="Noto Sans CJK KR Regular" panose="020B0500000000000000" pitchFamily="34" charset="-127"/>
+              </a:rPr>
+              <a:t>C++</a:t>
+            </a:r>
+            <a:r>
+              <a:rPr lang="ko-KR" altLang="en-US" dirty="0">
+                <a:latin typeface="Noto Sans CJK KR Regular" panose="020B0500000000000000" pitchFamily="34" charset="-127"/>
+                <a:ea typeface="Noto Sans CJK KR Regular" panose="020B0500000000000000" pitchFamily="34" charset="-127"/>
+              </a:rPr>
+              <a:t>프로그래밍</a:t>
+            </a:r>
+          </a:p>
+          <a:p>
+            <a:pPr marL="285750" indent="-285750">
+              <a:lnSpc>
+                <a:spcPct val="150000"/>
+              </a:lnSpc>
+              <a:buFont typeface="Arial" panose="020B0604020202020204" pitchFamily="34" charset="0"/>
+              <a:buChar char="•"/>
+            </a:pPr>
+            <a:r>
+              <a:rPr lang="ko-KR" altLang="en-US" dirty="0">
+                <a:latin typeface="Noto Sans CJK KR Regular" panose="020B0500000000000000" pitchFamily="34" charset="-127"/>
+                <a:ea typeface="Noto Sans CJK KR Regular" panose="020B0500000000000000" pitchFamily="34" charset="-127"/>
+              </a:rPr>
+              <a:t>윈도우 프로그래밍</a:t>
+            </a:r>
+          </a:p>
+          <a:p>
+            <a:pPr marL="285750" indent="-285750">
+              <a:lnSpc>
+                <a:spcPct val="150000"/>
+              </a:lnSpc>
+              <a:buFont typeface="Arial" panose="020B0604020202020204" pitchFamily="34" charset="0"/>
+              <a:buChar char="•"/>
+            </a:pPr>
+            <a:r>
+              <a:rPr lang="en-US" altLang="ko-KR" dirty="0">
+                <a:latin typeface="Noto Sans CJK KR Regular" panose="020B0500000000000000" pitchFamily="34" charset="-127"/>
+                <a:ea typeface="Noto Sans CJK KR Regular" panose="020B0500000000000000" pitchFamily="34" charset="-127"/>
+              </a:rPr>
+              <a:t>2D</a:t>
+            </a:r>
+            <a:r>
+              <a:rPr lang="ko-KR" altLang="en-US" dirty="0">
+                <a:latin typeface="Noto Sans CJK KR Regular" panose="020B0500000000000000" pitchFamily="34" charset="-127"/>
+                <a:ea typeface="Noto Sans CJK KR Regular" panose="020B0500000000000000" pitchFamily="34" charset="-127"/>
+              </a:rPr>
+              <a:t>게임프로그래밍</a:t>
+            </a:r>
+          </a:p>
+          <a:p>
+            <a:pPr marL="285750" indent="-285750">
+              <a:lnSpc>
+                <a:spcPct val="150000"/>
+              </a:lnSpc>
+              <a:buFont typeface="Arial" panose="020B0604020202020204" pitchFamily="34" charset="0"/>
+              <a:buChar char="•"/>
+            </a:pPr>
+            <a:r>
+              <a:rPr lang="en-US" altLang="ko-KR" dirty="0">
+                <a:latin typeface="Noto Sans CJK KR Regular" panose="020B0500000000000000" pitchFamily="34" charset="-127"/>
+                <a:ea typeface="Noto Sans CJK KR Regular" panose="020B0500000000000000" pitchFamily="34" charset="-127"/>
+              </a:rPr>
+              <a:t>STL</a:t>
+            </a:r>
+            <a:endParaRPr lang="ko-KR" altLang="en-US" dirty="0">
+              <a:latin typeface="Noto Sans CJK KR Regular" panose="020B0500000000000000" pitchFamily="34" charset="-127"/>
+              <a:ea typeface="Noto Sans CJK KR Regular" panose="020B0500000000000000" pitchFamily="34" charset="-127"/>
+            </a:endParaRPr>
+          </a:p>
+          <a:p>
+            <a:pPr marL="285750" indent="-285750">
+              <a:lnSpc>
+                <a:spcPct val="150000"/>
+              </a:lnSpc>
+              <a:buFont typeface="Arial" panose="020B0604020202020204" pitchFamily="34" charset="0"/>
+              <a:buChar char="•"/>
+            </a:pPr>
+            <a:r>
+              <a:rPr lang="en-US" altLang="ko-KR" dirty="0">
+                <a:latin typeface="Noto Sans CJK KR Regular" panose="020B0500000000000000" pitchFamily="34" charset="-127"/>
+                <a:ea typeface="Noto Sans CJK KR Regular" panose="020B0500000000000000" pitchFamily="34" charset="-127"/>
+              </a:rPr>
+              <a:t>3D</a:t>
+            </a:r>
+            <a:r>
+              <a:rPr lang="ko-KR" altLang="en-US" dirty="0">
+                <a:latin typeface="Noto Sans CJK KR Regular" panose="020B0500000000000000" pitchFamily="34" charset="-127"/>
+                <a:ea typeface="Noto Sans CJK KR Regular" panose="020B0500000000000000" pitchFamily="34" charset="-127"/>
+              </a:rPr>
+              <a:t>게임프로그래밍</a:t>
+            </a:r>
+            <a:r>
+              <a:rPr lang="en-US" altLang="ko-KR" dirty="0">
+                <a:latin typeface="Noto Sans CJK KR Regular" panose="020B0500000000000000" pitchFamily="34" charset="-127"/>
+                <a:ea typeface="Noto Sans CJK KR Regular" panose="020B0500000000000000" pitchFamily="34" charset="-127"/>
+              </a:rPr>
+              <a:t>1</a:t>
+            </a:r>
+            <a:endParaRPr lang="ko-KR" altLang="en-US" dirty="0">
+              <a:latin typeface="Noto Sans CJK KR Regular" panose="020B0500000000000000" pitchFamily="34" charset="-127"/>
+              <a:ea typeface="Noto Sans CJK KR Regular" panose="020B0500000000000000" pitchFamily="34" charset="-127"/>
+            </a:endParaRPr>
+          </a:p>
+          <a:p>
+            <a:pPr marL="285750" indent="-285750">
+              <a:lnSpc>
+                <a:spcPct val="150000"/>
+              </a:lnSpc>
+              <a:buFont typeface="Arial" panose="020B0604020202020204" pitchFamily="34" charset="0"/>
+              <a:buChar char="•"/>
+            </a:pPr>
+            <a:r>
+              <a:rPr lang="ko-KR" altLang="en-US" dirty="0">
+                <a:latin typeface="Noto Sans CJK KR Regular" panose="020B0500000000000000" pitchFamily="34" charset="-127"/>
+                <a:ea typeface="Noto Sans CJK KR Regular" panose="020B0500000000000000" pitchFamily="34" charset="-127"/>
+              </a:rPr>
+              <a:t>네트워크게임프로그래밍</a:t>
+            </a:r>
+          </a:p>
+          <a:p>
+            <a:pPr marL="285750" indent="-285750">
+              <a:lnSpc>
+                <a:spcPct val="150000"/>
+              </a:lnSpc>
+              <a:buFont typeface="Arial" panose="020B0604020202020204" pitchFamily="34" charset="0"/>
+              <a:buChar char="•"/>
+            </a:pPr>
+            <a:r>
+              <a:rPr lang="ko-KR" altLang="en-US" dirty="0">
+                <a:latin typeface="Noto Sans CJK KR Regular" panose="020B0500000000000000" pitchFamily="34" charset="-127"/>
+                <a:ea typeface="Noto Sans CJK KR Regular" panose="020B0500000000000000" pitchFamily="34" charset="-127"/>
+              </a:rPr>
+              <a:t>게임서버프로그래밍</a:t>
+            </a:r>
+          </a:p>
+        </p:txBody>
+      </p:sp>
+      <p:sp>
+        <p:nvSpPr>
+          <p:cNvPr id="17" name="TextBox 16">
+            <a:extLst>
+              <a:ext uri="{FF2B5EF4-FFF2-40B4-BE49-F238E27FC236}">
+                <a16:creationId xmlns:a16="http://schemas.microsoft.com/office/drawing/2014/main" id="{686D2B9A-6651-F832-7204-86947321915A}"/>
+              </a:ext>
+            </a:extLst>
+          </p:cNvPr>
+          <p:cNvSpPr txBox="1"/>
+          <p:nvPr/>
+        </p:nvSpPr>
+        <p:spPr>
+          <a:xfrm>
+            <a:off x="4612077" y="2527300"/>
+            <a:ext cx="2428870" cy="2956835"/>
+          </a:xfrm>
+          <a:prstGeom prst="rect">
+            <a:avLst/>
+          </a:prstGeom>
+          <a:noFill/>
+        </p:spPr>
+        <p:txBody>
+          <a:bodyPr wrap="none" rtlCol="0">
+            <a:spAutoFit/>
+          </a:bodyPr>
+          <a:lstStyle/>
+          <a:p>
+            <a:pPr marL="285750" indent="-285750">
+              <a:lnSpc>
+                <a:spcPct val="150000"/>
+              </a:lnSpc>
+              <a:buFont typeface="Arial" panose="020B0604020202020204" pitchFamily="34" charset="0"/>
+              <a:buChar char="•"/>
+            </a:pPr>
+            <a:r>
+              <a:rPr lang="en-US" altLang="ko-KR" dirty="0">
+                <a:latin typeface="Noto Sans CJK KR Regular" panose="020B0500000000000000" pitchFamily="34" charset="-127"/>
+                <a:ea typeface="Noto Sans CJK KR Regular" panose="020B0500000000000000" pitchFamily="34" charset="-127"/>
+              </a:rPr>
+              <a:t>c</a:t>
+            </a:r>
+            <a:r>
+              <a:rPr lang="ko-KR" altLang="en-US" dirty="0">
+                <a:latin typeface="Noto Sans CJK KR Regular" panose="020B0500000000000000" pitchFamily="34" charset="-127"/>
+                <a:ea typeface="Noto Sans CJK KR Regular" panose="020B0500000000000000" pitchFamily="34" charset="-127"/>
+              </a:rPr>
+              <a:t>프로그래밍</a:t>
+            </a:r>
+          </a:p>
+          <a:p>
+            <a:pPr marL="285750" indent="-285750">
+              <a:lnSpc>
+                <a:spcPct val="150000"/>
+              </a:lnSpc>
+              <a:buFont typeface="Arial" panose="020B0604020202020204" pitchFamily="34" charset="0"/>
+              <a:buChar char="•"/>
+            </a:pPr>
+            <a:r>
+              <a:rPr lang="en-US" altLang="ko-KR" dirty="0">
+                <a:latin typeface="Noto Sans CJK KR Regular" panose="020B0500000000000000" pitchFamily="34" charset="-127"/>
+                <a:ea typeface="Noto Sans CJK KR Regular" panose="020B0500000000000000" pitchFamily="34" charset="-127"/>
+              </a:rPr>
+              <a:t>3D</a:t>
+            </a:r>
+            <a:r>
+              <a:rPr lang="ko-KR" altLang="en-US" dirty="0">
+                <a:latin typeface="Noto Sans CJK KR Regular" panose="020B0500000000000000" pitchFamily="34" charset="-127"/>
+                <a:ea typeface="Noto Sans CJK KR Regular" panose="020B0500000000000000" pitchFamily="34" charset="-127"/>
+              </a:rPr>
+              <a:t>게임프로그래밍</a:t>
+            </a:r>
+            <a:r>
+              <a:rPr lang="en-US" altLang="ko-KR" dirty="0">
+                <a:latin typeface="Noto Sans CJK KR Regular" panose="020B0500000000000000" pitchFamily="34" charset="-127"/>
+                <a:ea typeface="Noto Sans CJK KR Regular" panose="020B0500000000000000" pitchFamily="34" charset="-127"/>
+              </a:rPr>
+              <a:t>1</a:t>
+            </a:r>
+            <a:endParaRPr lang="ko-KR" altLang="en-US" dirty="0">
+              <a:latin typeface="Noto Sans CJK KR Regular" panose="020B0500000000000000" pitchFamily="34" charset="-127"/>
+              <a:ea typeface="Noto Sans CJK KR Regular" panose="020B0500000000000000" pitchFamily="34" charset="-127"/>
+            </a:endParaRPr>
+          </a:p>
+          <a:p>
+            <a:pPr marL="285750" indent="-285750">
+              <a:lnSpc>
+                <a:spcPct val="150000"/>
+              </a:lnSpc>
+              <a:buFont typeface="Arial" panose="020B0604020202020204" pitchFamily="34" charset="0"/>
+              <a:buChar char="•"/>
+            </a:pPr>
+            <a:r>
+              <a:rPr lang="en-US" altLang="ko-KR" dirty="0">
+                <a:latin typeface="Noto Sans CJK KR Regular" panose="020B0500000000000000" pitchFamily="34" charset="-127"/>
+                <a:ea typeface="Noto Sans CJK KR Regular" panose="020B0500000000000000" pitchFamily="34" charset="-127"/>
+              </a:rPr>
+              <a:t>3D</a:t>
+            </a:r>
+            <a:r>
+              <a:rPr lang="ko-KR" altLang="en-US" dirty="0">
+                <a:latin typeface="Noto Sans CJK KR Regular" panose="020B0500000000000000" pitchFamily="34" charset="-127"/>
+                <a:ea typeface="Noto Sans CJK KR Regular" panose="020B0500000000000000" pitchFamily="34" charset="-127"/>
+              </a:rPr>
+              <a:t>게임프로그래밍</a:t>
+            </a:r>
+            <a:r>
+              <a:rPr lang="en-US" altLang="ko-KR" dirty="0">
+                <a:latin typeface="Noto Sans CJK KR Regular" panose="020B0500000000000000" pitchFamily="34" charset="-127"/>
+                <a:ea typeface="Noto Sans CJK KR Regular" panose="020B0500000000000000" pitchFamily="34" charset="-127"/>
+              </a:rPr>
+              <a:t>2</a:t>
+            </a:r>
+            <a:endParaRPr lang="ko-KR" altLang="en-US" dirty="0">
+              <a:latin typeface="Noto Sans CJK KR Regular" panose="020B0500000000000000" pitchFamily="34" charset="-127"/>
+              <a:ea typeface="Noto Sans CJK KR Regular" panose="020B0500000000000000" pitchFamily="34" charset="-127"/>
+            </a:endParaRPr>
+          </a:p>
+          <a:p>
+            <a:pPr marL="285750" indent="-285750">
+              <a:lnSpc>
+                <a:spcPct val="150000"/>
+              </a:lnSpc>
+              <a:buFont typeface="Arial" panose="020B0604020202020204" pitchFamily="34" charset="0"/>
+              <a:buChar char="•"/>
+            </a:pPr>
+            <a:r>
+              <a:rPr lang="ko-KR" altLang="en-US" dirty="0">
+                <a:latin typeface="Noto Sans CJK KR Regular" panose="020B0500000000000000" pitchFamily="34" charset="-127"/>
+                <a:ea typeface="Noto Sans CJK KR Regular" panose="020B0500000000000000" pitchFamily="34" charset="-127"/>
+              </a:rPr>
+              <a:t>윈도우프로그래밍</a:t>
+            </a:r>
+          </a:p>
+          <a:p>
+            <a:pPr marL="285750" indent="-285750">
+              <a:lnSpc>
+                <a:spcPct val="150000"/>
+              </a:lnSpc>
+              <a:buFont typeface="Arial" panose="020B0604020202020204" pitchFamily="34" charset="0"/>
+              <a:buChar char="•"/>
+            </a:pPr>
+            <a:r>
+              <a:rPr lang="ko-KR" altLang="en-US" dirty="0">
+                <a:latin typeface="Noto Sans CJK KR Regular" panose="020B0500000000000000" pitchFamily="34" charset="-127"/>
+                <a:ea typeface="Noto Sans CJK KR Regular" panose="020B0500000000000000" pitchFamily="34" charset="-127"/>
+              </a:rPr>
+              <a:t>게임기획</a:t>
+            </a:r>
+            <a:r>
+              <a:rPr lang="en-US" altLang="ko-KR" dirty="0">
+                <a:latin typeface="Noto Sans CJK KR Regular" panose="020B0500000000000000" pitchFamily="34" charset="-127"/>
+                <a:ea typeface="Noto Sans CJK KR Regular" panose="020B0500000000000000" pitchFamily="34" charset="-127"/>
+              </a:rPr>
+              <a:t>1</a:t>
+            </a:r>
+            <a:endParaRPr lang="ko-KR" altLang="en-US" dirty="0">
+              <a:latin typeface="Noto Sans CJK KR Regular" panose="020B0500000000000000" pitchFamily="34" charset="-127"/>
+              <a:ea typeface="Noto Sans CJK KR Regular" panose="020B0500000000000000" pitchFamily="34" charset="-127"/>
+            </a:endParaRPr>
+          </a:p>
+          <a:p>
+            <a:pPr marL="285750" indent="-285750">
+              <a:lnSpc>
+                <a:spcPct val="150000"/>
+              </a:lnSpc>
+              <a:buFont typeface="Arial" panose="020B0604020202020204" pitchFamily="34" charset="0"/>
+              <a:buChar char="•"/>
+            </a:pPr>
+            <a:r>
+              <a:rPr lang="en-US" altLang="ko-KR" dirty="0">
+                <a:latin typeface="Noto Sans CJK KR Regular" panose="020B0500000000000000" pitchFamily="34" charset="-127"/>
+                <a:ea typeface="Noto Sans CJK KR Regular" panose="020B0500000000000000" pitchFamily="34" charset="-127"/>
+              </a:rPr>
+              <a:t>3D</a:t>
+            </a:r>
+            <a:r>
+              <a:rPr lang="ko-KR" altLang="en-US" dirty="0">
+                <a:latin typeface="Noto Sans CJK KR Regular" panose="020B0500000000000000" pitchFamily="34" charset="-127"/>
+                <a:ea typeface="Noto Sans CJK KR Regular" panose="020B0500000000000000" pitchFamily="34" charset="-127"/>
+              </a:rPr>
+              <a:t>모델링</a:t>
+            </a:r>
+            <a:r>
+              <a:rPr lang="en-US" altLang="ko-KR" dirty="0">
+                <a:latin typeface="Noto Sans CJK KR Regular" panose="020B0500000000000000" pitchFamily="34" charset="-127"/>
+                <a:ea typeface="Noto Sans CJK KR Regular" panose="020B0500000000000000" pitchFamily="34" charset="-127"/>
+              </a:rPr>
+              <a:t>1</a:t>
+            </a:r>
+            <a:endParaRPr lang="ko-KR" altLang="en-US" dirty="0">
+              <a:latin typeface="Noto Sans CJK KR Regular" panose="020B0500000000000000" pitchFamily="34" charset="-127"/>
+              <a:ea typeface="Noto Sans CJK KR Regular" panose="020B0500000000000000" pitchFamily="34" charset="-127"/>
+            </a:endParaRPr>
+          </a:p>
+          <a:p>
+            <a:pPr marL="285750" indent="-285750">
+              <a:lnSpc>
+                <a:spcPct val="150000"/>
+              </a:lnSpc>
+              <a:buFont typeface="Arial" panose="020B0604020202020204" pitchFamily="34" charset="0"/>
+              <a:buChar char="•"/>
+            </a:pPr>
+            <a:r>
+              <a:rPr lang="ko-KR" altLang="en-US" dirty="0" err="1">
+                <a:latin typeface="Noto Sans CJK KR Regular" panose="020B0500000000000000" pitchFamily="34" charset="-127"/>
+                <a:ea typeface="Noto Sans CJK KR Regular" panose="020B0500000000000000" pitchFamily="34" charset="-127"/>
+              </a:rPr>
+              <a:t>게임사운드</a:t>
+            </a:r>
+            <a:endParaRPr lang="ko-KR" altLang="en-US" dirty="0">
+              <a:latin typeface="Noto Sans CJK KR Regular" panose="020B0500000000000000" pitchFamily="34" charset="-127"/>
+              <a:ea typeface="Noto Sans CJK KR Regular" panose="020B0500000000000000" pitchFamily="34" charset="-127"/>
+            </a:endParaRPr>
+          </a:p>
+        </p:txBody>
+      </p:sp>
+      <p:sp>
+        <p:nvSpPr>
+          <p:cNvPr id="18" name="TextBox 17">
+            <a:extLst>
+              <a:ext uri="{FF2B5EF4-FFF2-40B4-BE49-F238E27FC236}">
+                <a16:creationId xmlns:a16="http://schemas.microsoft.com/office/drawing/2014/main" id="{E7E8CE58-D847-288A-4883-F6D36DE169B3}"/>
+              </a:ext>
+            </a:extLst>
+          </p:cNvPr>
+          <p:cNvSpPr txBox="1"/>
+          <p:nvPr/>
+        </p:nvSpPr>
+        <p:spPr>
+          <a:xfrm>
+            <a:off x="8453331" y="2527300"/>
+            <a:ext cx="2369559" cy="2956835"/>
+          </a:xfrm>
+          <a:prstGeom prst="rect">
+            <a:avLst/>
+          </a:prstGeom>
+          <a:noFill/>
+        </p:spPr>
+        <p:txBody>
+          <a:bodyPr wrap="none" rtlCol="0">
+            <a:spAutoFit/>
+          </a:bodyPr>
+          <a:lstStyle/>
+          <a:p>
+            <a:pPr marL="285750" indent="-285750">
+              <a:lnSpc>
+                <a:spcPct val="150000"/>
+              </a:lnSpc>
+              <a:buFont typeface="Arial" panose="020B0604020202020204" pitchFamily="34" charset="0"/>
+              <a:buChar char="•"/>
+            </a:pPr>
+            <a:r>
+              <a:rPr lang="en-US" altLang="ko-KR" dirty="0">
+                <a:latin typeface="Noto Sans CJK KR Regular" panose="020B0500000000000000" pitchFamily="34" charset="-127"/>
+                <a:ea typeface="Noto Sans CJK KR Regular" panose="020B0500000000000000" pitchFamily="34" charset="-127"/>
+              </a:rPr>
+              <a:t>C</a:t>
+            </a:r>
+            <a:r>
+              <a:rPr lang="ko-KR" altLang="en-US" dirty="0">
+                <a:latin typeface="Noto Sans CJK KR Regular" panose="020B0500000000000000" pitchFamily="34" charset="-127"/>
+                <a:ea typeface="Noto Sans CJK KR Regular" panose="020B0500000000000000" pitchFamily="34" charset="-127"/>
+              </a:rPr>
+              <a:t>프로그래밍</a:t>
+            </a:r>
+            <a:endParaRPr lang="en-US" altLang="ko-KR" dirty="0">
+              <a:latin typeface="Noto Sans CJK KR Regular" panose="020B0500000000000000" pitchFamily="34" charset="-127"/>
+              <a:ea typeface="Noto Sans CJK KR Regular" panose="020B0500000000000000" pitchFamily="34" charset="-127"/>
+            </a:endParaRPr>
+          </a:p>
+          <a:p>
+            <a:pPr marL="285750" indent="-285750">
+              <a:lnSpc>
+                <a:spcPct val="150000"/>
+              </a:lnSpc>
+              <a:buFont typeface="Arial" panose="020B0604020202020204" pitchFamily="34" charset="0"/>
+              <a:buChar char="•"/>
+            </a:pPr>
+            <a:r>
+              <a:rPr lang="en-US" altLang="ko-KR" dirty="0">
+                <a:latin typeface="Noto Sans CJK KR Regular" panose="020B0500000000000000" pitchFamily="34" charset="-127"/>
+                <a:ea typeface="Noto Sans CJK KR Regular" panose="020B0500000000000000" pitchFamily="34" charset="-127"/>
+              </a:rPr>
+              <a:t>2D</a:t>
+            </a:r>
+            <a:r>
+              <a:rPr lang="ko-KR" altLang="en-US" dirty="0">
+                <a:latin typeface="Noto Sans CJK KR Regular" panose="020B0500000000000000" pitchFamily="34" charset="-127"/>
+                <a:ea typeface="Noto Sans CJK KR Regular" panose="020B0500000000000000" pitchFamily="34" charset="-127"/>
+              </a:rPr>
+              <a:t>게임프로그래밍</a:t>
+            </a:r>
+          </a:p>
+          <a:p>
+            <a:pPr marL="285750" indent="-285750">
+              <a:lnSpc>
+                <a:spcPct val="150000"/>
+              </a:lnSpc>
+              <a:buFont typeface="Arial" panose="020B0604020202020204" pitchFamily="34" charset="0"/>
+              <a:buChar char="•"/>
+            </a:pPr>
+            <a:r>
+              <a:rPr lang="en-US" altLang="ko-KR" dirty="0">
+                <a:latin typeface="Noto Sans CJK KR Regular" panose="020B0500000000000000" pitchFamily="34" charset="-127"/>
+                <a:ea typeface="Noto Sans CJK KR Regular" panose="020B0500000000000000" pitchFamily="34" charset="-127"/>
+              </a:rPr>
+              <a:t>3D</a:t>
+            </a:r>
+            <a:r>
+              <a:rPr lang="ko-KR" altLang="en-US" dirty="0">
+                <a:latin typeface="Noto Sans CJK KR Regular" panose="020B0500000000000000" pitchFamily="34" charset="-127"/>
+                <a:ea typeface="Noto Sans CJK KR Regular" panose="020B0500000000000000" pitchFamily="34" charset="-127"/>
+              </a:rPr>
+              <a:t>게임프로그래밍</a:t>
+            </a:r>
+            <a:r>
+              <a:rPr lang="en-US" altLang="ko-KR" dirty="0">
+                <a:latin typeface="Noto Sans CJK KR Regular" panose="020B0500000000000000" pitchFamily="34" charset="-127"/>
+                <a:ea typeface="Noto Sans CJK KR Regular" panose="020B0500000000000000" pitchFamily="34" charset="-127"/>
+              </a:rPr>
+              <a:t>1</a:t>
+            </a:r>
+            <a:endParaRPr lang="ko-KR" altLang="en-US" dirty="0">
+              <a:latin typeface="Noto Sans CJK KR Regular" panose="020B0500000000000000" pitchFamily="34" charset="-127"/>
+              <a:ea typeface="Noto Sans CJK KR Regular" panose="020B0500000000000000" pitchFamily="34" charset="-127"/>
+            </a:endParaRPr>
+          </a:p>
+          <a:p>
+            <a:pPr marL="285750" indent="-285750">
+              <a:lnSpc>
+                <a:spcPct val="150000"/>
+              </a:lnSpc>
+              <a:buFont typeface="Arial" panose="020B0604020202020204" pitchFamily="34" charset="0"/>
+              <a:buChar char="•"/>
+            </a:pPr>
+            <a:r>
+              <a:rPr lang="en-US" altLang="ko-KR" dirty="0">
+                <a:latin typeface="Noto Sans CJK KR Regular" panose="020B0500000000000000" pitchFamily="34" charset="-127"/>
+                <a:ea typeface="Noto Sans CJK KR Regular" panose="020B0500000000000000" pitchFamily="34" charset="-127"/>
+              </a:rPr>
+              <a:t>3D</a:t>
+            </a:r>
+            <a:r>
+              <a:rPr lang="ko-KR" altLang="en-US" dirty="0">
+                <a:latin typeface="Noto Sans CJK KR Regular" panose="020B0500000000000000" pitchFamily="34" charset="-127"/>
+                <a:ea typeface="Noto Sans CJK KR Regular" panose="020B0500000000000000" pitchFamily="34" charset="-127"/>
+              </a:rPr>
+              <a:t>게임프로그래밍</a:t>
+            </a:r>
+            <a:r>
+              <a:rPr lang="en-US" altLang="ko-KR" dirty="0">
+                <a:latin typeface="Noto Sans CJK KR Regular" panose="020B0500000000000000" pitchFamily="34" charset="-127"/>
+                <a:ea typeface="Noto Sans CJK KR Regular" panose="020B0500000000000000" pitchFamily="34" charset="-127"/>
+              </a:rPr>
+              <a:t>2</a:t>
+            </a:r>
+            <a:endParaRPr lang="ko-KR" altLang="en-US" dirty="0">
+              <a:latin typeface="Noto Sans CJK KR Regular" panose="020B0500000000000000" pitchFamily="34" charset="-127"/>
+              <a:ea typeface="Noto Sans CJK KR Regular" panose="020B0500000000000000" pitchFamily="34" charset="-127"/>
+            </a:endParaRPr>
+          </a:p>
+          <a:p>
+            <a:pPr marL="285750" indent="-285750">
+              <a:lnSpc>
+                <a:spcPct val="150000"/>
+              </a:lnSpc>
+              <a:buFont typeface="Arial" panose="020B0604020202020204" pitchFamily="34" charset="0"/>
+              <a:buChar char="•"/>
+            </a:pPr>
+            <a:r>
+              <a:rPr lang="ko-KR" altLang="en-US" dirty="0">
+                <a:latin typeface="Noto Sans CJK KR Regular" panose="020B0500000000000000" pitchFamily="34" charset="-127"/>
+                <a:ea typeface="Noto Sans CJK KR Regular" panose="020B0500000000000000" pitchFamily="34" charset="-127"/>
+              </a:rPr>
+              <a:t>게임기획</a:t>
+            </a:r>
+            <a:r>
+              <a:rPr lang="en-US" altLang="ko-KR" dirty="0">
+                <a:latin typeface="Noto Sans CJK KR Regular" panose="020B0500000000000000" pitchFamily="34" charset="-127"/>
+                <a:ea typeface="Noto Sans CJK KR Regular" panose="020B0500000000000000" pitchFamily="34" charset="-127"/>
+              </a:rPr>
+              <a:t>2</a:t>
+            </a:r>
+            <a:endParaRPr lang="ko-KR" altLang="en-US" dirty="0">
+              <a:latin typeface="Noto Sans CJK KR Regular" panose="020B0500000000000000" pitchFamily="34" charset="-127"/>
+              <a:ea typeface="Noto Sans CJK KR Regular" panose="020B0500000000000000" pitchFamily="34" charset="-127"/>
+            </a:endParaRPr>
+          </a:p>
+          <a:p>
+            <a:pPr marL="285750" indent="-285750">
+              <a:lnSpc>
+                <a:spcPct val="150000"/>
+              </a:lnSpc>
+              <a:buFont typeface="Arial" panose="020B0604020202020204" pitchFamily="34" charset="0"/>
+              <a:buChar char="•"/>
+            </a:pPr>
+            <a:r>
+              <a:rPr lang="en-US" altLang="ko-KR" dirty="0">
+                <a:latin typeface="Noto Sans CJK KR Regular" panose="020B0500000000000000" pitchFamily="34" charset="-127"/>
+                <a:ea typeface="Noto Sans CJK KR Regular" panose="020B0500000000000000" pitchFamily="34" charset="-127"/>
+              </a:rPr>
+              <a:t>3D</a:t>
+            </a:r>
+            <a:r>
+              <a:rPr lang="ko-KR" altLang="en-US" dirty="0">
+                <a:latin typeface="Noto Sans CJK KR Regular" panose="020B0500000000000000" pitchFamily="34" charset="-127"/>
+                <a:ea typeface="Noto Sans CJK KR Regular" panose="020B0500000000000000" pitchFamily="34" charset="-127"/>
+              </a:rPr>
+              <a:t>모델링</a:t>
+            </a:r>
+            <a:r>
+              <a:rPr lang="en-US" altLang="ko-KR" dirty="0">
+                <a:latin typeface="Noto Sans CJK KR Regular" panose="020B0500000000000000" pitchFamily="34" charset="-127"/>
+                <a:ea typeface="Noto Sans CJK KR Regular" panose="020B0500000000000000" pitchFamily="34" charset="-127"/>
+              </a:rPr>
+              <a:t>1</a:t>
+            </a:r>
+          </a:p>
+          <a:p>
+            <a:pPr marL="285750" indent="-285750">
+              <a:lnSpc>
+                <a:spcPct val="150000"/>
+              </a:lnSpc>
+              <a:buFont typeface="Arial" panose="020B0604020202020204" pitchFamily="34" charset="0"/>
+              <a:buChar char="•"/>
+            </a:pPr>
+            <a:r>
+              <a:rPr lang="en-US" altLang="ko-KR" dirty="0">
+                <a:latin typeface="Noto Sans CJK KR Regular" panose="020B0500000000000000" pitchFamily="34" charset="-127"/>
+                <a:ea typeface="Noto Sans CJK KR Regular" panose="020B0500000000000000" pitchFamily="34" charset="-127"/>
+              </a:rPr>
+              <a:t>3D</a:t>
+            </a:r>
+            <a:r>
+              <a:rPr lang="ko-KR" altLang="en-US" dirty="0">
+                <a:latin typeface="Noto Sans CJK KR Regular" panose="020B0500000000000000" pitchFamily="34" charset="-127"/>
+                <a:ea typeface="Noto Sans CJK KR Regular" panose="020B0500000000000000" pitchFamily="34" charset="-127"/>
+              </a:rPr>
+              <a:t>애니메이션</a:t>
+            </a:r>
+            <a:r>
+              <a:rPr lang="en-US" altLang="ko-KR" dirty="0">
+                <a:latin typeface="Noto Sans CJK KR Regular" panose="020B0500000000000000" pitchFamily="34" charset="-127"/>
+                <a:ea typeface="Noto Sans CJK KR Regular" panose="020B0500000000000000" pitchFamily="34" charset="-127"/>
+              </a:rPr>
+              <a:t>1</a:t>
+            </a:r>
+            <a:endParaRPr lang="ko-KR" altLang="en-US" dirty="0">
+              <a:latin typeface="Noto Sans CJK KR Regular" panose="020B0500000000000000" pitchFamily="34" charset="-127"/>
+              <a:ea typeface="Noto Sans CJK KR Regular" panose="020B0500000000000000" pitchFamily="34" charset="-127"/>
             </a:endParaRPr>
           </a:p>
         </p:txBody>
@@ -6337,9 +7434,9 @@
           <p:nvPr/>
         </p:nvSpPr>
         <p:spPr>
-          <a:xfrm rot="8152476">
-            <a:off x="-2355796" y="-2561298"/>
-            <a:ext cx="6803777" cy="7475269"/>
+          <a:xfrm rot="600766">
+            <a:off x="7425094" y="2339379"/>
+            <a:ext cx="5778050" cy="5871754"/>
           </a:xfrm>
           <a:prstGeom prst="rect">
             <a:avLst/>
@@ -6508,10 +7605,10 @@
       </p:sp>
       <p:sp>
         <p:nvSpPr>
-          <p:cNvPr id="24" name="직사각형 23">
-            <a:extLst>
-              <a:ext uri="{FF2B5EF4-FFF2-40B4-BE49-F238E27FC236}">
-                <a16:creationId xmlns:a16="http://schemas.microsoft.com/office/drawing/2014/main" id="{8E3E100A-65F9-6DD8-1BBE-A0DE9AC568A0}"/>
+          <p:cNvPr id="25" name="사각형: 둥근 모서리 24">
+            <a:extLst>
+              <a:ext uri="{FF2B5EF4-FFF2-40B4-BE49-F238E27FC236}">
+                <a16:creationId xmlns:a16="http://schemas.microsoft.com/office/drawing/2014/main" id="{E08C188D-4F38-5251-4C6E-9678F772DFB3}"/>
               </a:ext>
             </a:extLst>
           </p:cNvPr>
@@ -6520,8 +7617,268 @@
         </p:nvSpPr>
         <p:spPr>
           <a:xfrm>
-            <a:off x="787078" y="1382393"/>
-            <a:ext cx="10531162" cy="5177793"/>
+            <a:off x="34291" y="297814"/>
+            <a:ext cx="12111990" cy="655493"/>
+          </a:xfrm>
+          <a:prstGeom prst="roundRect">
+            <a:avLst/>
+          </a:prstGeom>
+          <a:noFill/>
+          <a:ln>
+            <a:solidFill>
+              <a:srgbClr val="6B6B6B"/>
+            </a:solidFill>
+            <a:prstDash val="dash"/>
+          </a:ln>
+        </p:spPr>
+        <p:style>
+          <a:lnRef idx="2">
+            <a:schemeClr val="accent1">
+              <a:shade val="50000"/>
+            </a:schemeClr>
+          </a:lnRef>
+          <a:fillRef idx="1">
+            <a:schemeClr val="accent1"/>
+          </a:fillRef>
+          <a:effectRef idx="0">
+            <a:schemeClr val="accent1"/>
+          </a:effectRef>
+          <a:fontRef idx="minor">
+            <a:schemeClr val="lt1"/>
+          </a:fontRef>
+        </p:style>
+        <p:txBody>
+          <a:bodyPr rtlCol="0" anchor="ctr"/>
+          <a:lstStyle/>
+          <a:p>
+            <a:pPr algn="ctr"/>
+            <a:endParaRPr lang="ko-KR" altLang="en-US"/>
+          </a:p>
+        </p:txBody>
+      </p:sp>
+      <p:sp>
+        <p:nvSpPr>
+          <p:cNvPr id="2" name="TextBox 1">
+            <a:extLst>
+              <a:ext uri="{FF2B5EF4-FFF2-40B4-BE49-F238E27FC236}">
+                <a16:creationId xmlns:a16="http://schemas.microsoft.com/office/drawing/2014/main" id="{3B151B62-CFA8-573D-88B2-0A811F01C804}"/>
+              </a:ext>
+            </a:extLst>
+          </p:cNvPr>
+          <p:cNvSpPr txBox="1"/>
+          <p:nvPr/>
+        </p:nvSpPr>
+        <p:spPr>
+          <a:xfrm>
+            <a:off x="787078" y="308662"/>
+            <a:ext cx="2744662" cy="707886"/>
+          </a:xfrm>
+          <a:prstGeom prst="rect">
+            <a:avLst/>
+          </a:prstGeom>
+          <a:noFill/>
+        </p:spPr>
+        <p:txBody>
+          <a:bodyPr wrap="none" rtlCol="0">
+            <a:spAutoFit/>
+          </a:bodyPr>
+          <a:lstStyle/>
+          <a:p>
+            <a:r>
+              <a:rPr lang="en-US" altLang="ko-KR" sz="4000" dirty="0">
+                <a:latin typeface="Noto Sans CJK KR Medium" panose="020B0600000000000000" pitchFamily="34" charset="-127"/>
+                <a:ea typeface="Noto Sans CJK KR Medium" panose="020B0600000000000000" pitchFamily="34" charset="-127"/>
+                <a:cs typeface="둥근모꼴" panose="020B0500000000000000" pitchFamily="50" charset="-127"/>
+              </a:rPr>
+              <a:t>7. </a:t>
+            </a:r>
+            <a:r>
+              <a:rPr lang="ko-KR" altLang="en-US" sz="4000" dirty="0">
+                <a:latin typeface="Noto Sans CJK KR Medium" panose="020B0600000000000000" pitchFamily="34" charset="-127"/>
+                <a:ea typeface="Noto Sans CJK KR Medium" panose="020B0600000000000000" pitchFamily="34" charset="-127"/>
+                <a:cs typeface="둥근모꼴" panose="020B0500000000000000" pitchFamily="50" charset="-127"/>
+              </a:rPr>
+              <a:t>개발 일정</a:t>
+            </a:r>
+          </a:p>
+        </p:txBody>
+      </p:sp>
+      <p:sp>
+        <p:nvSpPr>
+          <p:cNvPr id="3" name="TextBox 2">
+            <a:extLst>
+              <a:ext uri="{FF2B5EF4-FFF2-40B4-BE49-F238E27FC236}">
+                <a16:creationId xmlns:a16="http://schemas.microsoft.com/office/drawing/2014/main" id="{E4AC30E0-04D1-E7CB-420E-FE7A5DAAECC9}"/>
+              </a:ext>
+            </a:extLst>
+          </p:cNvPr>
+          <p:cNvSpPr txBox="1"/>
+          <p:nvPr/>
+        </p:nvSpPr>
+        <p:spPr>
+          <a:xfrm>
+            <a:off x="11643452" y="6596390"/>
+            <a:ext cx="542136" cy="261610"/>
+          </a:xfrm>
+          <a:prstGeom prst="rect">
+            <a:avLst/>
+          </a:prstGeom>
+          <a:noFill/>
+        </p:spPr>
+        <p:txBody>
+          <a:bodyPr wrap="none" rtlCol="0">
+            <a:spAutoFit/>
+          </a:bodyPr>
+          <a:lstStyle/>
+          <a:p>
+            <a:r>
+              <a:rPr lang="en-US" altLang="ko-KR" sz="1100" dirty="0">
+                <a:solidFill>
+                  <a:srgbClr val="C00000"/>
+                </a:solidFill>
+                <a:latin typeface="Noto Sans CJK KR Light" panose="020B0300000000000000" pitchFamily="34" charset="-127"/>
+                <a:ea typeface="Noto Sans CJK KR Light" panose="020B0300000000000000" pitchFamily="34" charset="-127"/>
+              </a:rPr>
+              <a:t>13/15</a:t>
+            </a:r>
+            <a:endParaRPr lang="ko-KR" altLang="en-US" sz="1100" dirty="0">
+              <a:solidFill>
+                <a:srgbClr val="C00000"/>
+              </a:solidFill>
+              <a:latin typeface="Noto Sans CJK KR Light" panose="020B0300000000000000" pitchFamily="34" charset="-127"/>
+              <a:ea typeface="Noto Sans CJK KR Light" panose="020B0300000000000000" pitchFamily="34" charset="-127"/>
+            </a:endParaRPr>
+          </a:p>
+        </p:txBody>
+      </p:sp>
+    </p:spTree>
+    <p:extLst>
+      <p:ext uri="{BB962C8B-B14F-4D97-AF65-F5344CB8AC3E}">
+        <p14:creationId xmlns:p14="http://schemas.microsoft.com/office/powerpoint/2010/main" val="1981554597"/>
+      </p:ext>
+    </p:extLst>
+  </p:cSld>
+  <p:clrMapOvr>
+    <a:masterClrMapping/>
+  </p:clrMapOvr>
+</p:sld>
+</file>
+
+<file path=ppt/slides/slide15.xml><?xml version="1.0" encoding="utf-8"?>
+<p:sld xmlns:a="http://schemas.openxmlformats.org/drawingml/2006/main" xmlns:r="http://schemas.openxmlformats.org/officeDocument/2006/relationships" xmlns:p="http://schemas.openxmlformats.org/presentationml/2006/main">
+  <p:cSld>
+    <p:bg>
+      <p:bgPr>
+        <a:solidFill>
+          <a:schemeClr val="tx1">
+            <a:lumMod val="65000"/>
+            <a:lumOff val="35000"/>
+            <a:alpha val="89000"/>
+          </a:schemeClr>
+        </a:solidFill>
+        <a:effectLst/>
+      </p:bgPr>
+    </p:bg>
+    <p:spTree>
+      <p:nvGrpSpPr>
+        <p:cNvPr id="1" name=""/>
+        <p:cNvGrpSpPr/>
+        <p:nvPr/>
+      </p:nvGrpSpPr>
+      <p:grpSpPr>
+        <a:xfrm>
+          <a:off x="0" y="0"/>
+          <a:ext cx="0" cy="0"/>
+          <a:chOff x="0" y="0"/>
+          <a:chExt cx="0" cy="0"/>
+        </a:xfrm>
+      </p:grpSpPr>
+      <p:sp>
+        <p:nvSpPr>
+          <p:cNvPr id="20" name="직사각형 19">
+            <a:extLst>
+              <a:ext uri="{FF2B5EF4-FFF2-40B4-BE49-F238E27FC236}">
+                <a16:creationId xmlns:a16="http://schemas.microsoft.com/office/drawing/2014/main" id="{C7E2CB6E-7961-91AA-DBE7-81ACF3EA767C}"/>
+              </a:ext>
+            </a:extLst>
+          </p:cNvPr>
+          <p:cNvSpPr/>
+          <p:nvPr/>
+        </p:nvSpPr>
+        <p:spPr>
+          <a:xfrm rot="8152476">
+            <a:off x="-2355796" y="-2561298"/>
+            <a:ext cx="6803777" cy="7475269"/>
+          </a:xfrm>
+          <a:prstGeom prst="rect">
+            <a:avLst/>
+          </a:prstGeom>
+          <a:blipFill dpi="0" rotWithShape="1">
+            <a:blip r:embed="rId2">
+              <a:alphaModFix amt="25000"/>
+              <a:lum bright="70000" contrast="-70000"/>
+              <a:extLst>
+                <a:ext uri="{BEBA8EAE-BF5A-486C-A8C5-ECC9F3942E4B}">
+                  <a14:imgProps xmlns:a14="http://schemas.microsoft.com/office/drawing/2010/main">
+                    <a14:imgLayer r:embed="rId3">
+                      <a14:imgEffect>
+                        <a14:saturation sat="0"/>
+                      </a14:imgEffect>
+                    </a14:imgLayer>
+                  </a14:imgProps>
+                </a:ext>
+              </a:extLst>
+            </a:blip>
+            <a:srcRect/>
+            <a:stretch>
+              <a:fillRect/>
+            </a:stretch>
+          </a:blipFill>
+          <a:ln>
+            <a:noFill/>
+          </a:ln>
+        </p:spPr>
+        <p:style>
+          <a:lnRef idx="2">
+            <a:schemeClr val="accent1">
+              <a:shade val="50000"/>
+            </a:schemeClr>
+          </a:lnRef>
+          <a:fillRef idx="1">
+            <a:schemeClr val="accent1"/>
+          </a:fillRef>
+          <a:effectRef idx="0">
+            <a:schemeClr val="accent1"/>
+          </a:effectRef>
+          <a:fontRef idx="minor">
+            <a:schemeClr val="lt1"/>
+          </a:fontRef>
+        </p:style>
+        <p:txBody>
+          <a:bodyPr rtlCol="0" anchor="ctr"/>
+          <a:lstStyle/>
+          <a:p>
+            <a:pPr algn="ctr"/>
+            <a:endParaRPr lang="ko-KR" altLang="en-US"/>
+          </a:p>
+        </p:txBody>
+      </p:sp>
+      <p:sp>
+        <p:nvSpPr>
+          <p:cNvPr id="12" name="직사각형 11">
+            <a:extLst>
+              <a:ext uri="{FF2B5EF4-FFF2-40B4-BE49-F238E27FC236}">
+                <a16:creationId xmlns:a16="http://schemas.microsoft.com/office/drawing/2014/main" id="{8F98E0C7-3839-FF90-4E81-1B84F47A4015}"/>
+              </a:ext>
+            </a:extLst>
+          </p:cNvPr>
+          <p:cNvSpPr/>
+          <p:nvPr/>
+        </p:nvSpPr>
+        <p:spPr>
+          <a:xfrm>
+            <a:off x="0" y="284480"/>
+            <a:ext cx="12191999" cy="685799"/>
           </a:xfrm>
           <a:prstGeom prst="rect">
             <a:avLst/>
@@ -6562,6 +7919,118 @@
       </p:sp>
       <p:sp>
         <p:nvSpPr>
+          <p:cNvPr id="22" name="직사각형 21">
+            <a:extLst>
+              <a:ext uri="{FF2B5EF4-FFF2-40B4-BE49-F238E27FC236}">
+                <a16:creationId xmlns:a16="http://schemas.microsoft.com/office/drawing/2014/main" id="{3CADB77E-9CD7-BA86-3BBF-9359194FB3B8}"/>
+              </a:ext>
+            </a:extLst>
+          </p:cNvPr>
+          <p:cNvSpPr/>
+          <p:nvPr/>
+        </p:nvSpPr>
+        <p:spPr>
+          <a:xfrm flipH="1">
+            <a:off x="-104173" y="117476"/>
+            <a:ext cx="1111170" cy="1188350"/>
+          </a:xfrm>
+          <a:prstGeom prst="rect">
+            <a:avLst/>
+          </a:prstGeom>
+          <a:blipFill dpi="0" rotWithShape="1">
+            <a:blip r:embed="rId4">
+              <a:alphaModFix amt="86000"/>
+            </a:blip>
+            <a:srcRect/>
+            <a:stretch>
+              <a:fillRect/>
+            </a:stretch>
+          </a:blipFill>
+          <a:ln>
+            <a:noFill/>
+          </a:ln>
+        </p:spPr>
+        <p:style>
+          <a:lnRef idx="2">
+            <a:schemeClr val="accent1">
+              <a:shade val="50000"/>
+            </a:schemeClr>
+          </a:lnRef>
+          <a:fillRef idx="1">
+            <a:schemeClr val="accent1"/>
+          </a:fillRef>
+          <a:effectRef idx="0">
+            <a:schemeClr val="accent1"/>
+          </a:effectRef>
+          <a:fontRef idx="minor">
+            <a:schemeClr val="lt1"/>
+          </a:fontRef>
+        </p:style>
+        <p:txBody>
+          <a:bodyPr rtlCol="0" anchor="ctr"/>
+          <a:lstStyle/>
+          <a:p>
+            <a:pPr algn="ctr"/>
+            <a:endParaRPr lang="ko-KR" altLang="en-US"/>
+          </a:p>
+        </p:txBody>
+      </p:sp>
+      <p:sp>
+        <p:nvSpPr>
+          <p:cNvPr id="24" name="직사각형 23">
+            <a:extLst>
+              <a:ext uri="{FF2B5EF4-FFF2-40B4-BE49-F238E27FC236}">
+                <a16:creationId xmlns:a16="http://schemas.microsoft.com/office/drawing/2014/main" id="{8E3E100A-65F9-6DD8-1BBE-A0DE9AC568A0}"/>
+              </a:ext>
+            </a:extLst>
+          </p:cNvPr>
+          <p:cNvSpPr/>
+          <p:nvPr/>
+        </p:nvSpPr>
+        <p:spPr>
+          <a:xfrm>
+            <a:off x="787078" y="1382393"/>
+            <a:ext cx="10531162" cy="5177793"/>
+          </a:xfrm>
+          <a:prstGeom prst="rect">
+            <a:avLst/>
+          </a:prstGeom>
+          <a:solidFill>
+            <a:schemeClr val="bg1">
+              <a:alpha val="69000"/>
+            </a:schemeClr>
+          </a:solidFill>
+          <a:ln>
+            <a:noFill/>
+          </a:ln>
+        </p:spPr>
+        <p:style>
+          <a:lnRef idx="2">
+            <a:schemeClr val="accent1">
+              <a:shade val="50000"/>
+            </a:schemeClr>
+          </a:lnRef>
+          <a:fillRef idx="1">
+            <a:schemeClr val="accent1"/>
+          </a:fillRef>
+          <a:effectRef idx="0">
+            <a:schemeClr val="accent1"/>
+          </a:effectRef>
+          <a:fontRef idx="minor">
+            <a:schemeClr val="lt1"/>
+          </a:fontRef>
+        </p:style>
+        <p:txBody>
+          <a:bodyPr rtlCol="0" anchor="ctr"/>
+          <a:lstStyle/>
+          <a:p>
+            <a:pPr algn="ctr"/>
+            <a:endParaRPr lang="ko-KR" altLang="en-US"/>
+          </a:p>
+        </p:txBody>
+      </p:sp>
+      <p:sp>
+        <p:nvSpPr>
           <p:cNvPr id="25" name="사각형: 둥근 모서리 24">
             <a:extLst>
               <a:ext uri="{FF2B5EF4-FFF2-40B4-BE49-F238E27FC236}">
@@ -6647,7 +8116,7 @@
                 <a:ea typeface="Noto Sans CJK KR Medium" panose="020B0600000000000000" pitchFamily="34" charset="-127"/>
                 <a:cs typeface="둥근모꼴" panose="020B0500000000000000" pitchFamily="50" charset="-127"/>
               </a:rPr>
-              <a:t>7. </a:t>
+              <a:t>8. </a:t>
             </a:r>
             <a:r>
               <a:rPr lang="ko-KR" altLang="en-US" sz="4000" dirty="0">
@@ -7035,7 +8504,7 @@
                 <a:latin typeface="Noto Sans CJK KR Light" panose="020B0300000000000000" pitchFamily="34" charset="-127"/>
                 <a:ea typeface="Noto Sans CJK KR Light" panose="020B0300000000000000" pitchFamily="34" charset="-127"/>
               </a:rPr>
-              <a:t>14/14</a:t>
+              <a:t>15/15</a:t>
             </a:r>
             <a:endParaRPr lang="ko-KR" altLang="en-US" sz="1100" dirty="0">
               <a:solidFill>
@@ -7103,7 +8572,7 @@
         </p:nvSpPr>
         <p:spPr>
           <a:xfrm rot="600766">
-            <a:off x="8421840" y="1868044"/>
+            <a:off x="8419935" y="1868044"/>
             <a:ext cx="5778050" cy="5871754"/>
           </a:xfrm>
           <a:prstGeom prst="rect">
@@ -7698,7 +9167,7 @@
         <p:spPr>
           <a:xfrm>
             <a:off x="6382523" y="2098910"/>
-            <a:ext cx="2086969" cy="499817"/>
+            <a:ext cx="2448961" cy="499817"/>
           </a:xfrm>
           <a:prstGeom prst="rect">
             <a:avLst/>
@@ -7734,7 +9203,7 @@
                 <a:latin typeface="Noto Sans KR Medium" panose="020B0600000000000000" pitchFamily="34" charset="-127"/>
                 <a:ea typeface="Noto Sans KR Medium" panose="020B0600000000000000" pitchFamily="34" charset="-127"/>
               </a:rPr>
-              <a:t>개발 일정</a:t>
+              <a:t>개인별 준비현황</a:t>
             </a:r>
             <a:endParaRPr lang="en-US" altLang="ko-KR" sz="2000" dirty="0">
               <a:solidFill>
@@ -7797,7 +9266,7 @@
                 <a:latin typeface="Noto Sans KR Medium" panose="020B0600000000000000" pitchFamily="34" charset="-127"/>
                 <a:ea typeface="Noto Sans KR Medium" panose="020B0600000000000000" pitchFamily="34" charset="-127"/>
               </a:rPr>
-              <a:t>참고 문헌</a:t>
+              <a:t>개발 일정</a:t>
             </a:r>
             <a:endParaRPr lang="en-US" altLang="ko-KR" sz="2000" dirty="0">
               <a:solidFill>
@@ -8050,6 +9519,785 @@
               </a:solidFill>
               <a:latin typeface="Noto Sans CJK KR Light" panose="020B0300000000000000" pitchFamily="34" charset="-127"/>
               <a:ea typeface="Noto Sans CJK KR Light" panose="020B0300000000000000" pitchFamily="34" charset="-127"/>
+            </a:endParaRPr>
+          </a:p>
+        </p:txBody>
+      </p:sp>
+      <p:cxnSp>
+        <p:nvCxnSpPr>
+          <p:cNvPr id="28" name="직선 연결선 27">
+            <a:extLst>
+              <a:ext uri="{FF2B5EF4-FFF2-40B4-BE49-F238E27FC236}">
+                <a16:creationId xmlns:a16="http://schemas.microsoft.com/office/drawing/2014/main" id="{1035427F-CDE4-582D-FD08-839FBB0D1A0E}"/>
+              </a:ext>
+            </a:extLst>
+          </p:cNvPr>
+          <p:cNvCxnSpPr>
+            <a:stCxn id="4" idx="3"/>
+          </p:cNvCxnSpPr>
+          <p:nvPr/>
+        </p:nvCxnSpPr>
+        <p:spPr>
+          <a:xfrm flipV="1">
+            <a:off x="2480171" y="1720336"/>
+            <a:ext cx="2213749" cy="2403"/>
+          </a:xfrm>
+          <a:prstGeom prst="line">
+            <a:avLst/>
+          </a:prstGeom>
+          <a:ln w="12700">
+            <a:solidFill>
+              <a:srgbClr val="920000"/>
+            </a:solidFill>
+          </a:ln>
+        </p:spPr>
+        <p:style>
+          <a:lnRef idx="1">
+            <a:schemeClr val="accent1"/>
+          </a:lnRef>
+          <a:fillRef idx="0">
+            <a:schemeClr val="accent1"/>
+          </a:fillRef>
+          <a:effectRef idx="0">
+            <a:schemeClr val="accent1"/>
+          </a:effectRef>
+          <a:fontRef idx="minor">
+            <a:schemeClr val="tx1"/>
+          </a:fontRef>
+        </p:style>
+      </p:cxnSp>
+      <p:cxnSp>
+        <p:nvCxnSpPr>
+          <p:cNvPr id="29" name="직선 연결선 28">
+            <a:extLst>
+              <a:ext uri="{FF2B5EF4-FFF2-40B4-BE49-F238E27FC236}">
+                <a16:creationId xmlns:a16="http://schemas.microsoft.com/office/drawing/2014/main" id="{31AD123A-6993-C2D6-9EE4-9FD34DE299EC}"/>
+              </a:ext>
+            </a:extLst>
+          </p:cNvPr>
+          <p:cNvCxnSpPr/>
+          <p:nvPr/>
+        </p:nvCxnSpPr>
+        <p:spPr>
+          <a:xfrm flipV="1">
+            <a:off x="2480171" y="2344124"/>
+            <a:ext cx="2213749" cy="2403"/>
+          </a:xfrm>
+          <a:prstGeom prst="line">
+            <a:avLst/>
+          </a:prstGeom>
+          <a:ln w="12700">
+            <a:solidFill>
+              <a:srgbClr val="920000"/>
+            </a:solidFill>
+          </a:ln>
+        </p:spPr>
+        <p:style>
+          <a:lnRef idx="1">
+            <a:schemeClr val="accent1"/>
+          </a:lnRef>
+          <a:fillRef idx="0">
+            <a:schemeClr val="accent1"/>
+          </a:fillRef>
+          <a:effectRef idx="0">
+            <a:schemeClr val="accent1"/>
+          </a:effectRef>
+          <a:fontRef idx="minor">
+            <a:schemeClr val="tx1"/>
+          </a:fontRef>
+        </p:style>
+      </p:cxnSp>
+      <p:cxnSp>
+        <p:nvCxnSpPr>
+          <p:cNvPr id="30" name="직선 연결선 29">
+            <a:extLst>
+              <a:ext uri="{FF2B5EF4-FFF2-40B4-BE49-F238E27FC236}">
+                <a16:creationId xmlns:a16="http://schemas.microsoft.com/office/drawing/2014/main" id="{6BB493EC-34BE-845B-1C9E-08250330692C}"/>
+              </a:ext>
+            </a:extLst>
+          </p:cNvPr>
+          <p:cNvCxnSpPr>
+            <a:cxnSpLocks/>
+          </p:cNvCxnSpPr>
+          <p:nvPr/>
+        </p:nvCxnSpPr>
+        <p:spPr>
+          <a:xfrm>
+            <a:off x="3931920" y="5591913"/>
+            <a:ext cx="707136" cy="0"/>
+          </a:xfrm>
+          <a:prstGeom prst="line">
+            <a:avLst/>
+          </a:prstGeom>
+          <a:ln w="12700">
+            <a:solidFill>
+              <a:srgbClr val="920000"/>
+            </a:solidFill>
+          </a:ln>
+        </p:spPr>
+        <p:style>
+          <a:lnRef idx="1">
+            <a:schemeClr val="accent1"/>
+          </a:lnRef>
+          <a:fillRef idx="0">
+            <a:schemeClr val="accent1"/>
+          </a:fillRef>
+          <a:effectRef idx="0">
+            <a:schemeClr val="accent1"/>
+          </a:effectRef>
+          <a:fontRef idx="minor">
+            <a:schemeClr val="tx1"/>
+          </a:fontRef>
+        </p:style>
+      </p:cxnSp>
+      <p:cxnSp>
+        <p:nvCxnSpPr>
+          <p:cNvPr id="32" name="직선 연결선 31">
+            <a:extLst>
+              <a:ext uri="{FF2B5EF4-FFF2-40B4-BE49-F238E27FC236}">
+                <a16:creationId xmlns:a16="http://schemas.microsoft.com/office/drawing/2014/main" id="{9EBD87A5-C0A5-3A6C-BF1A-3516184BBAF0}"/>
+              </a:ext>
+            </a:extLst>
+          </p:cNvPr>
+          <p:cNvCxnSpPr/>
+          <p:nvPr/>
+        </p:nvCxnSpPr>
+        <p:spPr>
+          <a:xfrm flipV="1">
+            <a:off x="2480171" y="4958876"/>
+            <a:ext cx="2213749" cy="2403"/>
+          </a:xfrm>
+          <a:prstGeom prst="line">
+            <a:avLst/>
+          </a:prstGeom>
+          <a:ln w="12700">
+            <a:solidFill>
+              <a:srgbClr val="920000"/>
+            </a:solidFill>
+          </a:ln>
+        </p:spPr>
+        <p:style>
+          <a:lnRef idx="1">
+            <a:schemeClr val="accent1"/>
+          </a:lnRef>
+          <a:fillRef idx="0">
+            <a:schemeClr val="accent1"/>
+          </a:fillRef>
+          <a:effectRef idx="0">
+            <a:schemeClr val="accent1"/>
+          </a:effectRef>
+          <a:fontRef idx="minor">
+            <a:schemeClr val="tx1"/>
+          </a:fontRef>
+        </p:style>
+      </p:cxnSp>
+      <p:sp>
+        <p:nvSpPr>
+          <p:cNvPr id="3" name="TextBox 2">
+            <a:extLst>
+              <a:ext uri="{FF2B5EF4-FFF2-40B4-BE49-F238E27FC236}">
+                <a16:creationId xmlns:a16="http://schemas.microsoft.com/office/drawing/2014/main" id="{8E5B9B2D-0A2C-27CD-1E59-CE4C8541C45B}"/>
+              </a:ext>
+            </a:extLst>
+          </p:cNvPr>
+          <p:cNvSpPr txBox="1"/>
+          <p:nvPr/>
+        </p:nvSpPr>
+        <p:spPr>
+          <a:xfrm>
+            <a:off x="6382523" y="5337451"/>
+            <a:ext cx="2086969" cy="499817"/>
+          </a:xfrm>
+          <a:prstGeom prst="rect">
+            <a:avLst/>
+          </a:prstGeom>
+          <a:noFill/>
+        </p:spPr>
+        <p:txBody>
+          <a:bodyPr wrap="square" rtlCol="0">
+            <a:spAutoFit/>
+          </a:bodyPr>
+          <a:lstStyle/>
+          <a:p>
+            <a:pPr>
+              <a:lnSpc>
+                <a:spcPct val="150000"/>
+              </a:lnSpc>
+            </a:pPr>
+            <a:r>
+              <a:rPr lang="en-US" altLang="ko-KR" sz="2000" dirty="0">
+                <a:solidFill>
+                  <a:schemeClr val="bg1"/>
+                </a:solidFill>
+                <a:latin typeface="Noto Sans KR Medium" panose="020B0600000000000000" pitchFamily="34" charset="-127"/>
+                <a:ea typeface="Noto Sans KR Medium" panose="020B0600000000000000" pitchFamily="34" charset="-127"/>
+              </a:rPr>
+              <a:t>9. </a:t>
+            </a:r>
+            <a:r>
+              <a:rPr lang="ko-KR" altLang="en-US" sz="2000" dirty="0">
+                <a:solidFill>
+                  <a:schemeClr val="bg1"/>
+                </a:solidFill>
+                <a:latin typeface="Noto Sans KR Medium" panose="020B0600000000000000" pitchFamily="34" charset="-127"/>
+                <a:ea typeface="Noto Sans KR Medium" panose="020B0600000000000000" pitchFamily="34" charset="-127"/>
+              </a:rPr>
+              <a:t>참고 문헌</a:t>
+            </a:r>
+            <a:endParaRPr lang="en-US" altLang="ko-KR" sz="2000" dirty="0">
+              <a:solidFill>
+                <a:schemeClr val="bg1"/>
+              </a:solidFill>
+              <a:latin typeface="Noto Sans KR Medium" panose="020B0600000000000000" pitchFamily="34" charset="-127"/>
+              <a:ea typeface="Noto Sans KR Medium" panose="020B0600000000000000" pitchFamily="34" charset="-127"/>
+            </a:endParaRPr>
+          </a:p>
+        </p:txBody>
+      </p:sp>
+      <p:cxnSp>
+        <p:nvCxnSpPr>
+          <p:cNvPr id="5" name="직선 연결선 4">
+            <a:extLst>
+              <a:ext uri="{FF2B5EF4-FFF2-40B4-BE49-F238E27FC236}">
+                <a16:creationId xmlns:a16="http://schemas.microsoft.com/office/drawing/2014/main" id="{5407DF56-EB07-A2CC-9442-50C914D552A7}"/>
+              </a:ext>
+            </a:extLst>
+          </p:cNvPr>
+          <p:cNvCxnSpPr/>
+          <p:nvPr/>
+        </p:nvCxnSpPr>
+        <p:spPr>
+          <a:xfrm flipV="1">
+            <a:off x="8825495" y="1720336"/>
+            <a:ext cx="2213749" cy="2403"/>
+          </a:xfrm>
+          <a:prstGeom prst="line">
+            <a:avLst/>
+          </a:prstGeom>
+          <a:ln w="12700">
+            <a:solidFill>
+              <a:srgbClr val="920000"/>
+            </a:solidFill>
+          </a:ln>
+        </p:spPr>
+        <p:style>
+          <a:lnRef idx="1">
+            <a:schemeClr val="accent1"/>
+          </a:lnRef>
+          <a:fillRef idx="0">
+            <a:schemeClr val="accent1"/>
+          </a:fillRef>
+          <a:effectRef idx="0">
+            <a:schemeClr val="accent1"/>
+          </a:effectRef>
+          <a:fontRef idx="minor">
+            <a:schemeClr val="tx1"/>
+          </a:fontRef>
+        </p:style>
+      </p:cxnSp>
+      <p:cxnSp>
+        <p:nvCxnSpPr>
+          <p:cNvPr id="11" name="직선 연결선 10">
+            <a:extLst>
+              <a:ext uri="{FF2B5EF4-FFF2-40B4-BE49-F238E27FC236}">
+                <a16:creationId xmlns:a16="http://schemas.microsoft.com/office/drawing/2014/main" id="{8FE90E6C-1D49-F38A-4E4E-B87ED198C02A}"/>
+              </a:ext>
+            </a:extLst>
+          </p:cNvPr>
+          <p:cNvCxnSpPr/>
+          <p:nvPr/>
+        </p:nvCxnSpPr>
+        <p:spPr>
+          <a:xfrm flipV="1">
+            <a:off x="8825495" y="2344124"/>
+            <a:ext cx="2213749" cy="2403"/>
+          </a:xfrm>
+          <a:prstGeom prst="line">
+            <a:avLst/>
+          </a:prstGeom>
+          <a:ln w="12700">
+            <a:solidFill>
+              <a:srgbClr val="920000"/>
+            </a:solidFill>
+          </a:ln>
+        </p:spPr>
+        <p:style>
+          <a:lnRef idx="1">
+            <a:schemeClr val="accent1"/>
+          </a:lnRef>
+          <a:fillRef idx="0">
+            <a:schemeClr val="accent1"/>
+          </a:fillRef>
+          <a:effectRef idx="0">
+            <a:schemeClr val="accent1"/>
+          </a:effectRef>
+          <a:fontRef idx="minor">
+            <a:schemeClr val="tx1"/>
+          </a:fontRef>
+        </p:style>
+      </p:cxnSp>
+      <p:cxnSp>
+        <p:nvCxnSpPr>
+          <p:cNvPr id="16" name="직선 연결선 15">
+            <a:extLst>
+              <a:ext uri="{FF2B5EF4-FFF2-40B4-BE49-F238E27FC236}">
+                <a16:creationId xmlns:a16="http://schemas.microsoft.com/office/drawing/2014/main" id="{484CCE93-1CA2-3D12-3131-20E84AC47A77}"/>
+              </a:ext>
+            </a:extLst>
+          </p:cNvPr>
+          <p:cNvCxnSpPr/>
+          <p:nvPr/>
+        </p:nvCxnSpPr>
+        <p:spPr>
+          <a:xfrm flipV="1">
+            <a:off x="8825495" y="4958876"/>
+            <a:ext cx="2213749" cy="2403"/>
+          </a:xfrm>
+          <a:prstGeom prst="line">
+            <a:avLst/>
+          </a:prstGeom>
+          <a:ln w="12700">
+            <a:solidFill>
+              <a:srgbClr val="920000"/>
+            </a:solidFill>
+          </a:ln>
+        </p:spPr>
+        <p:style>
+          <a:lnRef idx="1">
+            <a:schemeClr val="accent1"/>
+          </a:lnRef>
+          <a:fillRef idx="0">
+            <a:schemeClr val="accent1"/>
+          </a:fillRef>
+          <a:effectRef idx="0">
+            <a:schemeClr val="accent1"/>
+          </a:effectRef>
+          <a:fontRef idx="minor">
+            <a:schemeClr val="tx1"/>
+          </a:fontRef>
+        </p:style>
+      </p:cxnSp>
+      <p:cxnSp>
+        <p:nvCxnSpPr>
+          <p:cNvPr id="17" name="직선 연결선 16">
+            <a:extLst>
+              <a:ext uri="{FF2B5EF4-FFF2-40B4-BE49-F238E27FC236}">
+                <a16:creationId xmlns:a16="http://schemas.microsoft.com/office/drawing/2014/main" id="{0DF9613C-74B2-4B87-5968-4B082DAC0887}"/>
+              </a:ext>
+            </a:extLst>
+          </p:cNvPr>
+          <p:cNvCxnSpPr/>
+          <p:nvPr/>
+        </p:nvCxnSpPr>
+        <p:spPr>
+          <a:xfrm flipV="1">
+            <a:off x="8825495" y="5587359"/>
+            <a:ext cx="2213749" cy="2403"/>
+          </a:xfrm>
+          <a:prstGeom prst="line">
+            <a:avLst/>
+          </a:prstGeom>
+          <a:ln w="12700">
+            <a:solidFill>
+              <a:srgbClr val="920000"/>
+            </a:solidFill>
+          </a:ln>
+        </p:spPr>
+        <p:style>
+          <a:lnRef idx="1">
+            <a:schemeClr val="accent1"/>
+          </a:lnRef>
+          <a:fillRef idx="0">
+            <a:schemeClr val="accent1"/>
+          </a:fillRef>
+          <a:effectRef idx="0">
+            <a:schemeClr val="accent1"/>
+          </a:effectRef>
+          <a:fontRef idx="minor">
+            <a:schemeClr val="tx1"/>
+          </a:fontRef>
+        </p:style>
+      </p:cxnSp>
+      <p:sp>
+        <p:nvSpPr>
+          <p:cNvPr id="19" name="TextBox 18">
+            <a:extLst>
+              <a:ext uri="{FF2B5EF4-FFF2-40B4-BE49-F238E27FC236}">
+                <a16:creationId xmlns:a16="http://schemas.microsoft.com/office/drawing/2014/main" id="{3D28C58E-DF53-787A-A45F-0A50C14A7887}"/>
+              </a:ext>
+            </a:extLst>
+          </p:cNvPr>
+          <p:cNvSpPr txBox="1"/>
+          <p:nvPr/>
+        </p:nvSpPr>
+        <p:spPr>
+          <a:xfrm>
+            <a:off x="4688306" y="1587392"/>
+            <a:ext cx="433132" cy="261610"/>
+          </a:xfrm>
+          <a:prstGeom prst="rect">
+            <a:avLst/>
+          </a:prstGeom>
+          <a:noFill/>
+        </p:spPr>
+        <p:txBody>
+          <a:bodyPr wrap="none" rtlCol="0">
+            <a:spAutoFit/>
+          </a:bodyPr>
+          <a:lstStyle/>
+          <a:p>
+            <a:r>
+              <a:rPr lang="en-US" altLang="ko-KR" sz="1100" dirty="0">
+                <a:solidFill>
+                  <a:srgbClr val="920000"/>
+                </a:solidFill>
+                <a:latin typeface="Noto Sans CJK KR Medium" panose="020B0600000000000000" pitchFamily="34" charset="-127"/>
+                <a:ea typeface="Noto Sans CJK KR Medium" panose="020B0600000000000000" pitchFamily="34" charset="-127"/>
+              </a:rPr>
+              <a:t>p03</a:t>
+            </a:r>
+            <a:endParaRPr lang="ko-KR" altLang="en-US" sz="1100" dirty="0">
+              <a:solidFill>
+                <a:srgbClr val="920000"/>
+              </a:solidFill>
+              <a:latin typeface="Noto Sans CJK KR Medium" panose="020B0600000000000000" pitchFamily="34" charset="-127"/>
+              <a:ea typeface="Noto Sans CJK KR Medium" panose="020B0600000000000000" pitchFamily="34" charset="-127"/>
+            </a:endParaRPr>
+          </a:p>
+        </p:txBody>
+      </p:sp>
+      <p:sp>
+        <p:nvSpPr>
+          <p:cNvPr id="21" name="TextBox 20">
+            <a:extLst>
+              <a:ext uri="{FF2B5EF4-FFF2-40B4-BE49-F238E27FC236}">
+                <a16:creationId xmlns:a16="http://schemas.microsoft.com/office/drawing/2014/main" id="{00D8CDB0-47DB-0B5A-7BDA-98ECC2EDABD5}"/>
+              </a:ext>
+            </a:extLst>
+          </p:cNvPr>
+          <p:cNvSpPr txBox="1"/>
+          <p:nvPr/>
+        </p:nvSpPr>
+        <p:spPr>
+          <a:xfrm>
+            <a:off x="4693920" y="2204505"/>
+            <a:ext cx="739305" cy="261610"/>
+          </a:xfrm>
+          <a:prstGeom prst="rect">
+            <a:avLst/>
+          </a:prstGeom>
+          <a:noFill/>
+        </p:spPr>
+        <p:txBody>
+          <a:bodyPr wrap="none" rtlCol="0">
+            <a:spAutoFit/>
+          </a:bodyPr>
+          <a:lstStyle/>
+          <a:p>
+            <a:r>
+              <a:rPr lang="en-US" altLang="ko-KR" sz="1100" dirty="0">
+                <a:solidFill>
+                  <a:srgbClr val="920000"/>
+                </a:solidFill>
+                <a:latin typeface="Noto Sans CJK KR Medium" panose="020B0600000000000000" pitchFamily="34" charset="-127"/>
+                <a:ea typeface="Noto Sans CJK KR Medium" panose="020B0600000000000000" pitchFamily="34" charset="-127"/>
+              </a:rPr>
+              <a:t>p04 - 09 </a:t>
+            </a:r>
+            <a:endParaRPr lang="ko-KR" altLang="en-US" sz="1100" dirty="0">
+              <a:solidFill>
+                <a:srgbClr val="920000"/>
+              </a:solidFill>
+              <a:latin typeface="Noto Sans CJK KR Medium" panose="020B0600000000000000" pitchFamily="34" charset="-127"/>
+              <a:ea typeface="Noto Sans CJK KR Medium" panose="020B0600000000000000" pitchFamily="34" charset="-127"/>
+            </a:endParaRPr>
+          </a:p>
+        </p:txBody>
+      </p:sp>
+      <p:sp>
+        <p:nvSpPr>
+          <p:cNvPr id="23" name="TextBox 22">
+            <a:extLst>
+              <a:ext uri="{FF2B5EF4-FFF2-40B4-BE49-F238E27FC236}">
+                <a16:creationId xmlns:a16="http://schemas.microsoft.com/office/drawing/2014/main" id="{5A14C61D-6321-E017-764A-49AADB5F0B89}"/>
+              </a:ext>
+            </a:extLst>
+          </p:cNvPr>
+          <p:cNvSpPr txBox="1"/>
+          <p:nvPr/>
+        </p:nvSpPr>
+        <p:spPr>
+          <a:xfrm>
+            <a:off x="4688306" y="4823641"/>
+            <a:ext cx="433132" cy="261610"/>
+          </a:xfrm>
+          <a:prstGeom prst="rect">
+            <a:avLst/>
+          </a:prstGeom>
+          <a:noFill/>
+        </p:spPr>
+        <p:txBody>
+          <a:bodyPr wrap="none" rtlCol="0">
+            <a:spAutoFit/>
+          </a:bodyPr>
+          <a:lstStyle/>
+          <a:p>
+            <a:r>
+              <a:rPr lang="en-US" altLang="ko-KR" sz="1100" dirty="0">
+                <a:solidFill>
+                  <a:srgbClr val="920000"/>
+                </a:solidFill>
+                <a:latin typeface="Noto Sans CJK KR Medium" panose="020B0600000000000000" pitchFamily="34" charset="-127"/>
+                <a:ea typeface="Noto Sans CJK KR Medium" panose="020B0600000000000000" pitchFamily="34" charset="-127"/>
+              </a:rPr>
+              <a:t>p10</a:t>
+            </a:r>
+            <a:endParaRPr lang="ko-KR" altLang="en-US" sz="1100" dirty="0">
+              <a:solidFill>
+                <a:srgbClr val="920000"/>
+              </a:solidFill>
+              <a:latin typeface="Noto Sans CJK KR Medium" panose="020B0600000000000000" pitchFamily="34" charset="-127"/>
+              <a:ea typeface="Noto Sans CJK KR Medium" panose="020B0600000000000000" pitchFamily="34" charset="-127"/>
+            </a:endParaRPr>
+          </a:p>
+        </p:txBody>
+      </p:sp>
+      <p:sp>
+        <p:nvSpPr>
+          <p:cNvPr id="24" name="TextBox 23">
+            <a:extLst>
+              <a:ext uri="{FF2B5EF4-FFF2-40B4-BE49-F238E27FC236}">
+                <a16:creationId xmlns:a16="http://schemas.microsoft.com/office/drawing/2014/main" id="{8DB6BFB2-FCFA-BB50-2EAC-0B1B71B5A61C}"/>
+              </a:ext>
+            </a:extLst>
+          </p:cNvPr>
+          <p:cNvSpPr txBox="1"/>
+          <p:nvPr/>
+        </p:nvSpPr>
+        <p:spPr>
+          <a:xfrm>
+            <a:off x="4688306" y="5449721"/>
+            <a:ext cx="433132" cy="261610"/>
+          </a:xfrm>
+          <a:prstGeom prst="rect">
+            <a:avLst/>
+          </a:prstGeom>
+          <a:noFill/>
+        </p:spPr>
+        <p:txBody>
+          <a:bodyPr wrap="none" rtlCol="0">
+            <a:spAutoFit/>
+          </a:bodyPr>
+          <a:lstStyle/>
+          <a:p>
+            <a:r>
+              <a:rPr lang="en-US" altLang="ko-KR" sz="1100" dirty="0">
+                <a:solidFill>
+                  <a:srgbClr val="920000"/>
+                </a:solidFill>
+                <a:latin typeface="Noto Sans CJK KR Medium" panose="020B0600000000000000" pitchFamily="34" charset="-127"/>
+                <a:ea typeface="Noto Sans CJK KR Medium" panose="020B0600000000000000" pitchFamily="34" charset="-127"/>
+              </a:rPr>
+              <a:t>p11</a:t>
+            </a:r>
+            <a:endParaRPr lang="ko-KR" altLang="en-US" sz="1100" dirty="0">
+              <a:solidFill>
+                <a:srgbClr val="920000"/>
+              </a:solidFill>
+              <a:latin typeface="Noto Sans CJK KR Medium" panose="020B0600000000000000" pitchFamily="34" charset="-127"/>
+              <a:ea typeface="Noto Sans CJK KR Medium" panose="020B0600000000000000" pitchFamily="34" charset="-127"/>
+            </a:endParaRPr>
+          </a:p>
+        </p:txBody>
+      </p:sp>
+      <p:sp>
+        <p:nvSpPr>
+          <p:cNvPr id="26" name="TextBox 25">
+            <a:extLst>
+              <a:ext uri="{FF2B5EF4-FFF2-40B4-BE49-F238E27FC236}">
+                <a16:creationId xmlns:a16="http://schemas.microsoft.com/office/drawing/2014/main" id="{91B24885-92F8-CB86-C597-750C468D1AEC}"/>
+              </a:ext>
+            </a:extLst>
+          </p:cNvPr>
+          <p:cNvSpPr txBox="1"/>
+          <p:nvPr/>
+        </p:nvSpPr>
+        <p:spPr>
+          <a:xfrm>
+            <a:off x="11039244" y="1587392"/>
+            <a:ext cx="433132" cy="261610"/>
+          </a:xfrm>
+          <a:prstGeom prst="rect">
+            <a:avLst/>
+          </a:prstGeom>
+          <a:noFill/>
+        </p:spPr>
+        <p:txBody>
+          <a:bodyPr wrap="none" rtlCol="0">
+            <a:spAutoFit/>
+          </a:bodyPr>
+          <a:lstStyle/>
+          <a:p>
+            <a:r>
+              <a:rPr lang="en-US" altLang="ko-KR" sz="1100" dirty="0">
+                <a:solidFill>
+                  <a:srgbClr val="920000"/>
+                </a:solidFill>
+                <a:latin typeface="Noto Sans CJK KR Medium" panose="020B0600000000000000" pitchFamily="34" charset="-127"/>
+                <a:ea typeface="Noto Sans CJK KR Medium" panose="020B0600000000000000" pitchFamily="34" charset="-127"/>
+              </a:rPr>
+              <a:t>p12</a:t>
+            </a:r>
+            <a:endParaRPr lang="ko-KR" altLang="en-US" sz="1100" dirty="0">
+              <a:solidFill>
+                <a:srgbClr val="920000"/>
+              </a:solidFill>
+              <a:latin typeface="Noto Sans CJK KR Medium" panose="020B0600000000000000" pitchFamily="34" charset="-127"/>
+              <a:ea typeface="Noto Sans CJK KR Medium" panose="020B0600000000000000" pitchFamily="34" charset="-127"/>
+            </a:endParaRPr>
+          </a:p>
+        </p:txBody>
+      </p:sp>
+      <p:sp>
+        <p:nvSpPr>
+          <p:cNvPr id="15" name="TextBox 14">
+            <a:extLst>
+              <a:ext uri="{FF2B5EF4-FFF2-40B4-BE49-F238E27FC236}">
+                <a16:creationId xmlns:a16="http://schemas.microsoft.com/office/drawing/2014/main" id="{120B1E6D-6E25-6A5B-1AB4-DFB12DBB1DCE}"/>
+              </a:ext>
+            </a:extLst>
+          </p:cNvPr>
+          <p:cNvSpPr txBox="1"/>
+          <p:nvPr/>
+        </p:nvSpPr>
+        <p:spPr>
+          <a:xfrm>
+            <a:off x="11039244" y="2202984"/>
+            <a:ext cx="433132" cy="261610"/>
+          </a:xfrm>
+          <a:prstGeom prst="rect">
+            <a:avLst/>
+          </a:prstGeom>
+          <a:noFill/>
+        </p:spPr>
+        <p:txBody>
+          <a:bodyPr wrap="none" rtlCol="0">
+            <a:spAutoFit/>
+          </a:bodyPr>
+          <a:lstStyle/>
+          <a:p>
+            <a:r>
+              <a:rPr lang="en-US" altLang="ko-KR" sz="1100">
+                <a:solidFill>
+                  <a:srgbClr val="920000"/>
+                </a:solidFill>
+                <a:latin typeface="Noto Sans CJK KR Medium" panose="020B0600000000000000" pitchFamily="34" charset="-127"/>
+                <a:ea typeface="Noto Sans CJK KR Medium" panose="020B0600000000000000" pitchFamily="34" charset="-127"/>
+              </a:rPr>
+              <a:t>p13</a:t>
+            </a:r>
+            <a:endParaRPr lang="ko-KR" altLang="en-US" sz="1100" dirty="0">
+              <a:solidFill>
+                <a:srgbClr val="920000"/>
+              </a:solidFill>
+              <a:latin typeface="Noto Sans CJK KR Medium" panose="020B0600000000000000" pitchFamily="34" charset="-127"/>
+              <a:ea typeface="Noto Sans CJK KR Medium" panose="020B0600000000000000" pitchFamily="34" charset="-127"/>
+            </a:endParaRPr>
+          </a:p>
+        </p:txBody>
+      </p:sp>
+      <p:sp>
+        <p:nvSpPr>
+          <p:cNvPr id="18" name="TextBox 17">
+            <a:extLst>
+              <a:ext uri="{FF2B5EF4-FFF2-40B4-BE49-F238E27FC236}">
+                <a16:creationId xmlns:a16="http://schemas.microsoft.com/office/drawing/2014/main" id="{5F4FAE90-C838-52E8-B1DE-4EA172D12893}"/>
+              </a:ext>
+            </a:extLst>
+          </p:cNvPr>
+          <p:cNvSpPr txBox="1"/>
+          <p:nvPr/>
+        </p:nvSpPr>
+        <p:spPr>
+          <a:xfrm>
+            <a:off x="11039244" y="4829272"/>
+            <a:ext cx="433132" cy="261610"/>
+          </a:xfrm>
+          <a:prstGeom prst="rect">
+            <a:avLst/>
+          </a:prstGeom>
+          <a:noFill/>
+        </p:spPr>
+        <p:txBody>
+          <a:bodyPr wrap="none" rtlCol="0">
+            <a:spAutoFit/>
+          </a:bodyPr>
+          <a:lstStyle/>
+          <a:p>
+            <a:r>
+              <a:rPr lang="en-US" altLang="ko-KR" sz="1100" dirty="0">
+                <a:solidFill>
+                  <a:srgbClr val="920000"/>
+                </a:solidFill>
+                <a:latin typeface="Noto Sans CJK KR Medium" panose="020B0600000000000000" pitchFamily="34" charset="-127"/>
+                <a:ea typeface="Noto Sans CJK KR Medium" panose="020B0600000000000000" pitchFamily="34" charset="-127"/>
+              </a:rPr>
+              <a:t>p14</a:t>
+            </a:r>
+            <a:endParaRPr lang="ko-KR" altLang="en-US" sz="1100" dirty="0">
+              <a:solidFill>
+                <a:srgbClr val="920000"/>
+              </a:solidFill>
+              <a:latin typeface="Noto Sans CJK KR Medium" panose="020B0600000000000000" pitchFamily="34" charset="-127"/>
+              <a:ea typeface="Noto Sans CJK KR Medium" panose="020B0600000000000000" pitchFamily="34" charset="-127"/>
+            </a:endParaRPr>
+          </a:p>
+        </p:txBody>
+      </p:sp>
+      <p:sp>
+        <p:nvSpPr>
+          <p:cNvPr id="27" name="TextBox 26">
+            <a:extLst>
+              <a:ext uri="{FF2B5EF4-FFF2-40B4-BE49-F238E27FC236}">
+                <a16:creationId xmlns:a16="http://schemas.microsoft.com/office/drawing/2014/main" id="{DF2EEC28-5307-21AA-C99C-E450DD4BC31D}"/>
+              </a:ext>
+            </a:extLst>
+          </p:cNvPr>
+          <p:cNvSpPr txBox="1"/>
+          <p:nvPr/>
+        </p:nvSpPr>
+        <p:spPr>
+          <a:xfrm>
+            <a:off x="11039244" y="5447548"/>
+            <a:ext cx="433132" cy="261610"/>
+          </a:xfrm>
+          <a:prstGeom prst="rect">
+            <a:avLst/>
+          </a:prstGeom>
+          <a:noFill/>
+        </p:spPr>
+        <p:txBody>
+          <a:bodyPr wrap="none" rtlCol="0">
+            <a:spAutoFit/>
+          </a:bodyPr>
+          <a:lstStyle/>
+          <a:p>
+            <a:r>
+              <a:rPr lang="en-US" altLang="ko-KR" sz="1100" dirty="0">
+                <a:solidFill>
+                  <a:srgbClr val="920000"/>
+                </a:solidFill>
+                <a:latin typeface="Noto Sans CJK KR Medium" panose="020B0600000000000000" pitchFamily="34" charset="-127"/>
+                <a:ea typeface="Noto Sans CJK KR Medium" panose="020B0600000000000000" pitchFamily="34" charset="-127"/>
+              </a:rPr>
+              <a:t>p15</a:t>
+            </a:r>
+            <a:endParaRPr lang="ko-KR" altLang="en-US" sz="1100" dirty="0">
+              <a:solidFill>
+                <a:srgbClr val="920000"/>
+              </a:solidFill>
+              <a:latin typeface="Noto Sans CJK KR Medium" panose="020B0600000000000000" pitchFamily="34" charset="-127"/>
+              <a:ea typeface="Noto Sans CJK KR Medium" panose="020B0600000000000000" pitchFamily="34" charset="-127"/>
             </a:endParaRPr>
           </a:p>
         </p:txBody>
@@ -8540,7 +10788,7 @@
         <p:spPr>
           <a:xfrm>
             <a:off x="11643452" y="6596390"/>
-            <a:ext cx="548548" cy="261610"/>
+            <a:ext cx="542136" cy="261610"/>
           </a:xfrm>
           <a:prstGeom prst="rect">
             <a:avLst/>
@@ -8561,7 +10809,7 @@
                 <a:latin typeface="Noto Sans CJK KR Light" panose="020B0300000000000000" pitchFamily="34" charset="-127"/>
                 <a:ea typeface="Noto Sans CJK KR Light" panose="020B0300000000000000" pitchFamily="34" charset="-127"/>
               </a:rPr>
-              <a:t>03/14</a:t>
+              <a:t>03/15</a:t>
             </a:r>
             <a:endParaRPr lang="ko-KR" altLang="en-US" sz="1100" dirty="0">
               <a:solidFill>
@@ -9302,7 +11550,7 @@
         <p:spPr>
           <a:xfrm>
             <a:off x="742451" y="3556622"/>
-            <a:ext cx="3562194" cy="1675715"/>
+            <a:ext cx="5819222" cy="1675715"/>
           </a:xfrm>
           <a:prstGeom prst="rect">
             <a:avLst/>
@@ -9348,7 +11596,7 @@
                 <a:latin typeface="Noto Sans CJK KR Medium" panose="020B0600000000000000" pitchFamily="34" charset="-127"/>
                 <a:ea typeface="Noto Sans CJK KR Medium" panose="020B0600000000000000" pitchFamily="34" charset="-127"/>
               </a:rPr>
-              <a:t>다중 접속 </a:t>
+              <a:t>다중 접속 어드벤처 게임 </a:t>
             </a:r>
             <a:r>
               <a:rPr lang="en-US" altLang="ko-KR" dirty="0">
@@ -9358,7 +11606,47 @@
                 <a:latin typeface="Noto Sans CJK KR Medium" panose="020B0600000000000000" pitchFamily="34" charset="-127"/>
                 <a:ea typeface="Noto Sans CJK KR Medium" panose="020B0600000000000000" pitchFamily="34" charset="-127"/>
               </a:rPr>
-              <a:t>RPG</a:t>
+              <a:t>( </a:t>
+            </a:r>
+            <a:r>
+              <a:rPr lang="ko-KR" altLang="en-US" dirty="0">
+                <a:solidFill>
+                  <a:schemeClr val="bg1"/>
+                </a:solidFill>
+                <a:latin typeface="Noto Sans CJK KR Medium" panose="020B0600000000000000" pitchFamily="34" charset="-127"/>
+                <a:ea typeface="Noto Sans CJK KR Medium" panose="020B0600000000000000" pitchFamily="34" charset="-127"/>
+              </a:rPr>
+              <a:t>전투 </a:t>
+            </a:r>
+            <a:r>
+              <a:rPr lang="en-US" altLang="ko-KR" dirty="0">
+                <a:solidFill>
+                  <a:schemeClr val="bg1"/>
+                </a:solidFill>
+                <a:latin typeface="Noto Sans CJK KR Medium" panose="020B0600000000000000" pitchFamily="34" charset="-127"/>
+                <a:ea typeface="Noto Sans CJK KR Medium" panose="020B0600000000000000" pitchFamily="34" charset="-127"/>
+              </a:rPr>
+              <a:t>+ </a:t>
+            </a:r>
+            <a:r>
+              <a:rPr lang="ko-KR" altLang="en-US" dirty="0">
+                <a:solidFill>
+                  <a:schemeClr val="bg1"/>
+                </a:solidFill>
+                <a:latin typeface="Noto Sans CJK KR Medium" panose="020B0600000000000000" pitchFamily="34" charset="-127"/>
+                <a:ea typeface="Noto Sans CJK KR Medium" panose="020B0600000000000000" pitchFamily="34" charset="-127"/>
+              </a:rPr>
+              <a:t>퍼즐 </a:t>
+            </a:r>
+            <a:r>
+              <a:rPr lang="en-US" altLang="ko-KR" dirty="0">
+                <a:solidFill>
+                  <a:schemeClr val="bg1"/>
+                </a:solidFill>
+                <a:latin typeface="Noto Sans CJK KR Medium" panose="020B0600000000000000" pitchFamily="34" charset="-127"/>
+                <a:ea typeface="Noto Sans CJK KR Medium" panose="020B0600000000000000" pitchFamily="34" charset="-127"/>
+              </a:rPr>
+              <a:t>)</a:t>
             </a:r>
           </a:p>
           <a:p>
@@ -9628,7 +11916,7 @@
                 <a:ea typeface="Noto Sans CJK KR Medium" panose="020B0600000000000000" pitchFamily="34" charset="-127"/>
                 <a:cs typeface="둥근모꼴" panose="020B0500000000000000" pitchFamily="50" charset="-127"/>
               </a:rPr>
-              <a:t>1. </a:t>
+              <a:t>2. </a:t>
             </a:r>
             <a:r>
               <a:rPr lang="ko-KR" altLang="en-US" sz="4000" dirty="0">
@@ -9677,7 +11965,7 @@
                 <a:latin typeface="Noto Sans CJK KR Light" panose="020B0300000000000000" pitchFamily="34" charset="-127"/>
                 <a:ea typeface="Noto Sans CJK KR Light" panose="020B0300000000000000" pitchFamily="34" charset="-127"/>
               </a:rPr>
-              <a:t>04/14</a:t>
+              <a:t>04/15</a:t>
             </a:r>
             <a:endParaRPr lang="ko-KR" altLang="en-US" sz="1100" dirty="0">
               <a:solidFill>
@@ -11285,7 +13573,7 @@
                 <a:ea typeface="Noto Sans CJK KR Medium" panose="020B0600000000000000" pitchFamily="34" charset="-127"/>
                 <a:cs typeface="둥근모꼴" panose="020B0500000000000000" pitchFamily="50" charset="-127"/>
               </a:rPr>
-              <a:t>1. </a:t>
+              <a:t>2. </a:t>
             </a:r>
             <a:r>
               <a:rPr lang="ko-KR" altLang="en-US" sz="4000" dirty="0">
@@ -11334,7 +13622,7 @@
                 <a:latin typeface="Noto Sans CJK KR Light" panose="020B0300000000000000" pitchFamily="34" charset="-127"/>
                 <a:ea typeface="Noto Sans CJK KR Light" panose="020B0300000000000000" pitchFamily="34" charset="-127"/>
               </a:rPr>
-              <a:t>05/14</a:t>
+              <a:t>05/15</a:t>
             </a:r>
             <a:endParaRPr lang="ko-KR" altLang="en-US" sz="1100" dirty="0">
               <a:solidFill>
@@ -11758,7 +14046,7 @@
                 <a:ea typeface="Noto Sans CJK KR Medium" panose="020B0600000000000000" pitchFamily="34" charset="-127"/>
                 <a:cs typeface="둥근모꼴" panose="020B0500000000000000" pitchFamily="50" charset="-127"/>
               </a:rPr>
-              <a:t>1. </a:t>
+              <a:t>2. </a:t>
             </a:r>
             <a:r>
               <a:rPr lang="ko-KR" altLang="en-US" sz="4000" dirty="0">
@@ -13966,7 +16254,7 @@
                 <a:latin typeface="Noto Sans CJK KR Light" panose="020B0300000000000000" pitchFamily="34" charset="-127"/>
                 <a:ea typeface="Noto Sans CJK KR Light" panose="020B0300000000000000" pitchFamily="34" charset="-127"/>
               </a:rPr>
-              <a:t>06/14</a:t>
+              <a:t>06/15</a:t>
             </a:r>
             <a:endParaRPr lang="ko-KR" altLang="en-US" sz="1100" dirty="0">
               <a:solidFill>
@@ -14320,7 +16608,7 @@
                 <a:ea typeface="Noto Sans CJK KR Medium" panose="020B0600000000000000" pitchFamily="34" charset="-127"/>
                 <a:cs typeface="둥근모꼴" panose="020B0500000000000000" pitchFamily="50" charset="-127"/>
               </a:rPr>
-              <a:t>1. </a:t>
+              <a:t>2. </a:t>
             </a:r>
             <a:r>
               <a:rPr lang="ko-KR" altLang="en-US" sz="4000" dirty="0">
@@ -15600,7 +17888,7 @@
                 <a:latin typeface="Noto Sans CJK KR Light" panose="020B0300000000000000" pitchFamily="34" charset="-127"/>
                 <a:ea typeface="Noto Sans CJK KR Light" panose="020B0300000000000000" pitchFamily="34" charset="-127"/>
               </a:rPr>
-              <a:t>07/14</a:t>
+              <a:t>07/15</a:t>
             </a:r>
             <a:endParaRPr lang="ko-KR" altLang="en-US" sz="1100" dirty="0">
               <a:solidFill>
@@ -15838,10 +18126,10 @@
       </p:sp>
       <p:sp>
         <p:nvSpPr>
-          <p:cNvPr id="24" name="직사각형 23">
-            <a:extLst>
-              <a:ext uri="{FF2B5EF4-FFF2-40B4-BE49-F238E27FC236}">
-                <a16:creationId xmlns:a16="http://schemas.microsoft.com/office/drawing/2014/main" id="{8E3E100A-65F9-6DD8-1BBE-A0DE9AC568A0}"/>
+          <p:cNvPr id="25" name="사각형: 둥근 모서리 24">
+            <a:extLst>
+              <a:ext uri="{FF2B5EF4-FFF2-40B4-BE49-F238E27FC236}">
+                <a16:creationId xmlns:a16="http://schemas.microsoft.com/office/drawing/2014/main" id="{E08C188D-4F38-5251-4C6E-9678F772DFB3}"/>
               </a:ext>
             </a:extLst>
           </p:cNvPr>
@@ -15850,19 +18138,18 @@
         </p:nvSpPr>
         <p:spPr>
           <a:xfrm>
-            <a:off x="0" y="1395727"/>
-            <a:ext cx="12192001" cy="5177793"/>
-          </a:xfrm>
-          <a:prstGeom prst="rect">
-            <a:avLst/>
-          </a:prstGeom>
-          <a:solidFill>
-            <a:schemeClr val="bg1">
-              <a:alpha val="69000"/>
-            </a:schemeClr>
-          </a:solidFill>
+            <a:off x="34291" y="297814"/>
+            <a:ext cx="12111990" cy="655493"/>
+          </a:xfrm>
+          <a:prstGeom prst="roundRect">
+            <a:avLst/>
+          </a:prstGeom>
+          <a:noFill/>
           <a:ln>
-            <a:noFill/>
+            <a:solidFill>
+              <a:srgbClr val="6B6B6B"/>
+            </a:solidFill>
+            <a:prstDash val="dash"/>
           </a:ln>
         </p:spPr>
         <p:style>
@@ -15892,59 +18179,6 @@
       </p:sp>
       <p:sp>
         <p:nvSpPr>
-          <p:cNvPr id="25" name="사각형: 둥근 모서리 24">
-            <a:extLst>
-              <a:ext uri="{FF2B5EF4-FFF2-40B4-BE49-F238E27FC236}">
-                <a16:creationId xmlns:a16="http://schemas.microsoft.com/office/drawing/2014/main" id="{E08C188D-4F38-5251-4C6E-9678F772DFB3}"/>
-              </a:ext>
-            </a:extLst>
-          </p:cNvPr>
-          <p:cNvSpPr/>
-          <p:nvPr/>
-        </p:nvSpPr>
-        <p:spPr>
-          <a:xfrm>
-            <a:off x="34291" y="297814"/>
-            <a:ext cx="12111990" cy="655493"/>
-          </a:xfrm>
-          <a:prstGeom prst="roundRect">
-            <a:avLst/>
-          </a:prstGeom>
-          <a:noFill/>
-          <a:ln>
-            <a:solidFill>
-              <a:srgbClr val="6B6B6B"/>
-            </a:solidFill>
-            <a:prstDash val="dash"/>
-          </a:ln>
-        </p:spPr>
-        <p:style>
-          <a:lnRef idx="2">
-            <a:schemeClr val="accent1">
-              <a:shade val="50000"/>
-            </a:schemeClr>
-          </a:lnRef>
-          <a:fillRef idx="1">
-            <a:schemeClr val="accent1"/>
-          </a:fillRef>
-          <a:effectRef idx="0">
-            <a:schemeClr val="accent1"/>
-          </a:effectRef>
-          <a:fontRef idx="minor">
-            <a:schemeClr val="lt1"/>
-          </a:fontRef>
-        </p:style>
-        <p:txBody>
-          <a:bodyPr rtlCol="0" anchor="ctr"/>
-          <a:lstStyle/>
-          <a:p>
-            <a:pPr algn="ctr"/>
-            <a:endParaRPr lang="ko-KR" altLang="en-US"/>
-          </a:p>
-        </p:txBody>
-      </p:sp>
-      <p:sp>
-        <p:nvSpPr>
           <p:cNvPr id="5" name="TextBox 4">
             <a:extLst>
               <a:ext uri="{FF2B5EF4-FFF2-40B4-BE49-F238E27FC236}">
@@ -16024,7 +18258,7 @@
                 <a:ea typeface="Noto Sans CJK KR Medium" panose="020B0600000000000000" pitchFamily="34" charset="-127"/>
                 <a:cs typeface="둥근모꼴" panose="020B0500000000000000" pitchFamily="50" charset="-127"/>
               </a:rPr>
-              <a:t>1. </a:t>
+              <a:t>2. </a:t>
             </a:r>
             <a:r>
               <a:rPr lang="ko-KR" altLang="en-US" sz="4000" dirty="0">
@@ -16073,7 +18307,7 @@
                 <a:latin typeface="Noto Sans CJK KR Light" panose="020B0300000000000000" pitchFamily="34" charset="-127"/>
                 <a:ea typeface="Noto Sans CJK KR Light" panose="020B0300000000000000" pitchFamily="34" charset="-127"/>
               </a:rPr>
-              <a:t>08/14</a:t>
+              <a:t>08/15</a:t>
             </a:r>
             <a:endParaRPr lang="ko-KR" altLang="en-US" sz="1100" dirty="0">
               <a:solidFill>
@@ -16085,6 +18319,42 @@
           </a:p>
         </p:txBody>
       </p:sp>
+      <p:pic>
+        <p:nvPicPr>
+          <p:cNvPr id="10" name="그림 9">
+            <a:extLst>
+              <a:ext uri="{FF2B5EF4-FFF2-40B4-BE49-F238E27FC236}">
+                <a16:creationId xmlns:a16="http://schemas.microsoft.com/office/drawing/2014/main" id="{56D9B160-560B-D179-8307-A30E1A62716D}"/>
+              </a:ext>
+            </a:extLst>
+          </p:cNvPr>
+          <p:cNvPicPr>
+            <a:picLocks noChangeAspect="1"/>
+          </p:cNvPicPr>
+          <p:nvPr/>
+        </p:nvPicPr>
+        <p:blipFill>
+          <a:blip r:embed="rId5">
+            <a:extLst>
+              <a:ext uri="{28A0092B-C50C-407E-A947-70E740481C1C}">
+                <a14:useLocalDpi xmlns:a14="http://schemas.microsoft.com/office/drawing/2010/main" val="0"/>
+              </a:ext>
+            </a:extLst>
+          </a:blip>
+          <a:stretch>
+            <a:fillRect/>
+          </a:stretch>
+        </p:blipFill>
+        <p:spPr>
+          <a:xfrm>
+            <a:off x="451412" y="1534997"/>
+            <a:ext cx="4497885" cy="4599707"/>
+          </a:xfrm>
+          <a:prstGeom prst="rect">
+            <a:avLst/>
+          </a:prstGeom>
+        </p:spPr>
+      </p:pic>
     </p:spTree>
     <p:extLst>
       <p:ext uri="{BB962C8B-B14F-4D97-AF65-F5344CB8AC3E}">
@@ -16450,7 +18720,7 @@
                 <a:ea typeface="Noto Sans CJK KR Medium" panose="020B0600000000000000" pitchFamily="34" charset="-127"/>
                 <a:cs typeface="둥근모꼴" panose="020B0500000000000000" pitchFamily="50" charset="-127"/>
               </a:rPr>
-              <a:t>1. </a:t>
+              <a:t>2. </a:t>
             </a:r>
             <a:r>
               <a:rPr lang="ko-KR" altLang="en-US" sz="4000" dirty="0">
@@ -17447,7 +19717,7 @@
                 <a:latin typeface="Noto Sans CJK KR Light" panose="020B0300000000000000" pitchFamily="34" charset="-127"/>
                 <a:ea typeface="Noto Sans CJK KR Light" panose="020B0300000000000000" pitchFamily="34" charset="-127"/>
               </a:rPr>
-              <a:t>09/14</a:t>
+              <a:t>09/15</a:t>
             </a:r>
             <a:endParaRPr lang="ko-KR" altLang="en-US" sz="1100" dirty="0">
               <a:solidFill>
